--- a/meta_poster.pptx
+++ b/meta_poster.pptx
@@ -3103,92 +3103,107 @@
           <a:chExt cx="0" cy="0"/>
         </a:xfrm>
       </p:grpSpPr>
-      <p:sp>
-        <p:nvSpPr>
-          <p:cNvPr id="24" name="Rectangle 23"/>
-          <p:cNvSpPr/>
+      <p:grpSp>
+        <p:nvGrpSpPr>
+          <p:cNvPr id="25" name="Group 24"/>
+          <p:cNvGrpSpPr/>
           <p:nvPr/>
-        </p:nvSpPr>
-        <p:spPr>
+        </p:nvGrpSpPr>
+        <p:grpSpPr>
           <a:xfrm>
-            <a:off x="0" y="2275708"/>
-            <a:ext cx="9143999" cy="4582291"/>
+            <a:off x="0" y="0"/>
+            <a:ext cx="9144000" cy="6929516"/>
+            <a:chOff x="0" y="0"/>
+            <a:chExt cx="9144000" cy="6929516"/>
           </a:xfrm>
-          <a:prstGeom prst="rect">
-            <a:avLst/>
-          </a:prstGeom>
-          <a:solidFill>
-            <a:schemeClr val="tx2">
-              <a:lumMod val="40000"/>
-              <a:lumOff val="60000"/>
-            </a:schemeClr>
-          </a:solidFill>
-          <a:ln w="57150" cmpd="sng">
+        </p:grpSpPr>
+        <p:sp>
+          <p:nvSpPr>
+            <p:cNvPr id="19" name="TextBox 18"/>
+            <p:cNvSpPr txBox="1"/>
+            <p:nvPr/>
+          </p:nvSpPr>
+          <p:spPr>
+            <a:xfrm>
+              <a:off x="0" y="0"/>
+              <a:ext cx="9143999" cy="2275709"/>
+            </a:xfrm>
+            <a:prstGeom prst="rect">
+              <a:avLst/>
+            </a:prstGeom>
             <a:solidFill>
-              <a:schemeClr val="tx1">
-                <a:alpha val="50000"/>
+              <a:schemeClr val="bg1"/>
+            </a:solidFill>
+            <a:ln w="57150" cmpd="sng">
+              <a:solidFill>
+                <a:schemeClr val="tx1">
+                  <a:alpha val="50000"/>
+                </a:schemeClr>
+              </a:solidFill>
+            </a:ln>
+          </p:spPr>
+          <p:txBody>
+            <a:bodyPr wrap="square" rtlCol="0">
+              <a:spAutoFit/>
+            </a:bodyPr>
+            <a:lstStyle/>
+            <a:p>
+              <a:endParaRPr lang="en-US" dirty="0"/>
+            </a:p>
+          </p:txBody>
+        </p:sp>
+        <p:sp>
+          <p:nvSpPr>
+            <p:cNvPr id="24" name="Rectangle 23"/>
+            <p:cNvSpPr/>
+            <p:nvPr/>
+          </p:nvSpPr>
+          <p:spPr>
+            <a:xfrm>
+              <a:off x="1" y="2054823"/>
+              <a:ext cx="9143999" cy="4874693"/>
+            </a:xfrm>
+            <a:prstGeom prst="rect">
+              <a:avLst/>
+            </a:prstGeom>
+            <a:solidFill>
+              <a:schemeClr val="tx2">
+                <a:lumMod val="40000"/>
+                <a:lumOff val="60000"/>
               </a:schemeClr>
             </a:solidFill>
-          </a:ln>
-        </p:spPr>
-        <p:style>
-          <a:lnRef idx="1">
-            <a:schemeClr val="accent1"/>
-          </a:lnRef>
-          <a:fillRef idx="3">
-            <a:schemeClr val="accent1"/>
-          </a:fillRef>
-          <a:effectRef idx="2">
-            <a:schemeClr val="accent1"/>
-          </a:effectRef>
-          <a:fontRef idx="minor">
-            <a:schemeClr val="lt1"/>
-          </a:fontRef>
-        </p:style>
-        <p:txBody>
-          <a:bodyPr rtlCol="0" anchor="ctr"/>
-          <a:lstStyle/>
-          <a:p>
-            <a:pPr algn="ctr"/>
-            <a:endParaRPr lang="en-US"/>
-          </a:p>
-        </p:txBody>
-      </p:sp>
-      <p:sp>
-        <p:nvSpPr>
-          <p:cNvPr id="19" name="TextBox 18"/>
-          <p:cNvSpPr txBox="1"/>
-          <p:nvPr/>
-        </p:nvSpPr>
-        <p:spPr>
-          <a:xfrm>
-            <a:off x="0" y="0"/>
-            <a:ext cx="9143999" cy="2275709"/>
-          </a:xfrm>
-          <a:prstGeom prst="rect">
-            <a:avLst/>
-          </a:prstGeom>
-          <a:solidFill>
-            <a:schemeClr val="bg1"/>
-          </a:solidFill>
-          <a:ln w="57150" cmpd="sng">
-            <a:solidFill>
-              <a:schemeClr val="tx1">
-                <a:alpha val="50000"/>
-              </a:schemeClr>
-            </a:solidFill>
-          </a:ln>
-        </p:spPr>
-        <p:txBody>
-          <a:bodyPr wrap="square" rtlCol="0">
-            <a:spAutoFit/>
-          </a:bodyPr>
-          <a:lstStyle/>
-          <a:p>
-            <a:endParaRPr lang="en-US" dirty="0"/>
-          </a:p>
-        </p:txBody>
-      </p:sp>
+            <a:ln w="57150" cmpd="sng">
+              <a:solidFill>
+                <a:schemeClr val="tx1">
+                  <a:alpha val="50000"/>
+                </a:schemeClr>
+              </a:solidFill>
+            </a:ln>
+          </p:spPr>
+          <p:style>
+            <a:lnRef idx="1">
+              <a:schemeClr val="accent1"/>
+            </a:lnRef>
+            <a:fillRef idx="3">
+              <a:schemeClr val="accent1"/>
+            </a:fillRef>
+            <a:effectRef idx="2">
+              <a:schemeClr val="accent1"/>
+            </a:effectRef>
+            <a:fontRef idx="minor">
+              <a:schemeClr val="lt1"/>
+            </a:fontRef>
+          </p:style>
+          <p:txBody>
+            <a:bodyPr rtlCol="0" anchor="ctr"/>
+            <a:lstStyle/>
+            <a:p>
+              <a:pPr algn="ctr"/>
+              <a:endParaRPr lang="en-US" dirty="0"/>
+            </a:p>
+          </p:txBody>
+        </p:sp>
+      </p:grpSp>
       <p:pic>
         <p:nvPicPr>
           <p:cNvPr id="5" name="Picture 3" descr="C:\Users\Alex Tsoi\Conference_Meeting\ASHG_2011\StackedFullBlockM.png"/>
@@ -3206,7 +3221,7 @@
         </p:blipFill>
         <p:spPr bwMode="auto">
           <a:xfrm>
-            <a:off x="82542" y="1096090"/>
+            <a:off x="82542" y="912564"/>
             <a:ext cx="1857830" cy="1070743"/>
           </a:xfrm>
           <a:prstGeom prst="rect">
@@ -3310,7 +3325,7 @@
         </p:blipFill>
         <p:spPr bwMode="auto">
           <a:xfrm>
-            <a:off x="7602728" y="987539"/>
+            <a:off x="7602728" y="846410"/>
             <a:ext cx="1298722" cy="1136897"/>
           </a:xfrm>
           <a:prstGeom prst="rect">
@@ -3327,8 +3342,8 @@
         </p:nvSpPr>
         <p:spPr>
           <a:xfrm>
-            <a:off x="872997" y="80427"/>
-            <a:ext cx="7816713" cy="1015663"/>
+            <a:off x="437004" y="-7779"/>
+            <a:ext cx="8263425" cy="1015663"/>
           </a:xfrm>
           <a:prstGeom prst="rect">
             <a:avLst/>
@@ -3342,10 +3357,16 @@
           <a:lstStyle/>
           <a:p>
             <a:r>
-              <a:rPr lang="en-US" sz="6000" dirty="0" smtClean="0"/>
+              <a:rPr lang="en-US" sz="6000" b="1" dirty="0" smtClean="0">
+                <a:latin typeface="Times New Roman"/>
+                <a:cs typeface="Times New Roman"/>
+              </a:rPr>
               <a:t>Genomics Meta Analysis</a:t>
             </a:r>
-            <a:endParaRPr lang="en-US" sz="6000" dirty="0"/>
+            <a:endParaRPr lang="en-US" sz="6000" b="1" dirty="0">
+              <a:latin typeface="Times New Roman"/>
+              <a:cs typeface="Times New Roman"/>
+            </a:endParaRPr>
           </a:p>
         </p:txBody>
       </p:sp>
@@ -3357,7 +3378,7 @@
         </p:nvSpPr>
         <p:spPr>
           <a:xfrm>
-            <a:off x="1940372" y="402104"/>
+            <a:off x="1940372" y="186660"/>
             <a:ext cx="5662356" cy="2369880"/>
           </a:xfrm>
           <a:prstGeom prst="rect">
@@ -3376,15 +3397,24 @@
           <a:p>
             <a:pPr algn="ctr"/>
             <a:r>
-              <a:rPr lang="en-US" sz="3600" dirty="0" smtClean="0"/>
+              <a:rPr lang="en-US" sz="3400" dirty="0" smtClean="0">
+                <a:latin typeface="Times New Roman"/>
+                <a:cs typeface="Times New Roman"/>
+              </a:rPr>
               <a:t>Kristine </a:t>
             </a:r>
             <a:r>
-              <a:rPr lang="en-US" sz="3600" dirty="0" err="1" smtClean="0"/>
+              <a:rPr lang="en-US" sz="3400" dirty="0" err="1" smtClean="0">
+                <a:latin typeface="Times New Roman"/>
+                <a:cs typeface="Times New Roman"/>
+              </a:rPr>
               <a:t>Lan</a:t>
             </a:r>
             <a:r>
-              <a:rPr lang="en-US" sz="3600" dirty="0" smtClean="0"/>
+              <a:rPr lang="en-US" sz="3400" dirty="0" smtClean="0">
+                <a:latin typeface="Times New Roman"/>
+                <a:cs typeface="Times New Roman"/>
+              </a:rPr>
               <a:t>, Rushil Sheth, Mike Thompson</a:t>
             </a:r>
           </a:p>
@@ -3394,21 +3424,126 @@
           </a:p>
         </p:txBody>
       </p:sp>
-      <p:sp>
-        <p:nvSpPr>
-          <p:cNvPr id="14" name="TextBox 13"/>
+      <p:grpSp>
+        <p:nvGrpSpPr>
+          <p:cNvPr id="30" name="Group 29"/>
+          <p:cNvGrpSpPr/>
+          <p:nvPr/>
+        </p:nvGrpSpPr>
+        <p:grpSpPr>
+          <a:xfrm>
+            <a:off x="164415" y="2226994"/>
+            <a:ext cx="2640303" cy="1994237"/>
+            <a:chOff x="164415" y="2226994"/>
+            <a:chExt cx="2640303" cy="1994237"/>
+          </a:xfrm>
+        </p:grpSpPr>
+        <p:sp>
+          <p:nvSpPr>
+            <p:cNvPr id="14" name="TextBox 13"/>
+            <p:cNvSpPr txBox="1"/>
+            <p:nvPr/>
+          </p:nvSpPr>
+          <p:spPr>
+            <a:xfrm>
+              <a:off x="164415" y="2226994"/>
+              <a:ext cx="2640303" cy="523220"/>
+            </a:xfrm>
+            <a:prstGeom prst="rect">
+              <a:avLst/>
+            </a:prstGeom>
+            <a:solidFill>
+              <a:schemeClr val="accent3">
+                <a:lumMod val="40000"/>
+                <a:lumOff val="60000"/>
+              </a:schemeClr>
+            </a:solidFill>
+          </p:spPr>
+          <p:txBody>
+            <a:bodyPr wrap="square" rtlCol="0">
+              <a:spAutoFit/>
+            </a:bodyPr>
+            <a:lstStyle/>
+            <a:p>
+              <a:pPr algn="ctr"/>
+              <a:r>
+                <a:rPr lang="en-US" sz="2800" b="1" i="1" dirty="0" smtClean="0">
+                  <a:latin typeface="Times New Roman"/>
+                  <a:cs typeface="Times New Roman"/>
+                </a:rPr>
+                <a:t>Introduction</a:t>
+              </a:r>
+            </a:p>
+          </p:txBody>
+        </p:sp>
+        <p:sp>
+          <p:nvSpPr>
+            <p:cNvPr id="26" name="TextBox 25"/>
+            <p:cNvSpPr txBox="1"/>
+            <p:nvPr/>
+          </p:nvSpPr>
+          <p:spPr>
+            <a:xfrm>
+              <a:off x="164415" y="2743903"/>
+              <a:ext cx="2640303" cy="1477328"/>
+            </a:xfrm>
+            <a:prstGeom prst="rect">
+              <a:avLst/>
+            </a:prstGeom>
+            <a:solidFill>
+              <a:schemeClr val="bg1"/>
+            </a:solidFill>
+          </p:spPr>
+          <p:txBody>
+            <a:bodyPr wrap="square" rtlCol="0">
+              <a:spAutoFit/>
+            </a:bodyPr>
+            <a:lstStyle/>
+            <a:p>
+              <a:r>
+                <a:rPr lang="en-US" dirty="0" smtClean="0"/>
+                <a:t>Talk about our motivation and other stuff</a:t>
+              </a:r>
+            </a:p>
+            <a:p>
+              <a:r>
+                <a:rPr lang="en-US" dirty="0" smtClean="0"/>
+                <a:t>A</a:t>
+              </a:r>
+            </a:p>
+            <a:p>
+              <a:r>
+                <a:rPr lang="en-US" dirty="0"/>
+                <a:t>A</a:t>
+              </a:r>
+              <a:endParaRPr lang="en-US" dirty="0" smtClean="0"/>
+            </a:p>
+            <a:p>
+              <a:endParaRPr lang="en-US" dirty="0"/>
+            </a:p>
+          </p:txBody>
+        </p:sp>
+      </p:grpSp>
+      <p:sp>
+        <p:nvSpPr>
+          <p:cNvPr id="27" name="TextBox 26"/>
           <p:cNvSpPr txBox="1"/>
           <p:nvPr/>
         </p:nvSpPr>
         <p:spPr>
           <a:xfrm>
-            <a:off x="164415" y="2226994"/>
-            <a:ext cx="2640303" cy="1477328"/>
+            <a:off x="3251371" y="2226994"/>
+            <a:ext cx="2640303" cy="523220"/>
           </a:xfrm>
           <a:prstGeom prst="rect">
             <a:avLst/>
           </a:prstGeom>
-          <a:noFill/>
+          <a:solidFill>
+            <a:schemeClr val="accent3">
+              <a:lumMod val="40000"/>
+              <a:lumOff val="60000"/>
+            </a:schemeClr>
+          </a:solidFill>
         </p:spPr>
         <p:txBody>
           <a:bodyPr wrap="square" rtlCol="0">
@@ -3417,51 +3552,35 @@
           <a:lstStyle/>
           <a:p>
             <a:r>
-              <a:rPr lang="en-US" dirty="0" smtClean="0"/>
-              <a:t>Introduction:</a:t>
-            </a:r>
-          </a:p>
-          <a:p>
-            <a:r>
-              <a:rPr lang="en-US" dirty="0" smtClean="0"/>
-              <a:t>A</a:t>
-            </a:r>
-          </a:p>
-          <a:p>
-            <a:r>
-              <a:rPr lang="en-US" dirty="0" smtClean="0"/>
-              <a:t>A</a:t>
-            </a:r>
-          </a:p>
-          <a:p>
-            <a:r>
-              <a:rPr lang="en-US" dirty="0" smtClean="0"/>
-              <a:t>A</a:t>
-            </a:r>
-          </a:p>
-          <a:p>
-            <a:r>
-              <a:rPr lang="en-US" dirty="0" smtClean="0"/>
-              <a:t>A</a:t>
-            </a:r>
-          </a:p>
-        </p:txBody>
-      </p:sp>
-      <p:sp>
-        <p:nvSpPr>
-          <p:cNvPr id="15" name="TextBox 14"/>
+              <a:rPr lang="en-US" sz="2800" b="1" i="1" dirty="0" smtClean="0">
+                <a:latin typeface="Times New Roman"/>
+                <a:cs typeface="Times New Roman"/>
+              </a:rPr>
+              <a:t>Procedure</a:t>
+            </a:r>
+          </a:p>
+        </p:txBody>
+      </p:sp>
+      <p:sp>
+        <p:nvSpPr>
+          <p:cNvPr id="28" name="TextBox 27"/>
           <p:cNvSpPr txBox="1"/>
           <p:nvPr/>
         </p:nvSpPr>
         <p:spPr>
           <a:xfrm>
-            <a:off x="2334103" y="2226994"/>
-            <a:ext cx="2640303" cy="2031325"/>
+            <a:off x="6261147" y="2226994"/>
+            <a:ext cx="2640303" cy="523220"/>
           </a:xfrm>
           <a:prstGeom prst="rect">
             <a:avLst/>
           </a:prstGeom>
-          <a:noFill/>
+          <a:solidFill>
+            <a:schemeClr val="accent3">
+              <a:lumMod val="40000"/>
+              <a:lumOff val="60000"/>
+            </a:schemeClr>
+          </a:solidFill>
         </p:spPr>
         <p:txBody>
           <a:bodyPr wrap="square" rtlCol="0">
@@ -3469,78 +3588,59 @@
           </a:bodyPr>
           <a:lstStyle/>
           <a:p>
-            <a:r>
-              <a:rPr lang="en-US" dirty="0" smtClean="0"/>
-              <a:t>Procedure:</a:t>
-            </a:r>
-          </a:p>
-          <a:p>
-            <a:endParaRPr lang="en-US" dirty="0"/>
-          </a:p>
-          <a:p>
-            <a:endParaRPr lang="en-US" dirty="0" smtClean="0"/>
-          </a:p>
-          <a:p>
-            <a:endParaRPr lang="en-US" dirty="0"/>
-          </a:p>
-          <a:p>
-            <a:endParaRPr lang="en-US" dirty="0" smtClean="0"/>
-          </a:p>
-          <a:p>
-            <a:endParaRPr lang="en-US" dirty="0"/>
-          </a:p>
-          <a:p>
-            <a:endParaRPr lang="en-US" dirty="0"/>
-          </a:p>
-        </p:txBody>
-      </p:sp>
-      <p:sp>
-        <p:nvSpPr>
-          <p:cNvPr id="17" name="TextBox 16"/>
+            <a:pPr algn="ctr"/>
+            <a:r>
+              <a:rPr lang="en-US" sz="2800" b="1" i="1" dirty="0" smtClean="0">
+                <a:latin typeface="Times New Roman"/>
+                <a:cs typeface="Times New Roman"/>
+              </a:rPr>
+              <a:t>Graphs</a:t>
+            </a:r>
+          </a:p>
+        </p:txBody>
+      </p:sp>
+      <p:sp>
+        <p:nvSpPr>
+          <p:cNvPr id="29" name="TextBox 28"/>
           <p:cNvSpPr txBox="1"/>
           <p:nvPr/>
         </p:nvSpPr>
         <p:spPr>
           <a:xfrm>
-            <a:off x="5891674" y="4339770"/>
-            <a:ext cx="2980303" cy="2308324"/>
+            <a:off x="6261147" y="4258320"/>
+            <a:ext cx="2640303" cy="553998"/>
           </a:xfrm>
           <a:prstGeom prst="rect">
             <a:avLst/>
           </a:prstGeom>
-          <a:noFill/>
+          <a:solidFill>
+            <a:schemeClr val="accent3">
+              <a:lumMod val="40000"/>
+              <a:lumOff val="60000"/>
+            </a:schemeClr>
+          </a:solidFill>
         </p:spPr>
         <p:txBody>
-          <a:bodyPr wrap="none" rtlCol="0">
+          <a:bodyPr wrap="square" rtlCol="0">
             <a:spAutoFit/>
           </a:bodyPr>
           <a:lstStyle/>
           <a:p>
-            <a:r>
-              <a:rPr lang="en-US" dirty="0" smtClean="0"/>
-              <a:t>What we learned/conclusions</a:t>
-            </a:r>
-          </a:p>
-          <a:p>
-            <a:endParaRPr lang="en-US" dirty="0"/>
-          </a:p>
-          <a:p>
-            <a:endParaRPr lang="en-US" dirty="0" smtClean="0"/>
-          </a:p>
-          <a:p>
-            <a:endParaRPr lang="en-US" dirty="0"/>
-          </a:p>
-          <a:p>
-            <a:endParaRPr lang="en-US" dirty="0" smtClean="0"/>
-          </a:p>
-          <a:p>
-            <a:endParaRPr lang="en-US" dirty="0"/>
-          </a:p>
-          <a:p>
-            <a:endParaRPr lang="en-US" dirty="0" smtClean="0"/>
-          </a:p>
-          <a:p>
-            <a:endParaRPr lang="en-US" dirty="0"/>
+            <a:pPr algn="ctr"/>
+            <a:r>
+              <a:rPr lang="en-US" sz="3000" b="1" i="1" dirty="0" err="1" smtClean="0">
+                <a:latin typeface="Times New Roman"/>
+                <a:cs typeface="Times New Roman"/>
+              </a:rPr>
+              <a:t>Wut</a:t>
+            </a:r>
+            <a:r>
+              <a:rPr lang="en-US" sz="3000" b="1" i="1" dirty="0" smtClean="0">
+                <a:latin typeface="Times New Roman"/>
+                <a:cs typeface="Times New Roman"/>
+              </a:rPr>
+              <a:t> we learned</a:t>
+            </a:r>
           </a:p>
         </p:txBody>
       </p:sp>

--- a/meta_poster.pptx
+++ b/meta_poster.pptx
@@ -7,14 +7,14 @@
   <p:sldIdLst>
     <p:sldId id="257" r:id="rId2"/>
   </p:sldIdLst>
-  <p:sldSz cx="9144000" cy="6858000" type="screen4x3"/>
+  <p:sldSz cx="43891200" cy="32918400"/>
   <p:notesSz cx="6858000" cy="9144000"/>
   <p:defaultTextStyle>
     <a:defPPr>
       <a:defRPr lang="en-US"/>
     </a:defPPr>
-    <a:lvl1pPr marL="0" algn="l" defTabSz="457200" rtl="0" eaLnBrk="1" latinLnBrk="0" hangingPunct="1">
-      <a:defRPr sz="1800" kern="1200">
+    <a:lvl1pPr marL="0" algn="l" defTabSz="2194560" rtl="0" eaLnBrk="1" latinLnBrk="0" hangingPunct="1">
+      <a:defRPr sz="8600" kern="1200">
         <a:solidFill>
           <a:schemeClr val="tx1"/>
         </a:solidFill>
@@ -23,8 +23,8 @@
         <a:cs typeface="+mn-cs"/>
       </a:defRPr>
     </a:lvl1pPr>
-    <a:lvl2pPr marL="457200" algn="l" defTabSz="457200" rtl="0" eaLnBrk="1" latinLnBrk="0" hangingPunct="1">
-      <a:defRPr sz="1800" kern="1200">
+    <a:lvl2pPr marL="2194560" algn="l" defTabSz="2194560" rtl="0" eaLnBrk="1" latinLnBrk="0" hangingPunct="1">
+      <a:defRPr sz="8600" kern="1200">
         <a:solidFill>
           <a:schemeClr val="tx1"/>
         </a:solidFill>
@@ -33,8 +33,8 @@
         <a:cs typeface="+mn-cs"/>
       </a:defRPr>
     </a:lvl2pPr>
-    <a:lvl3pPr marL="914400" algn="l" defTabSz="457200" rtl="0" eaLnBrk="1" latinLnBrk="0" hangingPunct="1">
-      <a:defRPr sz="1800" kern="1200">
+    <a:lvl3pPr marL="4389120" algn="l" defTabSz="2194560" rtl="0" eaLnBrk="1" latinLnBrk="0" hangingPunct="1">
+      <a:defRPr sz="8600" kern="1200">
         <a:solidFill>
           <a:schemeClr val="tx1"/>
         </a:solidFill>
@@ -43,8 +43,8 @@
         <a:cs typeface="+mn-cs"/>
       </a:defRPr>
     </a:lvl3pPr>
-    <a:lvl4pPr marL="1371600" algn="l" defTabSz="457200" rtl="0" eaLnBrk="1" latinLnBrk="0" hangingPunct="1">
-      <a:defRPr sz="1800" kern="1200">
+    <a:lvl4pPr marL="6583680" algn="l" defTabSz="2194560" rtl="0" eaLnBrk="1" latinLnBrk="0" hangingPunct="1">
+      <a:defRPr sz="8600" kern="1200">
         <a:solidFill>
           <a:schemeClr val="tx1"/>
         </a:solidFill>
@@ -53,8 +53,8 @@
         <a:cs typeface="+mn-cs"/>
       </a:defRPr>
     </a:lvl4pPr>
-    <a:lvl5pPr marL="1828800" algn="l" defTabSz="457200" rtl="0" eaLnBrk="1" latinLnBrk="0" hangingPunct="1">
-      <a:defRPr sz="1800" kern="1200">
+    <a:lvl5pPr marL="8778240" algn="l" defTabSz="2194560" rtl="0" eaLnBrk="1" latinLnBrk="0" hangingPunct="1">
+      <a:defRPr sz="8600" kern="1200">
         <a:solidFill>
           <a:schemeClr val="tx1"/>
         </a:solidFill>
@@ -63,8 +63,8 @@
         <a:cs typeface="+mn-cs"/>
       </a:defRPr>
     </a:lvl5pPr>
-    <a:lvl6pPr marL="2286000" algn="l" defTabSz="457200" rtl="0" eaLnBrk="1" latinLnBrk="0" hangingPunct="1">
-      <a:defRPr sz="1800" kern="1200">
+    <a:lvl6pPr marL="10972800" algn="l" defTabSz="2194560" rtl="0" eaLnBrk="1" latinLnBrk="0" hangingPunct="1">
+      <a:defRPr sz="8600" kern="1200">
         <a:solidFill>
           <a:schemeClr val="tx1"/>
         </a:solidFill>
@@ -73,8 +73,8 @@
         <a:cs typeface="+mn-cs"/>
       </a:defRPr>
     </a:lvl6pPr>
-    <a:lvl7pPr marL="2743200" algn="l" defTabSz="457200" rtl="0" eaLnBrk="1" latinLnBrk="0" hangingPunct="1">
-      <a:defRPr sz="1800" kern="1200">
+    <a:lvl7pPr marL="13167360" algn="l" defTabSz="2194560" rtl="0" eaLnBrk="1" latinLnBrk="0" hangingPunct="1">
+      <a:defRPr sz="8600" kern="1200">
         <a:solidFill>
           <a:schemeClr val="tx1"/>
         </a:solidFill>
@@ -83,8 +83,8 @@
         <a:cs typeface="+mn-cs"/>
       </a:defRPr>
     </a:lvl7pPr>
-    <a:lvl8pPr marL="3200400" algn="l" defTabSz="457200" rtl="0" eaLnBrk="1" latinLnBrk="0" hangingPunct="1">
-      <a:defRPr sz="1800" kern="1200">
+    <a:lvl8pPr marL="15361920" algn="l" defTabSz="2194560" rtl="0" eaLnBrk="1" latinLnBrk="0" hangingPunct="1">
+      <a:defRPr sz="8600" kern="1200">
         <a:solidFill>
           <a:schemeClr val="tx1"/>
         </a:solidFill>
@@ -93,8 +93,8 @@
         <a:cs typeface="+mn-cs"/>
       </a:defRPr>
     </a:lvl8pPr>
-    <a:lvl9pPr marL="3657600" algn="l" defTabSz="457200" rtl="0" eaLnBrk="1" latinLnBrk="0" hangingPunct="1">
-      <a:defRPr sz="1800" kern="1200">
+    <a:lvl9pPr marL="17556480" algn="l" defTabSz="2194560" rtl="0" eaLnBrk="1" latinLnBrk="0" hangingPunct="1">
+      <a:defRPr sz="8600" kern="1200">
         <a:solidFill>
           <a:schemeClr val="tx1"/>
         </a:solidFill>
@@ -136,8 +136,8 @@
         </p:nvSpPr>
         <p:spPr>
           <a:xfrm>
-            <a:off x="685800" y="2130425"/>
-            <a:ext cx="7772400" cy="1470025"/>
+            <a:off x="3291840" y="10226057"/>
+            <a:ext cx="37307520" cy="7056120"/>
           </a:xfrm>
         </p:spPr>
         <p:txBody>
@@ -164,8 +164,8 @@
         </p:nvSpPr>
         <p:spPr>
           <a:xfrm>
-            <a:off x="1371600" y="3886200"/>
-            <a:ext cx="6400800" cy="1752600"/>
+            <a:off x="6583680" y="18653760"/>
+            <a:ext cx="30723840" cy="8412480"/>
           </a:xfrm>
         </p:spPr>
         <p:txBody>
@@ -181,7 +181,7 @@
                 </a:solidFill>
               </a:defRPr>
             </a:lvl1pPr>
-            <a:lvl2pPr marL="457200" indent="0" algn="ctr">
+            <a:lvl2pPr marL="2194560" indent="0" algn="ctr">
               <a:buNone/>
               <a:defRPr>
                 <a:solidFill>
@@ -191,7 +191,7 @@
                 </a:solidFill>
               </a:defRPr>
             </a:lvl2pPr>
-            <a:lvl3pPr marL="914400" indent="0" algn="ctr">
+            <a:lvl3pPr marL="4389120" indent="0" algn="ctr">
               <a:buNone/>
               <a:defRPr>
                 <a:solidFill>
@@ -201,7 +201,7 @@
                 </a:solidFill>
               </a:defRPr>
             </a:lvl3pPr>
-            <a:lvl4pPr marL="1371600" indent="0" algn="ctr">
+            <a:lvl4pPr marL="6583680" indent="0" algn="ctr">
               <a:buNone/>
               <a:defRPr>
                 <a:solidFill>
@@ -211,7 +211,7 @@
                 </a:solidFill>
               </a:defRPr>
             </a:lvl4pPr>
-            <a:lvl5pPr marL="1828800" indent="0" algn="ctr">
+            <a:lvl5pPr marL="8778240" indent="0" algn="ctr">
               <a:buNone/>
               <a:defRPr>
                 <a:solidFill>
@@ -221,7 +221,7 @@
                 </a:solidFill>
               </a:defRPr>
             </a:lvl5pPr>
-            <a:lvl6pPr marL="2286000" indent="0" algn="ctr">
+            <a:lvl6pPr marL="10972800" indent="0" algn="ctr">
               <a:buNone/>
               <a:defRPr>
                 <a:solidFill>
@@ -231,7 +231,7 @@
                 </a:solidFill>
               </a:defRPr>
             </a:lvl6pPr>
-            <a:lvl7pPr marL="2743200" indent="0" algn="ctr">
+            <a:lvl7pPr marL="13167360" indent="0" algn="ctr">
               <a:buNone/>
               <a:defRPr>
                 <a:solidFill>
@@ -241,7 +241,7 @@
                 </a:solidFill>
               </a:defRPr>
             </a:lvl7pPr>
-            <a:lvl8pPr marL="3200400" indent="0" algn="ctr">
+            <a:lvl8pPr marL="15361920" indent="0" algn="ctr">
               <a:buNone/>
               <a:defRPr>
                 <a:solidFill>
@@ -251,7 +251,7 @@
                 </a:solidFill>
               </a:defRPr>
             </a:lvl8pPr>
-            <a:lvl9pPr marL="3657600" indent="0" algn="ctr">
+            <a:lvl9pPr marL="17556480" indent="0" algn="ctr">
               <a:buNone/>
               <a:defRPr>
                 <a:solidFill>
@@ -288,7 +288,7 @@
           <a:p>
             <a:fld id="{0CC858CD-14EE-A141-A09E-CC8C6883F351}" type="datetimeFigureOut">
               <a:rPr lang="en-US" smtClean="0"/>
-              <a:t>6/23/15</a:t>
+              <a:t>6/24/15</a:t>
             </a:fld>
             <a:endParaRPr lang="en-US"/>
           </a:p>
@@ -458,7 +458,7 @@
           <a:p>
             <a:fld id="{0CC858CD-14EE-A141-A09E-CC8C6883F351}" type="datetimeFigureOut">
               <a:rPr lang="en-US" smtClean="0"/>
-              <a:t>6/23/15</a:t>
+              <a:t>6/24/15</a:t>
             </a:fld>
             <a:endParaRPr lang="en-US"/>
           </a:p>
@@ -548,8 +548,8 @@
         </p:nvSpPr>
         <p:spPr>
           <a:xfrm>
-            <a:off x="6629400" y="274638"/>
-            <a:ext cx="2057400" cy="5851525"/>
+            <a:off x="31821120" y="1318274"/>
+            <a:ext cx="9875520" cy="28087320"/>
           </a:xfrm>
         </p:spPr>
         <p:txBody>
@@ -576,8 +576,8 @@
         </p:nvSpPr>
         <p:spPr>
           <a:xfrm>
-            <a:off x="457200" y="274638"/>
-            <a:ext cx="6019800" cy="5851525"/>
+            <a:off x="2194560" y="1318274"/>
+            <a:ext cx="28895040" cy="28087320"/>
           </a:xfrm>
         </p:spPr>
         <p:txBody>
@@ -638,7 +638,7 @@
           <a:p>
             <a:fld id="{0CC858CD-14EE-A141-A09E-CC8C6883F351}" type="datetimeFigureOut">
               <a:rPr lang="en-US" smtClean="0"/>
-              <a:t>6/23/15</a:t>
+              <a:t>6/24/15</a:t>
             </a:fld>
             <a:endParaRPr lang="en-US"/>
           </a:p>
@@ -808,7 +808,7 @@
           <a:p>
             <a:fld id="{0CC858CD-14EE-A141-A09E-CC8C6883F351}" type="datetimeFigureOut">
               <a:rPr lang="en-US" smtClean="0"/>
-              <a:t>6/23/15</a:t>
+              <a:t>6/24/15</a:t>
             </a:fld>
             <a:endParaRPr lang="en-US"/>
           </a:p>
@@ -898,15 +898,15 @@
         </p:nvSpPr>
         <p:spPr>
           <a:xfrm>
-            <a:off x="722313" y="4406900"/>
-            <a:ext cx="7772400" cy="1362075"/>
+            <a:off x="3467102" y="21153127"/>
+            <a:ext cx="37307520" cy="6537960"/>
           </a:xfrm>
         </p:spPr>
         <p:txBody>
           <a:bodyPr anchor="t"/>
           <a:lstStyle>
             <a:lvl1pPr algn="l">
-              <a:defRPr sz="4000" b="1" cap="all"/>
+              <a:defRPr sz="19200" b="1" cap="all"/>
             </a:lvl1pPr>
           </a:lstStyle>
           <a:p>
@@ -930,8 +930,8 @@
         </p:nvSpPr>
         <p:spPr>
           <a:xfrm>
-            <a:off x="722313" y="2906713"/>
-            <a:ext cx="7772400" cy="1500187"/>
+            <a:off x="3467102" y="13952225"/>
+            <a:ext cx="37307520" cy="7200898"/>
           </a:xfrm>
         </p:spPr>
         <p:txBody>
@@ -939,7 +939,7 @@
           <a:lstStyle>
             <a:lvl1pPr marL="0" indent="0">
               <a:buNone/>
-              <a:defRPr sz="2000">
+              <a:defRPr sz="9600">
                 <a:solidFill>
                   <a:schemeClr val="tx1">
                     <a:tint val="75000"/>
@@ -947,9 +947,9 @@
                 </a:solidFill>
               </a:defRPr>
             </a:lvl1pPr>
-            <a:lvl2pPr marL="457200" indent="0">
-              <a:buNone/>
-              <a:defRPr sz="1800">
+            <a:lvl2pPr marL="2194560" indent="0">
+              <a:buNone/>
+              <a:defRPr sz="8600">
                 <a:solidFill>
                   <a:schemeClr val="tx1">
                     <a:tint val="75000"/>
@@ -957,9 +957,9 @@
                 </a:solidFill>
               </a:defRPr>
             </a:lvl2pPr>
-            <a:lvl3pPr marL="914400" indent="0">
-              <a:buNone/>
-              <a:defRPr sz="1600">
+            <a:lvl3pPr marL="4389120" indent="0">
+              <a:buNone/>
+              <a:defRPr sz="7700">
                 <a:solidFill>
                   <a:schemeClr val="tx1">
                     <a:tint val="75000"/>
@@ -967,9 +967,9 @@
                 </a:solidFill>
               </a:defRPr>
             </a:lvl3pPr>
-            <a:lvl4pPr marL="1371600" indent="0">
-              <a:buNone/>
-              <a:defRPr sz="1400">
+            <a:lvl4pPr marL="6583680" indent="0">
+              <a:buNone/>
+              <a:defRPr sz="6700">
                 <a:solidFill>
                   <a:schemeClr val="tx1">
                     <a:tint val="75000"/>
@@ -977,9 +977,9 @@
                 </a:solidFill>
               </a:defRPr>
             </a:lvl4pPr>
-            <a:lvl5pPr marL="1828800" indent="0">
-              <a:buNone/>
-              <a:defRPr sz="1400">
+            <a:lvl5pPr marL="8778240" indent="0">
+              <a:buNone/>
+              <a:defRPr sz="6700">
                 <a:solidFill>
                   <a:schemeClr val="tx1">
                     <a:tint val="75000"/>
@@ -987,9 +987,9 @@
                 </a:solidFill>
               </a:defRPr>
             </a:lvl5pPr>
-            <a:lvl6pPr marL="2286000" indent="0">
-              <a:buNone/>
-              <a:defRPr sz="1400">
+            <a:lvl6pPr marL="10972800" indent="0">
+              <a:buNone/>
+              <a:defRPr sz="6700">
                 <a:solidFill>
                   <a:schemeClr val="tx1">
                     <a:tint val="75000"/>
@@ -997,9 +997,9 @@
                 </a:solidFill>
               </a:defRPr>
             </a:lvl6pPr>
-            <a:lvl7pPr marL="2743200" indent="0">
-              <a:buNone/>
-              <a:defRPr sz="1400">
+            <a:lvl7pPr marL="13167360" indent="0">
+              <a:buNone/>
+              <a:defRPr sz="6700">
                 <a:solidFill>
                   <a:schemeClr val="tx1">
                     <a:tint val="75000"/>
@@ -1007,9 +1007,9 @@
                 </a:solidFill>
               </a:defRPr>
             </a:lvl7pPr>
-            <a:lvl8pPr marL="3200400" indent="0">
-              <a:buNone/>
-              <a:defRPr sz="1400">
+            <a:lvl8pPr marL="15361920" indent="0">
+              <a:buNone/>
+              <a:defRPr sz="6700">
                 <a:solidFill>
                   <a:schemeClr val="tx1">
                     <a:tint val="75000"/>
@@ -1017,9 +1017,9 @@
                 </a:solidFill>
               </a:defRPr>
             </a:lvl8pPr>
-            <a:lvl9pPr marL="3657600" indent="0">
-              <a:buNone/>
-              <a:defRPr sz="1400">
+            <a:lvl9pPr marL="17556480" indent="0">
+              <a:buNone/>
+              <a:defRPr sz="6700">
                 <a:solidFill>
                   <a:schemeClr val="tx1">
                     <a:tint val="75000"/>
@@ -1054,7 +1054,7 @@
           <a:p>
             <a:fld id="{0CC858CD-14EE-A141-A09E-CC8C6883F351}" type="datetimeFigureOut">
               <a:rPr lang="en-US" smtClean="0"/>
-              <a:t>6/23/15</a:t>
+              <a:t>6/24/15</a:t>
             </a:fld>
             <a:endParaRPr lang="en-US"/>
           </a:p>
@@ -1167,39 +1167,39 @@
         </p:nvSpPr>
         <p:spPr>
           <a:xfrm>
-            <a:off x="457200" y="1600200"/>
-            <a:ext cx="4038600" cy="4525963"/>
+            <a:off x="2194560" y="7680967"/>
+            <a:ext cx="19385280" cy="21724622"/>
           </a:xfrm>
         </p:spPr>
         <p:txBody>
           <a:bodyPr/>
           <a:lstStyle>
             <a:lvl1pPr>
-              <a:defRPr sz="2800"/>
+              <a:defRPr sz="13400"/>
             </a:lvl1pPr>
             <a:lvl2pPr>
-              <a:defRPr sz="2400"/>
+              <a:defRPr sz="11500"/>
             </a:lvl2pPr>
             <a:lvl3pPr>
-              <a:defRPr sz="2000"/>
+              <a:defRPr sz="9600"/>
             </a:lvl3pPr>
             <a:lvl4pPr>
-              <a:defRPr sz="1800"/>
+              <a:defRPr sz="8600"/>
             </a:lvl4pPr>
             <a:lvl5pPr>
-              <a:defRPr sz="1800"/>
+              <a:defRPr sz="8600"/>
             </a:lvl5pPr>
             <a:lvl6pPr>
-              <a:defRPr sz="1800"/>
+              <a:defRPr sz="8600"/>
             </a:lvl6pPr>
             <a:lvl7pPr>
-              <a:defRPr sz="1800"/>
+              <a:defRPr sz="8600"/>
             </a:lvl7pPr>
             <a:lvl8pPr>
-              <a:defRPr sz="1800"/>
+              <a:defRPr sz="8600"/>
             </a:lvl8pPr>
             <a:lvl9pPr>
-              <a:defRPr sz="1800"/>
+              <a:defRPr sz="8600"/>
             </a:lvl9pPr>
           </a:lstStyle>
           <a:p>
@@ -1252,39 +1252,39 @@
         </p:nvSpPr>
         <p:spPr>
           <a:xfrm>
-            <a:off x="4648200" y="1600200"/>
-            <a:ext cx="4038600" cy="4525963"/>
+            <a:off x="22311360" y="7680967"/>
+            <a:ext cx="19385280" cy="21724622"/>
           </a:xfrm>
         </p:spPr>
         <p:txBody>
           <a:bodyPr/>
           <a:lstStyle>
             <a:lvl1pPr>
-              <a:defRPr sz="2800"/>
+              <a:defRPr sz="13400"/>
             </a:lvl1pPr>
             <a:lvl2pPr>
-              <a:defRPr sz="2400"/>
+              <a:defRPr sz="11500"/>
             </a:lvl2pPr>
             <a:lvl3pPr>
-              <a:defRPr sz="2000"/>
+              <a:defRPr sz="9600"/>
             </a:lvl3pPr>
             <a:lvl4pPr>
-              <a:defRPr sz="1800"/>
+              <a:defRPr sz="8600"/>
             </a:lvl4pPr>
             <a:lvl5pPr>
-              <a:defRPr sz="1800"/>
+              <a:defRPr sz="8600"/>
             </a:lvl5pPr>
             <a:lvl6pPr>
-              <a:defRPr sz="1800"/>
+              <a:defRPr sz="8600"/>
             </a:lvl6pPr>
             <a:lvl7pPr>
-              <a:defRPr sz="1800"/>
+              <a:defRPr sz="8600"/>
             </a:lvl7pPr>
             <a:lvl8pPr>
-              <a:defRPr sz="1800"/>
+              <a:defRPr sz="8600"/>
             </a:lvl8pPr>
             <a:lvl9pPr>
-              <a:defRPr sz="1800"/>
+              <a:defRPr sz="8600"/>
             </a:lvl9pPr>
           </a:lstStyle>
           <a:p>
@@ -1342,7 +1342,7 @@
           <a:p>
             <a:fld id="{0CC858CD-14EE-A141-A09E-CC8C6883F351}" type="datetimeFigureOut">
               <a:rPr lang="en-US" smtClean="0"/>
-              <a:t>6/23/15</a:t>
+              <a:t>6/24/15</a:t>
             </a:fld>
             <a:endParaRPr lang="en-US"/>
           </a:p>
@@ -1459,8 +1459,8 @@
         </p:nvSpPr>
         <p:spPr>
           <a:xfrm>
-            <a:off x="457200" y="1535113"/>
-            <a:ext cx="4040188" cy="639762"/>
+            <a:off x="2194560" y="7368545"/>
+            <a:ext cx="19392902" cy="3070862"/>
           </a:xfrm>
         </p:spPr>
         <p:txBody>
@@ -1468,39 +1468,39 @@
           <a:lstStyle>
             <a:lvl1pPr marL="0" indent="0">
               <a:buNone/>
-              <a:defRPr sz="2400" b="1"/>
+              <a:defRPr sz="11500" b="1"/>
             </a:lvl1pPr>
-            <a:lvl2pPr marL="457200" indent="0">
-              <a:buNone/>
-              <a:defRPr sz="2000" b="1"/>
+            <a:lvl2pPr marL="2194560" indent="0">
+              <a:buNone/>
+              <a:defRPr sz="9600" b="1"/>
             </a:lvl2pPr>
-            <a:lvl3pPr marL="914400" indent="0">
-              <a:buNone/>
-              <a:defRPr sz="1800" b="1"/>
+            <a:lvl3pPr marL="4389120" indent="0">
+              <a:buNone/>
+              <a:defRPr sz="8600" b="1"/>
             </a:lvl3pPr>
-            <a:lvl4pPr marL="1371600" indent="0">
-              <a:buNone/>
-              <a:defRPr sz="1600" b="1"/>
+            <a:lvl4pPr marL="6583680" indent="0">
+              <a:buNone/>
+              <a:defRPr sz="7700" b="1"/>
             </a:lvl4pPr>
-            <a:lvl5pPr marL="1828800" indent="0">
-              <a:buNone/>
-              <a:defRPr sz="1600" b="1"/>
+            <a:lvl5pPr marL="8778240" indent="0">
+              <a:buNone/>
+              <a:defRPr sz="7700" b="1"/>
             </a:lvl5pPr>
-            <a:lvl6pPr marL="2286000" indent="0">
-              <a:buNone/>
-              <a:defRPr sz="1600" b="1"/>
+            <a:lvl6pPr marL="10972800" indent="0">
+              <a:buNone/>
+              <a:defRPr sz="7700" b="1"/>
             </a:lvl6pPr>
-            <a:lvl7pPr marL="2743200" indent="0">
-              <a:buNone/>
-              <a:defRPr sz="1600" b="1"/>
+            <a:lvl7pPr marL="13167360" indent="0">
+              <a:buNone/>
+              <a:defRPr sz="7700" b="1"/>
             </a:lvl7pPr>
-            <a:lvl8pPr marL="3200400" indent="0">
-              <a:buNone/>
-              <a:defRPr sz="1600" b="1"/>
+            <a:lvl8pPr marL="15361920" indent="0">
+              <a:buNone/>
+              <a:defRPr sz="7700" b="1"/>
             </a:lvl8pPr>
-            <a:lvl9pPr marL="3657600" indent="0">
-              <a:buNone/>
-              <a:defRPr sz="1600" b="1"/>
+            <a:lvl9pPr marL="17556480" indent="0">
+              <a:buNone/>
+              <a:defRPr sz="7700" b="1"/>
             </a:lvl9pPr>
           </a:lstStyle>
           <a:p>
@@ -1524,39 +1524,39 @@
         </p:nvSpPr>
         <p:spPr>
           <a:xfrm>
-            <a:off x="457200" y="2174875"/>
-            <a:ext cx="4040188" cy="3951288"/>
+            <a:off x="2194560" y="10439400"/>
+            <a:ext cx="19392902" cy="18966182"/>
           </a:xfrm>
         </p:spPr>
         <p:txBody>
           <a:bodyPr/>
           <a:lstStyle>
             <a:lvl1pPr>
-              <a:defRPr sz="2400"/>
+              <a:defRPr sz="11500"/>
             </a:lvl1pPr>
             <a:lvl2pPr>
-              <a:defRPr sz="2000"/>
+              <a:defRPr sz="9600"/>
             </a:lvl2pPr>
             <a:lvl3pPr>
-              <a:defRPr sz="1800"/>
+              <a:defRPr sz="8600"/>
             </a:lvl3pPr>
             <a:lvl4pPr>
-              <a:defRPr sz="1600"/>
+              <a:defRPr sz="7700"/>
             </a:lvl4pPr>
             <a:lvl5pPr>
-              <a:defRPr sz="1600"/>
+              <a:defRPr sz="7700"/>
             </a:lvl5pPr>
             <a:lvl6pPr>
-              <a:defRPr sz="1600"/>
+              <a:defRPr sz="7700"/>
             </a:lvl6pPr>
             <a:lvl7pPr>
-              <a:defRPr sz="1600"/>
+              <a:defRPr sz="7700"/>
             </a:lvl7pPr>
             <a:lvl8pPr>
-              <a:defRPr sz="1600"/>
+              <a:defRPr sz="7700"/>
             </a:lvl8pPr>
             <a:lvl9pPr>
-              <a:defRPr sz="1600"/>
+              <a:defRPr sz="7700"/>
             </a:lvl9pPr>
           </a:lstStyle>
           <a:p>
@@ -1609,8 +1609,8 @@
         </p:nvSpPr>
         <p:spPr>
           <a:xfrm>
-            <a:off x="4645025" y="1535113"/>
-            <a:ext cx="4041775" cy="639762"/>
+            <a:off x="22296142" y="7368545"/>
+            <a:ext cx="19400520" cy="3070862"/>
           </a:xfrm>
         </p:spPr>
         <p:txBody>
@@ -1618,39 +1618,39 @@
           <a:lstStyle>
             <a:lvl1pPr marL="0" indent="0">
               <a:buNone/>
-              <a:defRPr sz="2400" b="1"/>
+              <a:defRPr sz="11500" b="1"/>
             </a:lvl1pPr>
-            <a:lvl2pPr marL="457200" indent="0">
-              <a:buNone/>
-              <a:defRPr sz="2000" b="1"/>
+            <a:lvl2pPr marL="2194560" indent="0">
+              <a:buNone/>
+              <a:defRPr sz="9600" b="1"/>
             </a:lvl2pPr>
-            <a:lvl3pPr marL="914400" indent="0">
-              <a:buNone/>
-              <a:defRPr sz="1800" b="1"/>
+            <a:lvl3pPr marL="4389120" indent="0">
+              <a:buNone/>
+              <a:defRPr sz="8600" b="1"/>
             </a:lvl3pPr>
-            <a:lvl4pPr marL="1371600" indent="0">
-              <a:buNone/>
-              <a:defRPr sz="1600" b="1"/>
+            <a:lvl4pPr marL="6583680" indent="0">
+              <a:buNone/>
+              <a:defRPr sz="7700" b="1"/>
             </a:lvl4pPr>
-            <a:lvl5pPr marL="1828800" indent="0">
-              <a:buNone/>
-              <a:defRPr sz="1600" b="1"/>
+            <a:lvl5pPr marL="8778240" indent="0">
+              <a:buNone/>
+              <a:defRPr sz="7700" b="1"/>
             </a:lvl5pPr>
-            <a:lvl6pPr marL="2286000" indent="0">
-              <a:buNone/>
-              <a:defRPr sz="1600" b="1"/>
+            <a:lvl6pPr marL="10972800" indent="0">
+              <a:buNone/>
+              <a:defRPr sz="7700" b="1"/>
             </a:lvl6pPr>
-            <a:lvl7pPr marL="2743200" indent="0">
-              <a:buNone/>
-              <a:defRPr sz="1600" b="1"/>
+            <a:lvl7pPr marL="13167360" indent="0">
+              <a:buNone/>
+              <a:defRPr sz="7700" b="1"/>
             </a:lvl7pPr>
-            <a:lvl8pPr marL="3200400" indent="0">
-              <a:buNone/>
-              <a:defRPr sz="1600" b="1"/>
+            <a:lvl8pPr marL="15361920" indent="0">
+              <a:buNone/>
+              <a:defRPr sz="7700" b="1"/>
             </a:lvl8pPr>
-            <a:lvl9pPr marL="3657600" indent="0">
-              <a:buNone/>
-              <a:defRPr sz="1600" b="1"/>
+            <a:lvl9pPr marL="17556480" indent="0">
+              <a:buNone/>
+              <a:defRPr sz="7700" b="1"/>
             </a:lvl9pPr>
           </a:lstStyle>
           <a:p>
@@ -1674,39 +1674,39 @@
         </p:nvSpPr>
         <p:spPr>
           <a:xfrm>
-            <a:off x="4645025" y="2174875"/>
-            <a:ext cx="4041775" cy="3951288"/>
+            <a:off x="22296142" y="10439400"/>
+            <a:ext cx="19400520" cy="18966182"/>
           </a:xfrm>
         </p:spPr>
         <p:txBody>
           <a:bodyPr/>
           <a:lstStyle>
             <a:lvl1pPr>
-              <a:defRPr sz="2400"/>
+              <a:defRPr sz="11500"/>
             </a:lvl1pPr>
             <a:lvl2pPr>
-              <a:defRPr sz="2000"/>
+              <a:defRPr sz="9600"/>
             </a:lvl2pPr>
             <a:lvl3pPr>
-              <a:defRPr sz="1800"/>
+              <a:defRPr sz="8600"/>
             </a:lvl3pPr>
             <a:lvl4pPr>
-              <a:defRPr sz="1600"/>
+              <a:defRPr sz="7700"/>
             </a:lvl4pPr>
             <a:lvl5pPr>
-              <a:defRPr sz="1600"/>
+              <a:defRPr sz="7700"/>
             </a:lvl5pPr>
             <a:lvl6pPr>
-              <a:defRPr sz="1600"/>
+              <a:defRPr sz="7700"/>
             </a:lvl6pPr>
             <a:lvl7pPr>
-              <a:defRPr sz="1600"/>
+              <a:defRPr sz="7700"/>
             </a:lvl7pPr>
             <a:lvl8pPr>
-              <a:defRPr sz="1600"/>
+              <a:defRPr sz="7700"/>
             </a:lvl8pPr>
             <a:lvl9pPr>
-              <a:defRPr sz="1600"/>
+              <a:defRPr sz="7700"/>
             </a:lvl9pPr>
           </a:lstStyle>
           <a:p>
@@ -1764,7 +1764,7 @@
           <a:p>
             <a:fld id="{0CC858CD-14EE-A141-A09E-CC8C6883F351}" type="datetimeFigureOut">
               <a:rPr lang="en-US" smtClean="0"/>
-              <a:t>6/23/15</a:t>
+              <a:t>6/24/15</a:t>
             </a:fld>
             <a:endParaRPr lang="en-US"/>
           </a:p>
@@ -1882,7 +1882,7 @@
           <a:p>
             <a:fld id="{0CC858CD-14EE-A141-A09E-CC8C6883F351}" type="datetimeFigureOut">
               <a:rPr lang="en-US" smtClean="0"/>
-              <a:t>6/23/15</a:t>
+              <a:t>6/24/15</a:t>
             </a:fld>
             <a:endParaRPr lang="en-US"/>
           </a:p>
@@ -1977,7 +1977,7 @@
           <a:p>
             <a:fld id="{0CC858CD-14EE-A141-A09E-CC8C6883F351}" type="datetimeFigureOut">
               <a:rPr lang="en-US" smtClean="0"/>
-              <a:t>6/23/15</a:t>
+              <a:t>6/24/15</a:t>
             </a:fld>
             <a:endParaRPr lang="en-US"/>
           </a:p>
@@ -2067,15 +2067,15 @@
         </p:nvSpPr>
         <p:spPr>
           <a:xfrm>
-            <a:off x="457200" y="273050"/>
-            <a:ext cx="3008313" cy="1162050"/>
+            <a:off x="2194582" y="1310638"/>
+            <a:ext cx="14439902" cy="5577845"/>
           </a:xfrm>
         </p:spPr>
         <p:txBody>
           <a:bodyPr anchor="b"/>
           <a:lstStyle>
             <a:lvl1pPr algn="l">
-              <a:defRPr sz="2000" b="1"/>
+              <a:defRPr sz="9600" b="1"/>
             </a:lvl1pPr>
           </a:lstStyle>
           <a:p>
@@ -2099,39 +2099,39 @@
         </p:nvSpPr>
         <p:spPr>
           <a:xfrm>
-            <a:off x="3575050" y="273050"/>
-            <a:ext cx="5111750" cy="5853113"/>
+            <a:off x="17160240" y="1310657"/>
+            <a:ext cx="24536400" cy="28094942"/>
           </a:xfrm>
         </p:spPr>
         <p:txBody>
           <a:bodyPr/>
           <a:lstStyle>
             <a:lvl1pPr>
-              <a:defRPr sz="3200"/>
+              <a:defRPr sz="15400"/>
             </a:lvl1pPr>
             <a:lvl2pPr>
-              <a:defRPr sz="2800"/>
+              <a:defRPr sz="13400"/>
             </a:lvl2pPr>
             <a:lvl3pPr>
-              <a:defRPr sz="2400"/>
+              <a:defRPr sz="11500"/>
             </a:lvl3pPr>
             <a:lvl4pPr>
-              <a:defRPr sz="2000"/>
+              <a:defRPr sz="9600"/>
             </a:lvl4pPr>
             <a:lvl5pPr>
-              <a:defRPr sz="2000"/>
+              <a:defRPr sz="9600"/>
             </a:lvl5pPr>
             <a:lvl6pPr>
-              <a:defRPr sz="2000"/>
+              <a:defRPr sz="9600"/>
             </a:lvl6pPr>
             <a:lvl7pPr>
-              <a:defRPr sz="2000"/>
+              <a:defRPr sz="9600"/>
             </a:lvl7pPr>
             <a:lvl8pPr>
-              <a:defRPr sz="2000"/>
+              <a:defRPr sz="9600"/>
             </a:lvl8pPr>
             <a:lvl9pPr>
-              <a:defRPr sz="2000"/>
+              <a:defRPr sz="9600"/>
             </a:lvl9pPr>
           </a:lstStyle>
           <a:p>
@@ -2184,8 +2184,8 @@
         </p:nvSpPr>
         <p:spPr>
           <a:xfrm>
-            <a:off x="457200" y="1435100"/>
-            <a:ext cx="3008313" cy="4691063"/>
+            <a:off x="2194582" y="6888497"/>
+            <a:ext cx="14439902" cy="22517102"/>
           </a:xfrm>
         </p:spPr>
         <p:txBody>
@@ -2193,39 +2193,39 @@
           <a:lstStyle>
             <a:lvl1pPr marL="0" indent="0">
               <a:buNone/>
-              <a:defRPr sz="1400"/>
+              <a:defRPr sz="6700"/>
             </a:lvl1pPr>
-            <a:lvl2pPr marL="457200" indent="0">
-              <a:buNone/>
-              <a:defRPr sz="1200"/>
+            <a:lvl2pPr marL="2194560" indent="0">
+              <a:buNone/>
+              <a:defRPr sz="5800"/>
             </a:lvl2pPr>
-            <a:lvl3pPr marL="914400" indent="0">
-              <a:buNone/>
-              <a:defRPr sz="1000"/>
+            <a:lvl3pPr marL="4389120" indent="0">
+              <a:buNone/>
+              <a:defRPr sz="4800"/>
             </a:lvl3pPr>
-            <a:lvl4pPr marL="1371600" indent="0">
-              <a:buNone/>
-              <a:defRPr sz="900"/>
+            <a:lvl4pPr marL="6583680" indent="0">
+              <a:buNone/>
+              <a:defRPr sz="4300"/>
             </a:lvl4pPr>
-            <a:lvl5pPr marL="1828800" indent="0">
-              <a:buNone/>
-              <a:defRPr sz="900"/>
+            <a:lvl5pPr marL="8778240" indent="0">
+              <a:buNone/>
+              <a:defRPr sz="4300"/>
             </a:lvl5pPr>
-            <a:lvl6pPr marL="2286000" indent="0">
-              <a:buNone/>
-              <a:defRPr sz="900"/>
+            <a:lvl6pPr marL="10972800" indent="0">
+              <a:buNone/>
+              <a:defRPr sz="4300"/>
             </a:lvl6pPr>
-            <a:lvl7pPr marL="2743200" indent="0">
-              <a:buNone/>
-              <a:defRPr sz="900"/>
+            <a:lvl7pPr marL="13167360" indent="0">
+              <a:buNone/>
+              <a:defRPr sz="4300"/>
             </a:lvl7pPr>
-            <a:lvl8pPr marL="3200400" indent="0">
-              <a:buNone/>
-              <a:defRPr sz="900"/>
+            <a:lvl8pPr marL="15361920" indent="0">
+              <a:buNone/>
+              <a:defRPr sz="4300"/>
             </a:lvl8pPr>
-            <a:lvl9pPr marL="3657600" indent="0">
-              <a:buNone/>
-              <a:defRPr sz="900"/>
+            <a:lvl9pPr marL="17556480" indent="0">
+              <a:buNone/>
+              <a:defRPr sz="4300"/>
             </a:lvl9pPr>
           </a:lstStyle>
           <a:p>
@@ -2254,7 +2254,7 @@
           <a:p>
             <a:fld id="{0CC858CD-14EE-A141-A09E-CC8C6883F351}" type="datetimeFigureOut">
               <a:rPr lang="en-US" smtClean="0"/>
-              <a:t>6/23/15</a:t>
+              <a:t>6/24/15</a:t>
             </a:fld>
             <a:endParaRPr lang="en-US"/>
           </a:p>
@@ -2344,15 +2344,15 @@
         </p:nvSpPr>
         <p:spPr>
           <a:xfrm>
-            <a:off x="1792288" y="4800600"/>
-            <a:ext cx="5486400" cy="566738"/>
+            <a:off x="8602982" y="23042883"/>
+            <a:ext cx="26334720" cy="2720347"/>
           </a:xfrm>
         </p:spPr>
         <p:txBody>
           <a:bodyPr anchor="b"/>
           <a:lstStyle>
             <a:lvl1pPr algn="l">
-              <a:defRPr sz="2000" b="1"/>
+              <a:defRPr sz="9600" b="1"/>
             </a:lvl1pPr>
           </a:lstStyle>
           <a:p>
@@ -2376,8 +2376,8 @@
         </p:nvSpPr>
         <p:spPr>
           <a:xfrm>
-            <a:off x="1792288" y="612775"/>
-            <a:ext cx="5486400" cy="4114800"/>
+            <a:off x="8602982" y="2941320"/>
+            <a:ext cx="26334720" cy="19751040"/>
           </a:xfrm>
         </p:spPr>
         <p:txBody>
@@ -2385,39 +2385,39 @@
           <a:lstStyle>
             <a:lvl1pPr marL="0" indent="0">
               <a:buNone/>
-              <a:defRPr sz="3200"/>
+              <a:defRPr sz="15400"/>
             </a:lvl1pPr>
-            <a:lvl2pPr marL="457200" indent="0">
-              <a:buNone/>
-              <a:defRPr sz="2800"/>
+            <a:lvl2pPr marL="2194560" indent="0">
+              <a:buNone/>
+              <a:defRPr sz="13400"/>
             </a:lvl2pPr>
-            <a:lvl3pPr marL="914400" indent="0">
-              <a:buNone/>
-              <a:defRPr sz="2400"/>
+            <a:lvl3pPr marL="4389120" indent="0">
+              <a:buNone/>
+              <a:defRPr sz="11500"/>
             </a:lvl3pPr>
-            <a:lvl4pPr marL="1371600" indent="0">
-              <a:buNone/>
-              <a:defRPr sz="2000"/>
+            <a:lvl4pPr marL="6583680" indent="0">
+              <a:buNone/>
+              <a:defRPr sz="9600"/>
             </a:lvl4pPr>
-            <a:lvl5pPr marL="1828800" indent="0">
-              <a:buNone/>
-              <a:defRPr sz="2000"/>
+            <a:lvl5pPr marL="8778240" indent="0">
+              <a:buNone/>
+              <a:defRPr sz="9600"/>
             </a:lvl5pPr>
-            <a:lvl6pPr marL="2286000" indent="0">
-              <a:buNone/>
-              <a:defRPr sz="2000"/>
+            <a:lvl6pPr marL="10972800" indent="0">
+              <a:buNone/>
+              <a:defRPr sz="9600"/>
             </a:lvl6pPr>
-            <a:lvl7pPr marL="2743200" indent="0">
-              <a:buNone/>
-              <a:defRPr sz="2000"/>
+            <a:lvl7pPr marL="13167360" indent="0">
+              <a:buNone/>
+              <a:defRPr sz="9600"/>
             </a:lvl7pPr>
-            <a:lvl8pPr marL="3200400" indent="0">
-              <a:buNone/>
-              <a:defRPr sz="2000"/>
+            <a:lvl8pPr marL="15361920" indent="0">
+              <a:buNone/>
+              <a:defRPr sz="9600"/>
             </a:lvl8pPr>
-            <a:lvl9pPr marL="3657600" indent="0">
-              <a:buNone/>
-              <a:defRPr sz="2000"/>
+            <a:lvl9pPr marL="17556480" indent="0">
+              <a:buNone/>
+              <a:defRPr sz="9600"/>
             </a:lvl9pPr>
           </a:lstStyle>
           <a:p>
@@ -2437,8 +2437,8 @@
         </p:nvSpPr>
         <p:spPr>
           <a:xfrm>
-            <a:off x="1792288" y="5367338"/>
-            <a:ext cx="5486400" cy="804862"/>
+            <a:off x="8602982" y="25763230"/>
+            <a:ext cx="26334720" cy="3863342"/>
           </a:xfrm>
         </p:spPr>
         <p:txBody>
@@ -2446,39 +2446,39 @@
           <a:lstStyle>
             <a:lvl1pPr marL="0" indent="0">
               <a:buNone/>
-              <a:defRPr sz="1400"/>
+              <a:defRPr sz="6700"/>
             </a:lvl1pPr>
-            <a:lvl2pPr marL="457200" indent="0">
-              <a:buNone/>
-              <a:defRPr sz="1200"/>
+            <a:lvl2pPr marL="2194560" indent="0">
+              <a:buNone/>
+              <a:defRPr sz="5800"/>
             </a:lvl2pPr>
-            <a:lvl3pPr marL="914400" indent="0">
-              <a:buNone/>
-              <a:defRPr sz="1000"/>
+            <a:lvl3pPr marL="4389120" indent="0">
+              <a:buNone/>
+              <a:defRPr sz="4800"/>
             </a:lvl3pPr>
-            <a:lvl4pPr marL="1371600" indent="0">
-              <a:buNone/>
-              <a:defRPr sz="900"/>
+            <a:lvl4pPr marL="6583680" indent="0">
+              <a:buNone/>
+              <a:defRPr sz="4300"/>
             </a:lvl4pPr>
-            <a:lvl5pPr marL="1828800" indent="0">
-              <a:buNone/>
-              <a:defRPr sz="900"/>
+            <a:lvl5pPr marL="8778240" indent="0">
+              <a:buNone/>
+              <a:defRPr sz="4300"/>
             </a:lvl5pPr>
-            <a:lvl6pPr marL="2286000" indent="0">
-              <a:buNone/>
-              <a:defRPr sz="900"/>
+            <a:lvl6pPr marL="10972800" indent="0">
+              <a:buNone/>
+              <a:defRPr sz="4300"/>
             </a:lvl6pPr>
-            <a:lvl7pPr marL="2743200" indent="0">
-              <a:buNone/>
-              <a:defRPr sz="900"/>
+            <a:lvl7pPr marL="13167360" indent="0">
+              <a:buNone/>
+              <a:defRPr sz="4300"/>
             </a:lvl7pPr>
-            <a:lvl8pPr marL="3200400" indent="0">
-              <a:buNone/>
-              <a:defRPr sz="900"/>
+            <a:lvl8pPr marL="15361920" indent="0">
+              <a:buNone/>
+              <a:defRPr sz="4300"/>
             </a:lvl8pPr>
-            <a:lvl9pPr marL="3657600" indent="0">
-              <a:buNone/>
-              <a:defRPr sz="900"/>
+            <a:lvl9pPr marL="17556480" indent="0">
+              <a:buNone/>
+              <a:defRPr sz="4300"/>
             </a:lvl9pPr>
           </a:lstStyle>
           <a:p>
@@ -2507,7 +2507,7 @@
           <a:p>
             <a:fld id="{0CC858CD-14EE-A141-A09E-CC8C6883F351}" type="datetimeFigureOut">
               <a:rPr lang="en-US" smtClean="0"/>
-              <a:t>6/23/15</a:t>
+              <a:t>6/24/15</a:t>
             </a:fld>
             <a:endParaRPr lang="en-US"/>
           </a:p>
@@ -2602,15 +2602,15 @@
         </p:nvSpPr>
         <p:spPr>
           <a:xfrm>
-            <a:off x="457200" y="274638"/>
-            <a:ext cx="8229600" cy="1143000"/>
+            <a:off x="2194560" y="1318267"/>
+            <a:ext cx="39502080" cy="5486400"/>
           </a:xfrm>
           <a:prstGeom prst="rect">
             <a:avLst/>
           </a:prstGeom>
         </p:spPr>
         <p:txBody>
-          <a:bodyPr vert="horz" lIns="91440" tIns="45720" rIns="91440" bIns="45720" rtlCol="0" anchor="ctr">
+          <a:bodyPr vert="horz" lIns="438912" tIns="219456" rIns="438912" bIns="219456" rtlCol="0" anchor="ctr">
             <a:normAutofit/>
           </a:bodyPr>
           <a:lstStyle/>
@@ -2635,15 +2635,15 @@
         </p:nvSpPr>
         <p:spPr>
           <a:xfrm>
-            <a:off x="457200" y="1600200"/>
-            <a:ext cx="8229600" cy="4525963"/>
+            <a:off x="2194560" y="7680967"/>
+            <a:ext cx="39502080" cy="21724622"/>
           </a:xfrm>
           <a:prstGeom prst="rect">
             <a:avLst/>
           </a:prstGeom>
         </p:spPr>
         <p:txBody>
-          <a:bodyPr vert="horz" lIns="91440" tIns="45720" rIns="91440" bIns="45720" rtlCol="0">
+          <a:bodyPr vert="horz" lIns="438912" tIns="219456" rIns="438912" bIns="219456" rtlCol="0">
             <a:normAutofit/>
           </a:bodyPr>
           <a:lstStyle/>
@@ -2697,18 +2697,18 @@
         </p:nvSpPr>
         <p:spPr>
           <a:xfrm>
-            <a:off x="457200" y="6356350"/>
-            <a:ext cx="2133600" cy="365125"/>
+            <a:off x="2194560" y="30510492"/>
+            <a:ext cx="10241280" cy="1752600"/>
           </a:xfrm>
           <a:prstGeom prst="rect">
             <a:avLst/>
           </a:prstGeom>
         </p:spPr>
         <p:txBody>
-          <a:bodyPr vert="horz" lIns="91440" tIns="45720" rIns="91440" bIns="45720" rtlCol="0" anchor="ctr"/>
+          <a:bodyPr vert="horz" lIns="438912" tIns="219456" rIns="438912" bIns="219456" rtlCol="0" anchor="ctr"/>
           <a:lstStyle>
             <a:lvl1pPr algn="l">
-              <a:defRPr sz="1200">
+              <a:defRPr sz="5800">
                 <a:solidFill>
                   <a:schemeClr val="tx1">
                     <a:tint val="75000"/>
@@ -2720,7 +2720,7 @@
           <a:p>
             <a:fld id="{0CC858CD-14EE-A141-A09E-CC8C6883F351}" type="datetimeFigureOut">
               <a:rPr lang="en-US" smtClean="0"/>
-              <a:t>6/23/15</a:t>
+              <a:t>6/24/15</a:t>
             </a:fld>
             <a:endParaRPr lang="en-US"/>
           </a:p>
@@ -2738,18 +2738,18 @@
         </p:nvSpPr>
         <p:spPr>
           <a:xfrm>
-            <a:off x="3124200" y="6356350"/>
-            <a:ext cx="2895600" cy="365125"/>
+            <a:off x="14996160" y="30510492"/>
+            <a:ext cx="13898880" cy="1752600"/>
           </a:xfrm>
           <a:prstGeom prst="rect">
             <a:avLst/>
           </a:prstGeom>
         </p:spPr>
         <p:txBody>
-          <a:bodyPr vert="horz" lIns="91440" tIns="45720" rIns="91440" bIns="45720" rtlCol="0" anchor="ctr"/>
+          <a:bodyPr vert="horz" lIns="438912" tIns="219456" rIns="438912" bIns="219456" rtlCol="0" anchor="ctr"/>
           <a:lstStyle>
             <a:lvl1pPr algn="ctr">
-              <a:defRPr sz="1200">
+              <a:defRPr sz="5800">
                 <a:solidFill>
                   <a:schemeClr val="tx1">
                     <a:tint val="75000"/>
@@ -2775,18 +2775,18 @@
         </p:nvSpPr>
         <p:spPr>
           <a:xfrm>
-            <a:off x="6553200" y="6356350"/>
-            <a:ext cx="2133600" cy="365125"/>
+            <a:off x="31455360" y="30510492"/>
+            <a:ext cx="10241280" cy="1752600"/>
           </a:xfrm>
           <a:prstGeom prst="rect">
             <a:avLst/>
           </a:prstGeom>
         </p:spPr>
         <p:txBody>
-          <a:bodyPr vert="horz" lIns="91440" tIns="45720" rIns="91440" bIns="45720" rtlCol="0" anchor="ctr"/>
+          <a:bodyPr vert="horz" lIns="438912" tIns="219456" rIns="438912" bIns="219456" rtlCol="0" anchor="ctr"/>
           <a:lstStyle>
             <a:lvl1pPr algn="r">
-              <a:defRPr sz="1200">
+              <a:defRPr sz="5800">
                 <a:solidFill>
                   <a:schemeClr val="tx1">
                     <a:tint val="75000"/>
@@ -2827,12 +2827,12 @@
   </p:sldLayoutIdLst>
   <p:txStyles>
     <p:titleStyle>
-      <a:lvl1pPr algn="ctr" defTabSz="457200" rtl="0" eaLnBrk="1" latinLnBrk="0" hangingPunct="1">
+      <a:lvl1pPr algn="ctr" defTabSz="2194560" rtl="0" eaLnBrk="1" latinLnBrk="0" hangingPunct="1">
         <a:spcBef>
           <a:spcPct val="0"/>
         </a:spcBef>
         <a:buNone/>
-        <a:defRPr sz="4400" kern="1200">
+        <a:defRPr sz="21100" kern="1200">
           <a:solidFill>
             <a:schemeClr val="tx1"/>
           </a:solidFill>
@@ -2843,13 +2843,13 @@
       </a:lvl1pPr>
     </p:titleStyle>
     <p:bodyStyle>
-      <a:lvl1pPr marL="342900" indent="-342900" algn="l" defTabSz="457200" rtl="0" eaLnBrk="1" latinLnBrk="0" hangingPunct="1">
+      <a:lvl1pPr marL="1645920" indent="-1645920" algn="l" defTabSz="2194560" rtl="0" eaLnBrk="1" latinLnBrk="0" hangingPunct="1">
         <a:spcBef>
           <a:spcPct val="20000"/>
         </a:spcBef>
         <a:buFont typeface="Arial"/>
         <a:buChar char="•"/>
-        <a:defRPr sz="3200" kern="1200">
+        <a:defRPr sz="15400" kern="1200">
           <a:solidFill>
             <a:schemeClr val="tx1"/>
           </a:solidFill>
@@ -2858,13 +2858,13 @@
           <a:cs typeface="+mn-cs"/>
         </a:defRPr>
       </a:lvl1pPr>
-      <a:lvl2pPr marL="742950" indent="-285750" algn="l" defTabSz="457200" rtl="0" eaLnBrk="1" latinLnBrk="0" hangingPunct="1">
+      <a:lvl2pPr marL="3566160" indent="-1371600" algn="l" defTabSz="2194560" rtl="0" eaLnBrk="1" latinLnBrk="0" hangingPunct="1">
         <a:spcBef>
           <a:spcPct val="20000"/>
         </a:spcBef>
         <a:buFont typeface="Arial"/>
         <a:buChar char="–"/>
-        <a:defRPr sz="2800" kern="1200">
+        <a:defRPr sz="13400" kern="1200">
           <a:solidFill>
             <a:schemeClr val="tx1"/>
           </a:solidFill>
@@ -2873,13 +2873,13 @@
           <a:cs typeface="+mn-cs"/>
         </a:defRPr>
       </a:lvl2pPr>
-      <a:lvl3pPr marL="1143000" indent="-228600" algn="l" defTabSz="457200" rtl="0" eaLnBrk="1" latinLnBrk="0" hangingPunct="1">
+      <a:lvl3pPr marL="5486400" indent="-1097280" algn="l" defTabSz="2194560" rtl="0" eaLnBrk="1" latinLnBrk="0" hangingPunct="1">
         <a:spcBef>
           <a:spcPct val="20000"/>
         </a:spcBef>
         <a:buFont typeface="Arial"/>
         <a:buChar char="•"/>
-        <a:defRPr sz="2400" kern="1200">
+        <a:defRPr sz="11500" kern="1200">
           <a:solidFill>
             <a:schemeClr val="tx1"/>
           </a:solidFill>
@@ -2888,13 +2888,13 @@
           <a:cs typeface="+mn-cs"/>
         </a:defRPr>
       </a:lvl3pPr>
-      <a:lvl4pPr marL="1600200" indent="-228600" algn="l" defTabSz="457200" rtl="0" eaLnBrk="1" latinLnBrk="0" hangingPunct="1">
+      <a:lvl4pPr marL="7680960" indent="-1097280" algn="l" defTabSz="2194560" rtl="0" eaLnBrk="1" latinLnBrk="0" hangingPunct="1">
         <a:spcBef>
           <a:spcPct val="20000"/>
         </a:spcBef>
         <a:buFont typeface="Arial"/>
         <a:buChar char="–"/>
-        <a:defRPr sz="2000" kern="1200">
+        <a:defRPr sz="9600" kern="1200">
           <a:solidFill>
             <a:schemeClr val="tx1"/>
           </a:solidFill>
@@ -2903,13 +2903,13 @@
           <a:cs typeface="+mn-cs"/>
         </a:defRPr>
       </a:lvl4pPr>
-      <a:lvl5pPr marL="2057400" indent="-228600" algn="l" defTabSz="457200" rtl="0" eaLnBrk="1" latinLnBrk="0" hangingPunct="1">
+      <a:lvl5pPr marL="9875520" indent="-1097280" algn="l" defTabSz="2194560" rtl="0" eaLnBrk="1" latinLnBrk="0" hangingPunct="1">
         <a:spcBef>
           <a:spcPct val="20000"/>
         </a:spcBef>
         <a:buFont typeface="Arial"/>
         <a:buChar char="»"/>
-        <a:defRPr sz="2000" kern="1200">
+        <a:defRPr sz="9600" kern="1200">
           <a:solidFill>
             <a:schemeClr val="tx1"/>
           </a:solidFill>
@@ -2918,13 +2918,13 @@
           <a:cs typeface="+mn-cs"/>
         </a:defRPr>
       </a:lvl5pPr>
-      <a:lvl6pPr marL="2514600" indent="-228600" algn="l" defTabSz="457200" rtl="0" eaLnBrk="1" latinLnBrk="0" hangingPunct="1">
+      <a:lvl6pPr marL="12070080" indent="-1097280" algn="l" defTabSz="2194560" rtl="0" eaLnBrk="1" latinLnBrk="0" hangingPunct="1">
         <a:spcBef>
           <a:spcPct val="20000"/>
         </a:spcBef>
         <a:buFont typeface="Arial"/>
         <a:buChar char="•"/>
-        <a:defRPr sz="2000" kern="1200">
+        <a:defRPr sz="9600" kern="1200">
           <a:solidFill>
             <a:schemeClr val="tx1"/>
           </a:solidFill>
@@ -2933,13 +2933,13 @@
           <a:cs typeface="+mn-cs"/>
         </a:defRPr>
       </a:lvl6pPr>
-      <a:lvl7pPr marL="2971800" indent="-228600" algn="l" defTabSz="457200" rtl="0" eaLnBrk="1" latinLnBrk="0" hangingPunct="1">
+      <a:lvl7pPr marL="14264640" indent="-1097280" algn="l" defTabSz="2194560" rtl="0" eaLnBrk="1" latinLnBrk="0" hangingPunct="1">
         <a:spcBef>
           <a:spcPct val="20000"/>
         </a:spcBef>
         <a:buFont typeface="Arial"/>
         <a:buChar char="•"/>
-        <a:defRPr sz="2000" kern="1200">
+        <a:defRPr sz="9600" kern="1200">
           <a:solidFill>
             <a:schemeClr val="tx1"/>
           </a:solidFill>
@@ -2948,13 +2948,13 @@
           <a:cs typeface="+mn-cs"/>
         </a:defRPr>
       </a:lvl7pPr>
-      <a:lvl8pPr marL="3429000" indent="-228600" algn="l" defTabSz="457200" rtl="0" eaLnBrk="1" latinLnBrk="0" hangingPunct="1">
+      <a:lvl8pPr marL="16459200" indent="-1097280" algn="l" defTabSz="2194560" rtl="0" eaLnBrk="1" latinLnBrk="0" hangingPunct="1">
         <a:spcBef>
           <a:spcPct val="20000"/>
         </a:spcBef>
         <a:buFont typeface="Arial"/>
         <a:buChar char="•"/>
-        <a:defRPr sz="2000" kern="1200">
+        <a:defRPr sz="9600" kern="1200">
           <a:solidFill>
             <a:schemeClr val="tx1"/>
           </a:solidFill>
@@ -2963,13 +2963,13 @@
           <a:cs typeface="+mn-cs"/>
         </a:defRPr>
       </a:lvl8pPr>
-      <a:lvl9pPr marL="3886200" indent="-228600" algn="l" defTabSz="457200" rtl="0" eaLnBrk="1" latinLnBrk="0" hangingPunct="1">
+      <a:lvl9pPr marL="18653760" indent="-1097280" algn="l" defTabSz="2194560" rtl="0" eaLnBrk="1" latinLnBrk="0" hangingPunct="1">
         <a:spcBef>
           <a:spcPct val="20000"/>
         </a:spcBef>
         <a:buFont typeface="Arial"/>
         <a:buChar char="•"/>
-        <a:defRPr sz="2000" kern="1200">
+        <a:defRPr sz="9600" kern="1200">
           <a:solidFill>
             <a:schemeClr val="tx1"/>
           </a:solidFill>
@@ -2983,8 +2983,8 @@
       <a:defPPr>
         <a:defRPr lang="en-US"/>
       </a:defPPr>
-      <a:lvl1pPr marL="0" algn="l" defTabSz="457200" rtl="0" eaLnBrk="1" latinLnBrk="0" hangingPunct="1">
-        <a:defRPr sz="1800" kern="1200">
+      <a:lvl1pPr marL="0" algn="l" defTabSz="2194560" rtl="0" eaLnBrk="1" latinLnBrk="0" hangingPunct="1">
+        <a:defRPr sz="8600" kern="1200">
           <a:solidFill>
             <a:schemeClr val="tx1"/>
           </a:solidFill>
@@ -2993,8 +2993,8 @@
           <a:cs typeface="+mn-cs"/>
         </a:defRPr>
       </a:lvl1pPr>
-      <a:lvl2pPr marL="457200" algn="l" defTabSz="457200" rtl="0" eaLnBrk="1" latinLnBrk="0" hangingPunct="1">
-        <a:defRPr sz="1800" kern="1200">
+      <a:lvl2pPr marL="2194560" algn="l" defTabSz="2194560" rtl="0" eaLnBrk="1" latinLnBrk="0" hangingPunct="1">
+        <a:defRPr sz="8600" kern="1200">
           <a:solidFill>
             <a:schemeClr val="tx1"/>
           </a:solidFill>
@@ -3003,8 +3003,8 @@
           <a:cs typeface="+mn-cs"/>
         </a:defRPr>
       </a:lvl2pPr>
-      <a:lvl3pPr marL="914400" algn="l" defTabSz="457200" rtl="0" eaLnBrk="1" latinLnBrk="0" hangingPunct="1">
-        <a:defRPr sz="1800" kern="1200">
+      <a:lvl3pPr marL="4389120" algn="l" defTabSz="2194560" rtl="0" eaLnBrk="1" latinLnBrk="0" hangingPunct="1">
+        <a:defRPr sz="8600" kern="1200">
           <a:solidFill>
             <a:schemeClr val="tx1"/>
           </a:solidFill>
@@ -3013,8 +3013,8 @@
           <a:cs typeface="+mn-cs"/>
         </a:defRPr>
       </a:lvl3pPr>
-      <a:lvl4pPr marL="1371600" algn="l" defTabSz="457200" rtl="0" eaLnBrk="1" latinLnBrk="0" hangingPunct="1">
-        <a:defRPr sz="1800" kern="1200">
+      <a:lvl4pPr marL="6583680" algn="l" defTabSz="2194560" rtl="0" eaLnBrk="1" latinLnBrk="0" hangingPunct="1">
+        <a:defRPr sz="8600" kern="1200">
           <a:solidFill>
             <a:schemeClr val="tx1"/>
           </a:solidFill>
@@ -3023,8 +3023,8 @@
           <a:cs typeface="+mn-cs"/>
         </a:defRPr>
       </a:lvl4pPr>
-      <a:lvl5pPr marL="1828800" algn="l" defTabSz="457200" rtl="0" eaLnBrk="1" latinLnBrk="0" hangingPunct="1">
-        <a:defRPr sz="1800" kern="1200">
+      <a:lvl5pPr marL="8778240" algn="l" defTabSz="2194560" rtl="0" eaLnBrk="1" latinLnBrk="0" hangingPunct="1">
+        <a:defRPr sz="8600" kern="1200">
           <a:solidFill>
             <a:schemeClr val="tx1"/>
           </a:solidFill>
@@ -3033,8 +3033,8 @@
           <a:cs typeface="+mn-cs"/>
         </a:defRPr>
       </a:lvl5pPr>
-      <a:lvl6pPr marL="2286000" algn="l" defTabSz="457200" rtl="0" eaLnBrk="1" latinLnBrk="0" hangingPunct="1">
-        <a:defRPr sz="1800" kern="1200">
+      <a:lvl6pPr marL="10972800" algn="l" defTabSz="2194560" rtl="0" eaLnBrk="1" latinLnBrk="0" hangingPunct="1">
+        <a:defRPr sz="8600" kern="1200">
           <a:solidFill>
             <a:schemeClr val="tx1"/>
           </a:solidFill>
@@ -3043,8 +3043,8 @@
           <a:cs typeface="+mn-cs"/>
         </a:defRPr>
       </a:lvl6pPr>
-      <a:lvl7pPr marL="2743200" algn="l" defTabSz="457200" rtl="0" eaLnBrk="1" latinLnBrk="0" hangingPunct="1">
-        <a:defRPr sz="1800" kern="1200">
+      <a:lvl7pPr marL="13167360" algn="l" defTabSz="2194560" rtl="0" eaLnBrk="1" latinLnBrk="0" hangingPunct="1">
+        <a:defRPr sz="8600" kern="1200">
           <a:solidFill>
             <a:schemeClr val="tx1"/>
           </a:solidFill>
@@ -3053,8 +3053,8 @@
           <a:cs typeface="+mn-cs"/>
         </a:defRPr>
       </a:lvl7pPr>
-      <a:lvl8pPr marL="3200400" algn="l" defTabSz="457200" rtl="0" eaLnBrk="1" latinLnBrk="0" hangingPunct="1">
-        <a:defRPr sz="1800" kern="1200">
+      <a:lvl8pPr marL="15361920" algn="l" defTabSz="2194560" rtl="0" eaLnBrk="1" latinLnBrk="0" hangingPunct="1">
+        <a:defRPr sz="8600" kern="1200">
           <a:solidFill>
             <a:schemeClr val="tx1"/>
           </a:solidFill>
@@ -3063,8 +3063,8 @@
           <a:cs typeface="+mn-cs"/>
         </a:defRPr>
       </a:lvl8pPr>
-      <a:lvl9pPr marL="3657600" algn="l" defTabSz="457200" rtl="0" eaLnBrk="1" latinLnBrk="0" hangingPunct="1">
-        <a:defRPr sz="1800" kern="1200">
+      <a:lvl9pPr marL="17556480" algn="l" defTabSz="2194560" rtl="0" eaLnBrk="1" latinLnBrk="0" hangingPunct="1">
+        <a:defRPr sz="8600" kern="1200">
           <a:solidFill>
             <a:schemeClr val="tx1"/>
           </a:solidFill>
@@ -3103,107 +3103,57 @@
           <a:chExt cx="0" cy="0"/>
         </a:xfrm>
       </p:grpSpPr>
-      <p:grpSp>
-        <p:nvGrpSpPr>
-          <p:cNvPr id="25" name="Group 24"/>
-          <p:cNvGrpSpPr/>
+      <p:sp>
+        <p:nvSpPr>
+          <p:cNvPr id="24" name="Rectangle 23"/>
+          <p:cNvSpPr/>
           <p:nvPr/>
-        </p:nvGrpSpPr>
-        <p:grpSpPr>
+        </p:nvSpPr>
+        <p:spPr>
           <a:xfrm>
-            <a:off x="0" y="0"/>
-            <a:ext cx="9144000" cy="6929516"/>
-            <a:chOff x="0" y="0"/>
-            <a:chExt cx="9144000" cy="6929516"/>
+            <a:off x="5" y="6450210"/>
+            <a:ext cx="43891195" cy="26811478"/>
           </a:xfrm>
-        </p:grpSpPr>
-        <p:sp>
-          <p:nvSpPr>
-            <p:cNvPr id="19" name="TextBox 18"/>
-            <p:cNvSpPr txBox="1"/>
-            <p:nvPr/>
-          </p:nvSpPr>
-          <p:spPr>
-            <a:xfrm>
-              <a:off x="0" y="0"/>
-              <a:ext cx="9143999" cy="2275709"/>
-            </a:xfrm>
-            <a:prstGeom prst="rect">
-              <a:avLst/>
-            </a:prstGeom>
+          <a:prstGeom prst="rect">
+            <a:avLst/>
+          </a:prstGeom>
+          <a:solidFill>
+            <a:schemeClr val="tx2">
+              <a:lumMod val="40000"/>
+              <a:lumOff val="60000"/>
+            </a:schemeClr>
+          </a:solidFill>
+          <a:ln w="57150" cmpd="sng">
             <a:solidFill>
-              <a:schemeClr val="bg1"/>
-            </a:solidFill>
-            <a:ln w="57150" cmpd="sng">
-              <a:solidFill>
-                <a:schemeClr val="tx1">
-                  <a:alpha val="50000"/>
-                </a:schemeClr>
-              </a:solidFill>
-            </a:ln>
-          </p:spPr>
-          <p:txBody>
-            <a:bodyPr wrap="square" rtlCol="0">
-              <a:spAutoFit/>
-            </a:bodyPr>
-            <a:lstStyle/>
-            <a:p>
-              <a:endParaRPr lang="en-US" dirty="0"/>
-            </a:p>
-          </p:txBody>
-        </p:sp>
-        <p:sp>
-          <p:nvSpPr>
-            <p:cNvPr id="24" name="Rectangle 23"/>
-            <p:cNvSpPr/>
-            <p:nvPr/>
-          </p:nvSpPr>
-          <p:spPr>
-            <a:xfrm>
-              <a:off x="1" y="2054823"/>
-              <a:ext cx="9143999" cy="4874693"/>
-            </a:xfrm>
-            <a:prstGeom prst="rect">
-              <a:avLst/>
-            </a:prstGeom>
-            <a:solidFill>
-              <a:schemeClr val="tx2">
-                <a:lumMod val="40000"/>
-                <a:lumOff val="60000"/>
+              <a:schemeClr val="tx1">
+                <a:alpha val="50000"/>
               </a:schemeClr>
             </a:solidFill>
-            <a:ln w="57150" cmpd="sng">
-              <a:solidFill>
-                <a:schemeClr val="tx1">
-                  <a:alpha val="50000"/>
-                </a:schemeClr>
-              </a:solidFill>
-            </a:ln>
-          </p:spPr>
-          <p:style>
-            <a:lnRef idx="1">
-              <a:schemeClr val="accent1"/>
-            </a:lnRef>
-            <a:fillRef idx="3">
-              <a:schemeClr val="accent1"/>
-            </a:fillRef>
-            <a:effectRef idx="2">
-              <a:schemeClr val="accent1"/>
-            </a:effectRef>
-            <a:fontRef idx="minor">
-              <a:schemeClr val="lt1"/>
-            </a:fontRef>
-          </p:style>
-          <p:txBody>
-            <a:bodyPr rtlCol="0" anchor="ctr"/>
-            <a:lstStyle/>
-            <a:p>
-              <a:pPr algn="ctr"/>
-              <a:endParaRPr lang="en-US" dirty="0"/>
-            </a:p>
-          </p:txBody>
-        </p:sp>
-      </p:grpSp>
+          </a:ln>
+        </p:spPr>
+        <p:style>
+          <a:lnRef idx="1">
+            <a:schemeClr val="accent1"/>
+          </a:lnRef>
+          <a:fillRef idx="3">
+            <a:schemeClr val="accent1"/>
+          </a:fillRef>
+          <a:effectRef idx="2">
+            <a:schemeClr val="accent1"/>
+          </a:effectRef>
+          <a:fontRef idx="minor">
+            <a:schemeClr val="lt1"/>
+          </a:fontRef>
+        </p:style>
+        <p:txBody>
+          <a:bodyPr rtlCol="0" anchor="ctr"/>
+          <a:lstStyle/>
+          <a:p>
+            <a:pPr algn="ctr"/>
+            <a:endParaRPr lang="en-US" dirty="0"/>
+          </a:p>
+        </p:txBody>
+      </p:sp>
       <p:pic>
         <p:nvPicPr>
           <p:cNvPr id="5" name="Picture 3" descr="C:\Users\Alex Tsoi\Conference_Meeting\ASHG_2011\StackedFullBlockM.png"/>
@@ -3221,8 +3171,8 @@
         </p:blipFill>
         <p:spPr bwMode="auto">
           <a:xfrm>
-            <a:off x="82542" y="912564"/>
-            <a:ext cx="1857830" cy="1070743"/>
+            <a:off x="789192" y="712596"/>
+            <a:ext cx="8917584" cy="5139566"/>
           </a:xfrm>
           <a:prstGeom prst="rect">
             <a:avLst/>
@@ -3247,8 +3197,8 @@
         </p:blipFill>
         <p:spPr bwMode="auto">
           <a:xfrm>
-            <a:off x="26381850" y="1066800"/>
-            <a:ext cx="3564750" cy="3120570"/>
+            <a:off x="126632880" y="5120642"/>
+            <a:ext cx="17110800" cy="14978741"/>
           </a:xfrm>
           <a:prstGeom prst="rect">
             <a:avLst/>
@@ -3273,8 +3223,8 @@
         </p:blipFill>
         <p:spPr bwMode="auto">
           <a:xfrm>
-            <a:off x="26534250" y="1219200"/>
-            <a:ext cx="3564750" cy="3120570"/>
+            <a:off x="127364400" y="5852162"/>
+            <a:ext cx="17110800" cy="14978741"/>
           </a:xfrm>
           <a:prstGeom prst="rect">
             <a:avLst/>
@@ -3299,8 +3249,8 @@
         </p:blipFill>
         <p:spPr bwMode="auto">
           <a:xfrm>
-            <a:off x="26686650" y="1371600"/>
-            <a:ext cx="3564750" cy="3120570"/>
+            <a:off x="128095920" y="6583682"/>
+            <a:ext cx="17110800" cy="14978741"/>
           </a:xfrm>
           <a:prstGeom prst="rect">
             <a:avLst/>
@@ -3325,8 +3275,8 @@
         </p:blipFill>
         <p:spPr bwMode="auto">
           <a:xfrm>
-            <a:off x="7602728" y="846410"/>
-            <a:ext cx="1298722" cy="1136897"/>
+            <a:off x="36910210" y="712596"/>
+            <a:ext cx="5816771" cy="5091982"/>
           </a:xfrm>
           <a:prstGeom prst="rect">
             <a:avLst/>
@@ -3342,8 +3292,8 @@
         </p:nvSpPr>
         <p:spPr>
           <a:xfrm>
-            <a:off x="437004" y="-7779"/>
-            <a:ext cx="8263425" cy="1015663"/>
+            <a:off x="15275522" y="993103"/>
+            <a:ext cx="13004535" cy="1828193"/>
           </a:xfrm>
           <a:prstGeom prst="rect">
             <a:avLst/>
@@ -3351,76 +3301,22 @@
           <a:noFill/>
         </p:spPr>
         <p:txBody>
-          <a:bodyPr wrap="none" rtlCol="0">
+          <a:bodyPr wrap="none" lIns="438912" tIns="219456" rIns="438912" bIns="219456" rtlCol="0">
             <a:spAutoFit/>
           </a:bodyPr>
           <a:lstStyle/>
           <a:p>
             <a:r>
-              <a:rPr lang="en-US" sz="6000" b="1" dirty="0" smtClean="0">
+              <a:rPr lang="en-US" sz="9000" b="1" dirty="0">
                 <a:latin typeface="Times New Roman"/>
                 <a:cs typeface="Times New Roman"/>
               </a:rPr>
               <a:t>Genomics Meta Analysis</a:t>
             </a:r>
-            <a:endParaRPr lang="en-US" sz="6000" b="1" dirty="0">
+            <a:endParaRPr lang="en-US" sz="9000" b="1" dirty="0">
               <a:latin typeface="Times New Roman"/>
               <a:cs typeface="Times New Roman"/>
             </a:endParaRPr>
-          </a:p>
-        </p:txBody>
-      </p:sp>
-      <p:sp>
-        <p:nvSpPr>
-          <p:cNvPr id="13" name="TextBox 12"/>
-          <p:cNvSpPr txBox="1"/>
-          <p:nvPr/>
-        </p:nvSpPr>
-        <p:spPr>
-          <a:xfrm>
-            <a:off x="1940372" y="186660"/>
-            <a:ext cx="5662356" cy="2369880"/>
-          </a:xfrm>
-          <a:prstGeom prst="rect">
-            <a:avLst/>
-          </a:prstGeom>
-          <a:noFill/>
-        </p:spPr>
-        <p:txBody>
-          <a:bodyPr wrap="square" rtlCol="0">
-            <a:spAutoFit/>
-          </a:bodyPr>
-          <a:lstStyle/>
-          <a:p>
-            <a:endParaRPr lang="en-US" sz="4000" dirty="0" smtClean="0"/>
-          </a:p>
-          <a:p>
-            <a:pPr algn="ctr"/>
-            <a:r>
-              <a:rPr lang="en-US" sz="3400" dirty="0" smtClean="0">
-                <a:latin typeface="Times New Roman"/>
-                <a:cs typeface="Times New Roman"/>
-              </a:rPr>
-              <a:t>Kristine </a:t>
-            </a:r>
-            <a:r>
-              <a:rPr lang="en-US" sz="3400" dirty="0" err="1" smtClean="0">
-                <a:latin typeface="Times New Roman"/>
-                <a:cs typeface="Times New Roman"/>
-              </a:rPr>
-              <a:t>Lan</a:t>
-            </a:r>
-            <a:r>
-              <a:rPr lang="en-US" sz="3400" dirty="0" smtClean="0">
-                <a:latin typeface="Times New Roman"/>
-                <a:cs typeface="Times New Roman"/>
-              </a:rPr>
-              <a:t>, Rushil Sheth, Mike Thompson</a:t>
-            </a:r>
-          </a:p>
-          <a:p>
-            <a:pPr algn="ctr"/>
-            <a:endParaRPr lang="en-US" sz="3600" dirty="0"/>
           </a:p>
         </p:txBody>
       </p:sp>
@@ -3432,10 +3328,10 @@
         </p:nvGrpSpPr>
         <p:grpSpPr>
           <a:xfrm>
-            <a:off x="164415" y="2226994"/>
-            <a:ext cx="2640303" cy="1994237"/>
+            <a:off x="789192" y="10689576"/>
+            <a:ext cx="14128080" cy="5356558"/>
             <a:chOff x="164415" y="2226994"/>
-            <a:chExt cx="2640303" cy="1994237"/>
+            <a:chExt cx="2640303" cy="1198863"/>
           </a:xfrm>
         </p:grpSpPr>
         <p:sp>
@@ -3447,7 +3343,7 @@
           <p:spPr>
             <a:xfrm>
               <a:off x="164415" y="2226994"/>
-              <a:ext cx="2640303" cy="523220"/>
+              <a:ext cx="2640303" cy="482189"/>
             </a:xfrm>
             <a:prstGeom prst="rect">
               <a:avLst/>
@@ -3467,7 +3363,7 @@
             <a:p>
               <a:pPr algn="ctr"/>
               <a:r>
-                <a:rPr lang="en-US" sz="2800" b="1" i="1" dirty="0" smtClean="0">
+                <a:rPr lang="en-US" sz="13400" b="1" i="1" dirty="0">
                   <a:latin typeface="Times New Roman"/>
                   <a:cs typeface="Times New Roman"/>
                 </a:rPr>
@@ -3484,8 +3380,8 @@
           </p:nvSpPr>
           <p:spPr>
             <a:xfrm>
-              <a:off x="164415" y="2743903"/>
-              <a:ext cx="2640303" cy="1477328"/>
+              <a:off x="164415" y="2743904"/>
+              <a:ext cx="2640303" cy="681953"/>
             </a:xfrm>
             <a:prstGeom prst="rect">
               <a:avLst/>
@@ -3500,26 +3396,113 @@
             </a:bodyPr>
             <a:lstStyle/>
             <a:p>
+              <a:pPr marL="1371600" indent="-1371600">
+                <a:buFont typeface="Arial"/>
+                <a:buChar char="•"/>
+              </a:pPr>
               <a:r>
-                <a:rPr lang="en-US" dirty="0" smtClean="0"/>
-                <a:t>Talk about our motivation and other stuff</a:t>
+                <a:rPr kumimoji="1" lang="en-US" altLang="zh-TW" sz="3200" dirty="0">
+                  <a:latin typeface="Times New Roman"/>
+                  <a:cs typeface="Times New Roman"/>
+                </a:rPr>
+                <a:t>Meta-Analysis: </a:t>
+              </a:r>
+              <a:r>
+                <a:rPr kumimoji="1" lang="en-US" altLang="zh-TW" sz="3200" dirty="0">
+                  <a:latin typeface="Times New Roman"/>
+                  <a:cs typeface="Times New Roman"/>
+                </a:rPr>
+                <a:t>Combine many independent </a:t>
+              </a:r>
+              <a:r>
+                <a:rPr kumimoji="1" lang="en-US" altLang="zh-TW" sz="3200" dirty="0">
+                  <a:latin typeface="Times New Roman"/>
+                  <a:cs typeface="Times New Roman"/>
+                </a:rPr>
+                <a:t>studies </a:t>
+              </a:r>
+              <a:r>
+                <a:rPr kumimoji="1" lang="en-US" altLang="zh-TW" sz="3200" dirty="0">
+                  <a:latin typeface="Times New Roman"/>
+                  <a:cs typeface="Times New Roman"/>
+                </a:rPr>
+                <a:t>to create a larger data and </a:t>
+              </a:r>
+              <a:r>
+                <a:rPr kumimoji="1" lang="en-US" altLang="zh-TW" sz="3200" dirty="0">
+                  <a:latin typeface="Times New Roman"/>
+                  <a:cs typeface="Times New Roman"/>
+                </a:rPr>
+                <a:t>derive new conclusions.</a:t>
               </a:r>
             </a:p>
             <a:p>
+              <a:pPr marL="1371600" indent="-1371600">
+                <a:buFont typeface="Arial"/>
+                <a:buChar char="•"/>
+              </a:pPr>
               <a:r>
-                <a:rPr lang="en-US" dirty="0" smtClean="0"/>
-                <a:t>A</a:t>
+                <a:rPr kumimoji="1" lang="en-US" altLang="zh-TW" sz="3200" dirty="0">
+                  <a:latin typeface="Times New Roman"/>
+                  <a:cs typeface="Times New Roman"/>
+                </a:rPr>
+                <a:t>Find patterns </a:t>
+              </a:r>
+              <a:r>
+                <a:rPr kumimoji="1" lang="en-US" altLang="zh-TW" sz="3200" dirty="0">
+                  <a:latin typeface="Times New Roman"/>
+                  <a:cs typeface="Times New Roman"/>
+                </a:rPr>
+                <a:t>and derive </a:t>
+              </a:r>
+              <a:r>
+                <a:rPr kumimoji="1" lang="en-US" altLang="zh-TW" sz="3200" dirty="0">
+                  <a:latin typeface="Times New Roman"/>
+                  <a:cs typeface="Times New Roman"/>
+                </a:rPr>
+                <a:t>conclusions about Type II Diabetes through Meta-</a:t>
+              </a:r>
+              <a:r>
+                <a:rPr kumimoji="1" lang="en-US" altLang="zh-TW" sz="3200" dirty="0">
+                  <a:latin typeface="Times New Roman"/>
+                  <a:cs typeface="Times New Roman"/>
+                </a:rPr>
+                <a:t>Analysis</a:t>
               </a:r>
             </a:p>
             <a:p>
+              <a:pPr marL="1371600" indent="-1371600">
+                <a:buFont typeface="Arial"/>
+                <a:buChar char="•"/>
+              </a:pPr>
               <a:r>
-                <a:rPr lang="en-US" dirty="0"/>
-                <a:t>A</a:t>
+                <a:rPr kumimoji="1" lang="en-US" altLang="zh-TW" sz="3200" dirty="0">
+                  <a:latin typeface="Times New Roman"/>
+                  <a:cs typeface="Times New Roman"/>
+                </a:rPr>
+                <a:t>Genome-wide association studies (GWAS) on rare genetic </a:t>
               </a:r>
-              <a:endParaRPr lang="en-US" dirty="0" smtClean="0"/>
+              <a:r>
+                <a:rPr kumimoji="1" lang="en-US" altLang="zh-TW" sz="3200" dirty="0">
+                  <a:latin typeface="Times New Roman"/>
+                  <a:cs typeface="Times New Roman"/>
+                </a:rPr>
+                <a:t>variants</a:t>
+              </a:r>
+              <a:endParaRPr kumimoji="1" lang="en-US" altLang="zh-TW" sz="3200" dirty="0">
+                <a:latin typeface="Times New Roman"/>
+                <a:cs typeface="Times New Roman"/>
+              </a:endParaRPr>
             </a:p>
             <a:p>
-              <a:endParaRPr lang="en-US" dirty="0"/>
+              <a:pPr marL="1371600" indent="-1371600">
+                <a:buFont typeface="Arial"/>
+                <a:buChar char="•"/>
+              </a:pPr>
+              <a:endParaRPr lang="en-US" sz="3200" dirty="0">
+                <a:latin typeface="Times New Roman"/>
+                <a:cs typeface="Times New Roman"/>
+              </a:endParaRPr>
             </a:p>
           </p:txBody>
         </p:sp>
@@ -3532,8 +3515,8 @@
         </p:nvSpPr>
         <p:spPr>
           <a:xfrm>
-            <a:off x="3251371" y="2226994"/>
-            <a:ext cx="2640303" cy="523220"/>
+            <a:off x="15606603" y="10689566"/>
+            <a:ext cx="12673454" cy="2511456"/>
           </a:xfrm>
           <a:prstGeom prst="rect">
             <a:avLst/>
@@ -3546,13 +3529,13 @@
           </a:solidFill>
         </p:spPr>
         <p:txBody>
-          <a:bodyPr wrap="square" rtlCol="0">
+          <a:bodyPr wrap="square" lIns="438912" tIns="219456" rIns="438912" bIns="219456" rtlCol="0">
             <a:spAutoFit/>
           </a:bodyPr>
           <a:lstStyle/>
           <a:p>
             <a:r>
-              <a:rPr lang="en-US" sz="2800" b="1" i="1" dirty="0" smtClean="0">
+              <a:rPr lang="en-US" sz="13400" b="1" i="1" dirty="0">
                 <a:latin typeface="Times New Roman"/>
                 <a:cs typeface="Times New Roman"/>
               </a:rPr>
@@ -3569,8 +3552,8 @@
         </p:nvSpPr>
         <p:spPr>
           <a:xfrm>
-            <a:off x="6261147" y="2226994"/>
-            <a:ext cx="2640303" cy="523220"/>
+            <a:off x="30053527" y="10689566"/>
+            <a:ext cx="12673454" cy="2511456"/>
           </a:xfrm>
           <a:prstGeom prst="rect">
             <a:avLst/>
@@ -3583,14 +3566,14 @@
           </a:solidFill>
         </p:spPr>
         <p:txBody>
-          <a:bodyPr wrap="square" rtlCol="0">
+          <a:bodyPr wrap="square" lIns="438912" tIns="219456" rIns="438912" bIns="219456" rtlCol="0">
             <a:spAutoFit/>
           </a:bodyPr>
           <a:lstStyle/>
           <a:p>
             <a:pPr algn="ctr"/>
             <a:r>
-              <a:rPr lang="en-US" sz="2800" b="1" i="1" dirty="0" smtClean="0">
+              <a:rPr lang="en-US" sz="13400" b="1" i="1" dirty="0">
                 <a:latin typeface="Times New Roman"/>
                 <a:cs typeface="Times New Roman"/>
               </a:rPr>
@@ -3607,8 +3590,8 @@
         </p:nvSpPr>
         <p:spPr>
           <a:xfrm>
-            <a:off x="6261147" y="4258320"/>
-            <a:ext cx="2640303" cy="553998"/>
+            <a:off x="30053527" y="20439936"/>
+            <a:ext cx="12673454" cy="2659190"/>
           </a:xfrm>
           <a:prstGeom prst="rect">
             <a:avLst/>
@@ -3621,26 +3604,98 @@
           </a:solidFill>
         </p:spPr>
         <p:txBody>
-          <a:bodyPr wrap="square" rtlCol="0">
+          <a:bodyPr wrap="square" lIns="438912" tIns="219456" rIns="438912" bIns="219456" rtlCol="0">
             <a:spAutoFit/>
           </a:bodyPr>
           <a:lstStyle/>
           <a:p>
             <a:pPr algn="ctr"/>
             <a:r>
-              <a:rPr lang="en-US" sz="3000" b="1" i="1" dirty="0" err="1" smtClean="0">
+              <a:rPr lang="en-US" sz="14400" b="1" i="1" dirty="0" err="1">
                 <a:latin typeface="Times New Roman"/>
                 <a:cs typeface="Times New Roman"/>
               </a:rPr>
               <a:t>Wut</a:t>
             </a:r>
             <a:r>
-              <a:rPr lang="en-US" sz="3000" b="1" i="1" dirty="0" smtClean="0">
+              <a:rPr lang="en-US" sz="14400" b="1" i="1" dirty="0">
                 <a:latin typeface="Times New Roman"/>
                 <a:cs typeface="Times New Roman"/>
               </a:rPr>
               <a:t> we learned</a:t>
             </a:r>
+          </a:p>
+        </p:txBody>
+      </p:sp>
+      <p:sp>
+        <p:nvSpPr>
+          <p:cNvPr id="2" name="TextBox 1"/>
+          <p:cNvSpPr txBox="1"/>
+          <p:nvPr/>
+        </p:nvSpPr>
+        <p:spPr>
+          <a:xfrm>
+            <a:off x="14447256" y="3413146"/>
+            <a:ext cx="16951847" cy="2646878"/>
+          </a:xfrm>
+          <a:prstGeom prst="rect">
+            <a:avLst/>
+          </a:prstGeom>
+          <a:noFill/>
+        </p:spPr>
+        <p:txBody>
+          <a:bodyPr wrap="square" rtlCol="0">
+            <a:spAutoFit/>
+          </a:bodyPr>
+          <a:lstStyle/>
+          <a:p>
+            <a:pPr algn="ctr"/>
+            <a:r>
+              <a:rPr lang="en-US" sz="4000" dirty="0">
+                <a:latin typeface="Times New Roman"/>
+                <a:cs typeface="Times New Roman"/>
+              </a:rPr>
+              <a:t>Kristine </a:t>
+            </a:r>
+            <a:r>
+              <a:rPr lang="en-US" sz="4000" dirty="0" err="1">
+                <a:latin typeface="Times New Roman"/>
+                <a:cs typeface="Times New Roman"/>
+              </a:rPr>
+              <a:t>Lan</a:t>
+            </a:r>
+            <a:r>
+              <a:rPr lang="en-US" sz="4000" dirty="0">
+                <a:latin typeface="Times New Roman"/>
+                <a:cs typeface="Times New Roman"/>
+              </a:rPr>
+              <a:t>(University of Michigan), Rushil Sheth(University of Missouri), Mike Thompson(University of </a:t>
+            </a:r>
+            <a:r>
+              <a:rPr lang="en-US" sz="4000" dirty="0" err="1">
+                <a:latin typeface="Times New Roman"/>
+                <a:cs typeface="Times New Roman"/>
+              </a:rPr>
+              <a:t>Massachusets</a:t>
+            </a:r>
+            <a:r>
+              <a:rPr lang="en-US" sz="4000" dirty="0">
+                <a:latin typeface="Times New Roman"/>
+                <a:cs typeface="Times New Roman"/>
+              </a:rPr>
+              <a:t>-Amherst</a:t>
+            </a:r>
+            <a:r>
+              <a:rPr lang="en-US" sz="4000" dirty="0" smtClean="0">
+                <a:latin typeface="Times New Roman"/>
+                <a:cs typeface="Times New Roman"/>
+              </a:rPr>
+              <a:t>)</a:t>
+            </a:r>
+            <a:endParaRPr lang="en-US" sz="37200" dirty="0"/>
+          </a:p>
+          <a:p>
+            <a:endParaRPr lang="en-US" dirty="0"/>
           </a:p>
         </p:txBody>
       </p:sp>
@@ -3654,6 +3709,13 @@
   <p:clrMapOvr>
     <a:masterClrMapping/>
   </p:clrMapOvr>
+  <p:timing>
+    <p:tnLst>
+      <p:par>
+        <p:cTn xmlns:p14="http://schemas.microsoft.com/office/powerpoint/2010/main" id="1" dur="indefinite" restart="never" nodeType="tmRoot"/>
+      </p:par>
+    </p:tnLst>
+  </p:timing>
 </p:sld>
 </file>
 

--- a/meta_poster.pptx
+++ b/meta_poster.pptx
@@ -3322,16 +3322,16 @@
       </p:sp>
       <p:grpSp>
         <p:nvGrpSpPr>
-          <p:cNvPr id="30" name="Group 29"/>
+          <p:cNvPr id="3" name="Group 2"/>
           <p:cNvGrpSpPr/>
           <p:nvPr/>
         </p:nvGrpSpPr>
         <p:grpSpPr>
           <a:xfrm>
-            <a:off x="789192" y="10689576"/>
-            <a:ext cx="14128080" cy="5356558"/>
-            <a:chOff x="164415" y="2226994"/>
-            <a:chExt cx="2640303" cy="1198863"/>
+            <a:off x="789192" y="7597220"/>
+            <a:ext cx="14128080" cy="4892720"/>
+            <a:chOff x="789192" y="7597220"/>
+            <a:chExt cx="14128080" cy="3393511"/>
           </a:xfrm>
         </p:grpSpPr>
         <p:sp>
@@ -3342,8 +3342,8 @@
           </p:nvSpPr>
           <p:spPr>
             <a:xfrm>
-              <a:off x="164415" y="2226994"/>
-              <a:ext cx="2640303" cy="482189"/>
+              <a:off x="789192" y="7597220"/>
+              <a:ext cx="14128080" cy="830997"/>
             </a:xfrm>
             <a:prstGeom prst="rect">
               <a:avLst/>
@@ -3363,12 +3363,16 @@
             <a:p>
               <a:pPr algn="ctr"/>
               <a:r>
-                <a:rPr lang="en-US" sz="13400" b="1" i="1" dirty="0">
+                <a:rPr lang="en-US" sz="4800" b="1" i="1" dirty="0" smtClean="0">
                   <a:latin typeface="Times New Roman"/>
                   <a:cs typeface="Times New Roman"/>
                 </a:rPr>
-                <a:t>Introduction</a:t>
+                <a:t>Motivation and Objectives:</a:t>
               </a:r>
+              <a:endParaRPr lang="en-US" sz="4800" b="1" i="1" dirty="0">
+                <a:latin typeface="Times New Roman"/>
+                <a:cs typeface="Times New Roman"/>
+              </a:endParaRPr>
             </a:p>
           </p:txBody>
         </p:sp>
@@ -3380,8 +3384,8 @@
           </p:nvSpPr>
           <p:spPr>
             <a:xfrm>
-              <a:off x="164415" y="2743904"/>
-              <a:ext cx="2640303" cy="681953"/>
+              <a:off x="789192" y="8436187"/>
+              <a:ext cx="14128080" cy="2554544"/>
             </a:xfrm>
             <a:prstGeom prst="rect">
               <a:avLst/>
@@ -3396,7 +3400,7 @@
             </a:bodyPr>
             <a:lstStyle/>
             <a:p>
-              <a:pPr marL="1371600" indent="-1371600">
+              <a:pPr marL="457200" indent="-457200">
                 <a:buFont typeface="Arial"/>
                 <a:buChar char="•"/>
               </a:pPr>
@@ -3405,73 +3409,49 @@
                   <a:latin typeface="Times New Roman"/>
                   <a:cs typeface="Times New Roman"/>
                 </a:rPr>
-                <a:t>Meta-Analysis: </a:t>
+                <a:t>Meta-Analysis: Combining multiple independent studies together to create a larger data set to find patterns and derive new </a:t>
+              </a:r>
+              <a:r>
+                <a:rPr kumimoji="1" lang="en-US" altLang="zh-TW" sz="3200" dirty="0" smtClean="0">
+                  <a:latin typeface="Times New Roman"/>
+                  <a:cs typeface="Times New Roman"/>
+                </a:rPr>
+                <a:t>conclusions.</a:t>
+              </a:r>
+            </a:p>
+            <a:p>
+              <a:pPr marL="457200" indent="-457200">
+                <a:buFont typeface="Arial"/>
+                <a:buChar char="•"/>
+              </a:pPr>
+              <a:r>
+                <a:rPr kumimoji="1" lang="en-US" altLang="zh-TW" sz="3200" dirty="0" smtClean="0">
+                  <a:latin typeface="Times New Roman"/>
+                  <a:cs typeface="Times New Roman"/>
+                </a:rPr>
+                <a:t>Original </a:t>
               </a:r>
               <a:r>
                 <a:rPr kumimoji="1" lang="en-US" altLang="zh-TW" sz="3200" dirty="0">
                   <a:latin typeface="Times New Roman"/>
                   <a:cs typeface="Times New Roman"/>
                 </a:rPr>
-                <a:t>Combine many independent </a:t>
+                <a:t>Question: Find patterns and derive conclusions about Type II Diabetes through Meta-</a:t>
               </a:r>
               <a:r>
-                <a:rPr kumimoji="1" lang="en-US" altLang="zh-TW" sz="3200" dirty="0">
-                  <a:latin typeface="Times New Roman"/>
-                  <a:cs typeface="Times New Roman"/>
-                </a:rPr>
-                <a:t>studies </a:t>
-              </a:r>
-              <a:r>
-                <a:rPr kumimoji="1" lang="en-US" altLang="zh-TW" sz="3200" dirty="0">
-                  <a:latin typeface="Times New Roman"/>
-                  <a:cs typeface="Times New Roman"/>
-                </a:rPr>
-                <a:t>to create a larger data and </a:t>
-              </a:r>
-              <a:r>
-                <a:rPr kumimoji="1" lang="en-US" altLang="zh-TW" sz="3200" dirty="0">
-                  <a:latin typeface="Times New Roman"/>
-                  <a:cs typeface="Times New Roman"/>
-                </a:rPr>
-                <a:t>derive new conclusions.</a:t>
-              </a:r>
-            </a:p>
-            <a:p>
-              <a:pPr marL="1371600" indent="-1371600">
-                <a:buFont typeface="Arial"/>
-                <a:buChar char="•"/>
-              </a:pPr>
-              <a:r>
-                <a:rPr kumimoji="1" lang="en-US" altLang="zh-TW" sz="3200" dirty="0">
-                  <a:latin typeface="Times New Roman"/>
-                  <a:cs typeface="Times New Roman"/>
-                </a:rPr>
-                <a:t>Find patterns </a:t>
-              </a:r>
-              <a:r>
-                <a:rPr kumimoji="1" lang="en-US" altLang="zh-TW" sz="3200" dirty="0">
-                  <a:latin typeface="Times New Roman"/>
-                  <a:cs typeface="Times New Roman"/>
-                </a:rPr>
-                <a:t>and derive </a:t>
-              </a:r>
-              <a:r>
-                <a:rPr kumimoji="1" lang="en-US" altLang="zh-TW" sz="3200" dirty="0">
-                  <a:latin typeface="Times New Roman"/>
-                  <a:cs typeface="Times New Roman"/>
-                </a:rPr>
-                <a:t>conclusions about Type II Diabetes through Meta-</a:t>
-              </a:r>
-              <a:r>
-                <a:rPr kumimoji="1" lang="en-US" altLang="zh-TW" sz="3200" dirty="0">
+                <a:rPr kumimoji="1" lang="en-US" altLang="zh-TW" sz="3200" dirty="0" smtClean="0">
                   <a:latin typeface="Times New Roman"/>
                   <a:cs typeface="Times New Roman"/>
                 </a:rPr>
                 <a:t>Analysis</a:t>
               </a:r>
+              <a:endParaRPr lang="en-US" altLang="zh-TW" sz="3200" dirty="0">
+                <a:latin typeface="Times New Roman"/>
+                <a:cs typeface="Times New Roman"/>
+              </a:endParaRPr>
             </a:p>
             <a:p>
-              <a:pPr marL="1371600" indent="-1371600">
+              <a:pPr marL="457200" indent="-457200">
                 <a:buFont typeface="Arial"/>
                 <a:buChar char="•"/>
               </a:pPr>
@@ -3483,23 +3463,13 @@
                 <a:t>Genome-wide association studies (GWAS) on rare genetic </a:t>
               </a:r>
               <a:r>
-                <a:rPr kumimoji="1" lang="en-US" altLang="zh-TW" sz="3200" dirty="0">
+                <a:rPr kumimoji="1" lang="en-US" altLang="zh-TW" sz="3200" dirty="0" smtClean="0">
                   <a:latin typeface="Times New Roman"/>
                   <a:cs typeface="Times New Roman"/>
                 </a:rPr>
                 <a:t>variants</a:t>
               </a:r>
               <a:endParaRPr kumimoji="1" lang="en-US" altLang="zh-TW" sz="3200" dirty="0">
-                <a:latin typeface="Times New Roman"/>
-                <a:cs typeface="Times New Roman"/>
-              </a:endParaRPr>
-            </a:p>
-            <a:p>
-              <a:pPr marL="1371600" indent="-1371600">
-                <a:buFont typeface="Arial"/>
-                <a:buChar char="•"/>
-              </a:pPr>
-              <a:endParaRPr lang="en-US" sz="3200" dirty="0">
                 <a:latin typeface="Times New Roman"/>
                 <a:cs typeface="Times New Roman"/>
               </a:endParaRPr>
@@ -3535,12 +3505,16 @@
           <a:lstStyle/>
           <a:p>
             <a:r>
-              <a:rPr lang="en-US" sz="13400" b="1" i="1" dirty="0">
+              <a:rPr lang="en-US" sz="13400" b="1" i="1" dirty="0" smtClean="0">
                 <a:latin typeface="Times New Roman"/>
                 <a:cs typeface="Times New Roman"/>
               </a:rPr>
               <a:t>Procedure</a:t>
             </a:r>
+            <a:endParaRPr lang="en-US" sz="13400" b="1" i="1" dirty="0">
+              <a:latin typeface="Times New Roman"/>
+              <a:cs typeface="Times New Roman"/>
+            </a:endParaRPr>
           </a:p>
         </p:txBody>
       </p:sp>
@@ -3696,6 +3670,879 @@
           </a:p>
           <a:p>
             <a:endParaRPr lang="en-US" dirty="0"/>
+          </a:p>
+        </p:txBody>
+      </p:sp>
+      <p:grpSp>
+        <p:nvGrpSpPr>
+          <p:cNvPr id="20" name="Group 19"/>
+          <p:cNvGrpSpPr/>
+          <p:nvPr/>
+        </p:nvGrpSpPr>
+        <p:grpSpPr>
+          <a:xfrm>
+            <a:off x="28280057" y="15272505"/>
+            <a:ext cx="14128080" cy="3393511"/>
+            <a:chOff x="789192" y="7597220"/>
+            <a:chExt cx="14128080" cy="3393511"/>
+          </a:xfrm>
+        </p:grpSpPr>
+        <p:sp>
+          <p:nvSpPr>
+            <p:cNvPr id="21" name="TextBox 20"/>
+            <p:cNvSpPr txBox="1"/>
+            <p:nvPr/>
+          </p:nvSpPr>
+          <p:spPr>
+            <a:xfrm>
+              <a:off x="789192" y="7597220"/>
+              <a:ext cx="14128080" cy="830997"/>
+            </a:xfrm>
+            <a:prstGeom prst="rect">
+              <a:avLst/>
+            </a:prstGeom>
+            <a:solidFill>
+              <a:schemeClr val="accent3">
+                <a:lumMod val="40000"/>
+                <a:lumOff val="60000"/>
+              </a:schemeClr>
+            </a:solidFill>
+          </p:spPr>
+          <p:txBody>
+            <a:bodyPr wrap="square" rtlCol="0">
+              <a:spAutoFit/>
+            </a:bodyPr>
+            <a:lstStyle/>
+            <a:p>
+              <a:pPr algn="ctr"/>
+              <a:r>
+                <a:rPr lang="en-US" sz="4800" b="1" i="1" dirty="0" smtClean="0">
+                  <a:latin typeface="Times New Roman"/>
+                  <a:cs typeface="Times New Roman"/>
+                </a:rPr>
+                <a:t>Motivation and Objectives:</a:t>
+              </a:r>
+              <a:endParaRPr lang="en-US" sz="4800" b="1" i="1" dirty="0">
+                <a:latin typeface="Times New Roman"/>
+                <a:cs typeface="Times New Roman"/>
+              </a:endParaRPr>
+            </a:p>
+          </p:txBody>
+        </p:sp>
+        <p:sp>
+          <p:nvSpPr>
+            <p:cNvPr id="22" name="TextBox 21"/>
+            <p:cNvSpPr txBox="1"/>
+            <p:nvPr/>
+          </p:nvSpPr>
+          <p:spPr>
+            <a:xfrm>
+              <a:off x="789192" y="8436187"/>
+              <a:ext cx="14128080" cy="2554544"/>
+            </a:xfrm>
+            <a:prstGeom prst="rect">
+              <a:avLst/>
+            </a:prstGeom>
+            <a:solidFill>
+              <a:schemeClr val="bg1"/>
+            </a:solidFill>
+          </p:spPr>
+          <p:txBody>
+            <a:bodyPr wrap="square" rtlCol="0">
+              <a:spAutoFit/>
+            </a:bodyPr>
+            <a:lstStyle/>
+            <a:p>
+              <a:pPr marL="457200" indent="-457200">
+                <a:buFont typeface="Arial"/>
+                <a:buChar char="•"/>
+              </a:pPr>
+              <a:r>
+                <a:rPr kumimoji="1" lang="en-US" altLang="zh-TW" sz="3200" dirty="0">
+                  <a:latin typeface="Times New Roman"/>
+                  <a:cs typeface="Times New Roman"/>
+                </a:rPr>
+                <a:t>Meta-Analysis: Combining multiple independent studies together to create a larger data set to find patterns and derive new </a:t>
+              </a:r>
+              <a:r>
+                <a:rPr kumimoji="1" lang="en-US" altLang="zh-TW" sz="3200" dirty="0" smtClean="0">
+                  <a:latin typeface="Times New Roman"/>
+                  <a:cs typeface="Times New Roman"/>
+                </a:rPr>
+                <a:t>conclusions.</a:t>
+              </a:r>
+            </a:p>
+            <a:p>
+              <a:pPr marL="457200" indent="-457200">
+                <a:buFont typeface="Arial"/>
+                <a:buChar char="•"/>
+              </a:pPr>
+              <a:r>
+                <a:rPr kumimoji="1" lang="en-US" altLang="zh-TW" sz="3200" dirty="0" smtClean="0">
+                  <a:latin typeface="Times New Roman"/>
+                  <a:cs typeface="Times New Roman"/>
+                </a:rPr>
+                <a:t>Original </a:t>
+              </a:r>
+              <a:r>
+                <a:rPr kumimoji="1" lang="en-US" altLang="zh-TW" sz="3200" dirty="0">
+                  <a:latin typeface="Times New Roman"/>
+                  <a:cs typeface="Times New Roman"/>
+                </a:rPr>
+                <a:t>Question: Find patterns and derive conclusions about Type II Diabetes through Meta-</a:t>
+              </a:r>
+              <a:r>
+                <a:rPr kumimoji="1" lang="en-US" altLang="zh-TW" sz="3200" dirty="0" smtClean="0">
+                  <a:latin typeface="Times New Roman"/>
+                  <a:cs typeface="Times New Roman"/>
+                </a:rPr>
+                <a:t>Analysis</a:t>
+              </a:r>
+              <a:endParaRPr lang="en-US" altLang="zh-TW" sz="3200" dirty="0">
+                <a:latin typeface="Times New Roman"/>
+                <a:cs typeface="Times New Roman"/>
+              </a:endParaRPr>
+            </a:p>
+            <a:p>
+              <a:pPr marL="457200" indent="-457200">
+                <a:buFont typeface="Arial"/>
+                <a:buChar char="•"/>
+              </a:pPr>
+              <a:r>
+                <a:rPr kumimoji="1" lang="en-US" altLang="zh-TW" sz="3200" dirty="0">
+                  <a:latin typeface="Times New Roman"/>
+                  <a:cs typeface="Times New Roman"/>
+                </a:rPr>
+                <a:t>Genome-wide association studies (GWAS) on rare genetic </a:t>
+              </a:r>
+              <a:r>
+                <a:rPr kumimoji="1" lang="en-US" altLang="zh-TW" sz="3200" dirty="0" smtClean="0">
+                  <a:latin typeface="Times New Roman"/>
+                  <a:cs typeface="Times New Roman"/>
+                </a:rPr>
+                <a:t>variants</a:t>
+              </a:r>
+              <a:endParaRPr kumimoji="1" lang="en-US" altLang="zh-TW" sz="3200" dirty="0">
+                <a:latin typeface="Times New Roman"/>
+                <a:cs typeface="Times New Roman"/>
+              </a:endParaRPr>
+            </a:p>
+          </p:txBody>
+        </p:sp>
+      </p:grpSp>
+      <p:grpSp>
+        <p:nvGrpSpPr>
+          <p:cNvPr id="23" name="Group 22"/>
+          <p:cNvGrpSpPr/>
+          <p:nvPr/>
+        </p:nvGrpSpPr>
+        <p:grpSpPr>
+          <a:xfrm>
+            <a:off x="789192" y="12491112"/>
+            <a:ext cx="14128080" cy="7240719"/>
+            <a:chOff x="789192" y="7597220"/>
+            <a:chExt cx="14128080" cy="7240719"/>
+          </a:xfrm>
+        </p:grpSpPr>
+        <p:sp>
+          <p:nvSpPr>
+            <p:cNvPr id="31" name="TextBox 30"/>
+            <p:cNvSpPr txBox="1"/>
+            <p:nvPr/>
+          </p:nvSpPr>
+          <p:spPr>
+            <a:xfrm>
+              <a:off x="789192" y="7597220"/>
+              <a:ext cx="14128080" cy="830997"/>
+            </a:xfrm>
+            <a:prstGeom prst="rect">
+              <a:avLst/>
+            </a:prstGeom>
+            <a:solidFill>
+              <a:schemeClr val="accent3">
+                <a:lumMod val="40000"/>
+                <a:lumOff val="60000"/>
+              </a:schemeClr>
+            </a:solidFill>
+          </p:spPr>
+          <p:txBody>
+            <a:bodyPr wrap="square" rtlCol="0">
+              <a:spAutoFit/>
+            </a:bodyPr>
+            <a:lstStyle/>
+            <a:p>
+              <a:pPr algn="ctr"/>
+              <a:r>
+                <a:rPr lang="en-US" sz="4800" b="1" i="1" dirty="0" smtClean="0">
+                  <a:latin typeface="Times New Roman"/>
+                  <a:cs typeface="Times New Roman"/>
+                </a:rPr>
+                <a:t>Single Study Rare Variants GWAS:</a:t>
+              </a:r>
+              <a:endParaRPr lang="en-US" sz="4800" b="1" i="1" dirty="0">
+                <a:latin typeface="Times New Roman"/>
+                <a:cs typeface="Times New Roman"/>
+              </a:endParaRPr>
+            </a:p>
+          </p:txBody>
+        </p:sp>
+        <p:sp>
+          <p:nvSpPr>
+            <p:cNvPr id="32" name="TextBox 31"/>
+            <p:cNvSpPr txBox="1"/>
+            <p:nvPr/>
+          </p:nvSpPr>
+          <p:spPr>
+            <a:xfrm>
+              <a:off x="789192" y="8436187"/>
+              <a:ext cx="14128080" cy="6401752"/>
+            </a:xfrm>
+            <a:prstGeom prst="rect">
+              <a:avLst/>
+            </a:prstGeom>
+            <a:solidFill>
+              <a:schemeClr val="bg1"/>
+            </a:solidFill>
+          </p:spPr>
+          <p:txBody>
+            <a:bodyPr wrap="square" rtlCol="0">
+              <a:spAutoFit/>
+            </a:bodyPr>
+            <a:lstStyle/>
+            <a:p>
+              <a:pPr marL="571500" indent="-571500">
+                <a:buFont typeface="Arial"/>
+                <a:buChar char="•"/>
+              </a:pPr>
+              <a:r>
+                <a:rPr lang="en-US" sz="4200" dirty="0"/>
+                <a:t>Phenotype </a:t>
+              </a:r>
+              <a:r>
+                <a:rPr lang="en-US" sz="4200" dirty="0" smtClean="0"/>
+                <a:t>Simulation</a:t>
+              </a:r>
+            </a:p>
+            <a:p>
+              <a:pPr marL="2766060" lvl="1" indent="-571500">
+                <a:buFont typeface="Arial"/>
+                <a:buChar char="•"/>
+              </a:pPr>
+              <a:r>
+                <a:rPr lang="en-US" sz="4200" dirty="0" smtClean="0"/>
+                <a:t>10,000 </a:t>
+              </a:r>
+              <a:r>
+                <a:rPr lang="en-US" sz="4200" dirty="0"/>
+                <a:t>cases + controls (with various % </a:t>
+              </a:r>
+              <a:r>
+                <a:rPr lang="en-US" sz="4200" dirty="0" smtClean="0"/>
+                <a:t>cases)</a:t>
+              </a:r>
+            </a:p>
+            <a:p>
+              <a:pPr marL="571500" indent="-571500">
+                <a:buFont typeface="Arial"/>
+                <a:buChar char="•"/>
+              </a:pPr>
+              <a:r>
+                <a:rPr lang="en-US" sz="4200" dirty="0" smtClean="0"/>
+                <a:t>Genotype Simulation</a:t>
+              </a:r>
+            </a:p>
+            <a:p>
+              <a:pPr marL="2766060" lvl="1" indent="-571500">
+                <a:buFont typeface="Arial"/>
+                <a:buChar char="•"/>
+              </a:pPr>
+              <a:r>
+                <a:rPr lang="en-US" sz="4200" dirty="0" smtClean="0"/>
+                <a:t>Given </a:t>
+              </a:r>
+              <a:r>
+                <a:rPr lang="en-US" sz="4200" dirty="0"/>
+                <a:t>disease prevalence (0.1%) </a:t>
+              </a:r>
+              <a:endParaRPr lang="en-US" sz="4200" dirty="0" smtClean="0"/>
+            </a:p>
+            <a:p>
+              <a:pPr marL="2766060" lvl="1" indent="-571500">
+                <a:buFont typeface="Arial"/>
+                <a:buChar char="•"/>
+              </a:pPr>
+              <a:r>
+                <a:rPr lang="en-US" sz="4200" dirty="0" smtClean="0"/>
+                <a:t>risk </a:t>
+              </a:r>
+              <a:r>
+                <a:rPr lang="en-US" sz="4200" dirty="0"/>
+                <a:t>allele frequencies (0.1% ~ 50%</a:t>
+              </a:r>
+              <a:r>
+                <a:rPr lang="en-US" sz="4200" dirty="0" smtClean="0"/>
+                <a:t>) and </a:t>
+              </a:r>
+              <a:r>
+                <a:rPr lang="en-US" sz="4200" dirty="0"/>
+                <a:t>multiplicative relative risks (0.125 ~ 5.0</a:t>
+              </a:r>
+              <a:r>
+                <a:rPr lang="en-US" sz="4200" dirty="0" smtClean="0"/>
+                <a:t>)</a:t>
+              </a:r>
+            </a:p>
+            <a:p>
+              <a:pPr marL="2766060" lvl="1" indent="-571500">
+                <a:buFont typeface="Arial"/>
+                <a:buChar char="•"/>
+              </a:pPr>
+              <a:r>
+                <a:rPr lang="en-US" sz="4200" dirty="0" smtClean="0"/>
+                <a:t>Calculate </a:t>
+              </a:r>
+              <a:r>
+                <a:rPr lang="en-US" sz="4200" dirty="0"/>
+                <a:t>the allele frequencies for cases and </a:t>
+              </a:r>
+              <a:r>
+                <a:rPr lang="en-US" sz="4200" dirty="0" err="1" smtClean="0"/>
+                <a:t>ctrls</a:t>
+              </a:r>
+              <a:endParaRPr lang="en-US" sz="4200" dirty="0" smtClean="0"/>
+            </a:p>
+            <a:p>
+              <a:pPr marL="2766060" lvl="1" indent="-571500">
+                <a:buFont typeface="Arial"/>
+                <a:buChar char="•"/>
+              </a:pPr>
+              <a:r>
+                <a:rPr lang="en-US" sz="4200" dirty="0" smtClean="0"/>
+                <a:t>Simulate </a:t>
+              </a:r>
+              <a:r>
+                <a:rPr lang="en-US" sz="4200" dirty="0"/>
+                <a:t>individual genotypes based on the frequency estimates</a:t>
+              </a:r>
+            </a:p>
+            <a:p>
+              <a:endParaRPr kumimoji="1" lang="en-US" altLang="zh-TW" sz="3200" dirty="0">
+                <a:latin typeface="Times New Roman"/>
+                <a:cs typeface="Times New Roman"/>
+              </a:endParaRPr>
+            </a:p>
+          </p:txBody>
+        </p:sp>
+      </p:grpSp>
+      <p:sp>
+        <p:nvSpPr>
+          <p:cNvPr id="34" name="TextBox 33"/>
+          <p:cNvSpPr txBox="1"/>
+          <p:nvPr/>
+        </p:nvSpPr>
+        <p:spPr>
+          <a:xfrm>
+            <a:off x="789192" y="19731831"/>
+            <a:ext cx="14128080" cy="1600438"/>
+          </a:xfrm>
+          <a:prstGeom prst="rect">
+            <a:avLst/>
+          </a:prstGeom>
+          <a:solidFill>
+            <a:schemeClr val="accent3">
+              <a:lumMod val="40000"/>
+              <a:lumOff val="60000"/>
+            </a:schemeClr>
+          </a:solidFill>
+        </p:spPr>
+        <p:txBody>
+          <a:bodyPr wrap="square" rtlCol="0">
+            <a:spAutoFit/>
+          </a:bodyPr>
+          <a:lstStyle/>
+          <a:p>
+            <a:pPr algn="ctr"/>
+            <a:r>
+              <a:rPr lang="en-US" sz="5000" b="1" i="1" dirty="0" smtClean="0">
+                <a:latin typeface="Times New Roman"/>
+                <a:cs typeface="Times New Roman"/>
+              </a:rPr>
+              <a:t>Project Outline</a:t>
+            </a:r>
+          </a:p>
+          <a:p>
+            <a:pPr algn="ctr"/>
+            <a:endParaRPr lang="en-US" sz="4800" b="1" i="1" dirty="0">
+              <a:latin typeface="Times New Roman"/>
+              <a:cs typeface="Times New Roman"/>
+            </a:endParaRPr>
+          </a:p>
+        </p:txBody>
+      </p:sp>
+      <p:pic>
+        <p:nvPicPr>
+          <p:cNvPr id="44" name="table"/>
+          <p:cNvPicPr>
+            <a:picLocks noChangeAspect="1"/>
+          </p:cNvPicPr>
+          <p:nvPr/>
+        </p:nvPicPr>
+        <p:blipFill>
+          <a:blip r:embed="rId4"/>
+          <a:stretch>
+            <a:fillRect/>
+          </a:stretch>
+        </p:blipFill>
+        <p:spPr>
+          <a:xfrm>
+            <a:off x="789191" y="21956126"/>
+            <a:ext cx="4365143" cy="2219564"/>
+          </a:xfrm>
+          <a:prstGeom prst="rect">
+            <a:avLst/>
+          </a:prstGeom>
+        </p:spPr>
+      </p:pic>
+      <p:sp>
+        <p:nvSpPr>
+          <p:cNvPr id="48" name="向右箭號 10"/>
+          <p:cNvSpPr/>
+          <p:nvPr/>
+        </p:nvSpPr>
+        <p:spPr>
+          <a:xfrm>
+            <a:off x="6362886" y="22247092"/>
+            <a:ext cx="4332095" cy="1661241"/>
+          </a:xfrm>
+          <a:prstGeom prst="stripedRightArrow">
+            <a:avLst/>
+          </a:prstGeom>
+        </p:spPr>
+        <p:style>
+          <a:lnRef idx="1">
+            <a:schemeClr val="accent1"/>
+          </a:lnRef>
+          <a:fillRef idx="3">
+            <a:schemeClr val="accent1"/>
+          </a:fillRef>
+          <a:effectRef idx="2">
+            <a:schemeClr val="accent1"/>
+          </a:effectRef>
+          <a:fontRef idx="minor">
+            <a:schemeClr val="lt1"/>
+          </a:fontRef>
+        </p:style>
+        <p:txBody>
+          <a:bodyPr rtlCol="0" anchor="ctr"/>
+          <a:lstStyle/>
+          <a:p>
+            <a:pPr algn="ctr"/>
+            <a:r>
+              <a:rPr kumimoji="1" lang="en-US" altLang="zh-TW" sz="4000" dirty="0" smtClean="0"/>
+              <a:t>Apply data </a:t>
+            </a:r>
+            <a:r>
+              <a:rPr kumimoji="1" lang="en-US" altLang="zh-TW" sz="4000" dirty="0" smtClean="0"/>
+              <a:t>to</a:t>
+            </a:r>
+            <a:endParaRPr kumimoji="1" lang="zh-TW" altLang="en-US" sz="4000" dirty="0"/>
+          </a:p>
+        </p:txBody>
+      </p:sp>
+      <p:graphicFrame>
+        <p:nvGraphicFramePr>
+          <p:cNvPr id="49" name="表格 11"/>
+          <p:cNvGraphicFramePr>
+            <a:graphicFrameLocks noGrp="1"/>
+          </p:cNvGraphicFramePr>
+          <p:nvPr>
+            <p:extLst>
+              <p:ext uri="{D42A27DB-BD31-4B8C-83A1-F6EECF244321}">
+                <p14:modId xmlns:p14="http://schemas.microsoft.com/office/powerpoint/2010/main" val="1490436410"/>
+              </p:ext>
+            </p:extLst>
+          </p:nvPr>
+        </p:nvGraphicFramePr>
+        <p:xfrm>
+          <a:off x="11652496" y="21625366"/>
+          <a:ext cx="3623026" cy="2550324"/>
+        </p:xfrm>
+        <a:graphic>
+          <a:graphicData uri="http://schemas.openxmlformats.org/drawingml/2006/table">
+            <a:tbl>
+              <a:tblPr/>
+              <a:tblGrid>
+                <a:gridCol w="3623026"/>
+              </a:tblGrid>
+              <a:tr h="637581">
+                <a:tc>
+                  <a:txBody>
+                    <a:bodyPr/>
+                    <a:lstStyle/>
+                    <a:p>
+                      <a:pPr algn="l" fontAlgn="b"/>
+                      <a:r>
+                        <a:rPr lang="en-US" sz="1200" b="0" i="0" u="none" strike="noStrike" dirty="0">
+                          <a:solidFill>
+                            <a:srgbClr val="000000"/>
+                          </a:solidFill>
+                          <a:effectLst/>
+                          <a:latin typeface="Arial Black"/>
+                        </a:rPr>
+                        <a:t>Logistic Regression</a:t>
+                      </a:r>
+                    </a:p>
+                  </a:txBody>
+                  <a:tcPr marL="12700" marR="12700" marT="12700" marB="0" anchor="b">
+                    <a:lnL>
+                      <a:noFill/>
+                    </a:lnL>
+                    <a:lnR>
+                      <a:noFill/>
+                    </a:lnR>
+                    <a:lnT>
+                      <a:noFill/>
+                    </a:lnT>
+                    <a:lnB>
+                      <a:noFill/>
+                    </a:lnB>
+                  </a:tcPr>
+                </a:tc>
+              </a:tr>
+              <a:tr h="637581">
+                <a:tc>
+                  <a:txBody>
+                    <a:bodyPr/>
+                    <a:lstStyle/>
+                    <a:p>
+                      <a:pPr algn="l" fontAlgn="b"/>
+                      <a:r>
+                        <a:rPr lang="en-US" sz="1200" b="0" i="0" u="none" strike="noStrike">
+                          <a:solidFill>
+                            <a:srgbClr val="000000"/>
+                          </a:solidFill>
+                          <a:effectLst/>
+                          <a:latin typeface="Arial Black"/>
+                        </a:rPr>
+                        <a:t>Score Test</a:t>
+                      </a:r>
+                    </a:p>
+                  </a:txBody>
+                  <a:tcPr marL="12700" marR="12700" marT="12700" marB="0" anchor="b">
+                    <a:lnL>
+                      <a:noFill/>
+                    </a:lnL>
+                    <a:lnR>
+                      <a:noFill/>
+                    </a:lnR>
+                    <a:lnT>
+                      <a:noFill/>
+                    </a:lnT>
+                    <a:lnB>
+                      <a:noFill/>
+                    </a:lnB>
+                  </a:tcPr>
+                </a:tc>
+              </a:tr>
+              <a:tr h="637581">
+                <a:tc>
+                  <a:txBody>
+                    <a:bodyPr/>
+                    <a:lstStyle/>
+                    <a:p>
+                      <a:pPr algn="l" fontAlgn="b"/>
+                      <a:r>
+                        <a:rPr lang="en-US" sz="1200" b="0" i="0" u="none" strike="noStrike">
+                          <a:solidFill>
+                            <a:srgbClr val="000000"/>
+                          </a:solidFill>
+                          <a:effectLst/>
+                          <a:latin typeface="Arial Black"/>
+                        </a:rPr>
+                        <a:t>Allele  Proportion Test</a:t>
+                      </a:r>
+                    </a:p>
+                  </a:txBody>
+                  <a:tcPr marL="12700" marR="12700" marT="12700" marB="0" anchor="b">
+                    <a:lnL>
+                      <a:noFill/>
+                    </a:lnL>
+                    <a:lnR>
+                      <a:noFill/>
+                    </a:lnR>
+                    <a:lnT>
+                      <a:noFill/>
+                    </a:lnT>
+                    <a:lnB>
+                      <a:noFill/>
+                    </a:lnB>
+                  </a:tcPr>
+                </a:tc>
+              </a:tr>
+              <a:tr h="637581">
+                <a:tc>
+                  <a:txBody>
+                    <a:bodyPr/>
+                    <a:lstStyle/>
+                    <a:p>
+                      <a:pPr algn="l" fontAlgn="b"/>
+                      <a:r>
+                        <a:rPr lang="en-US" sz="1200" b="0" i="0" u="none" strike="noStrike" dirty="0" smtClean="0">
+                          <a:solidFill>
+                            <a:srgbClr val="000000"/>
+                          </a:solidFill>
+                          <a:effectLst/>
+                          <a:latin typeface="Arial Black"/>
+                        </a:rPr>
+                        <a:t>Fisher’s Exact Test</a:t>
+                      </a:r>
+                      <a:endParaRPr lang="en-US" sz="1200" b="0" i="0" u="none" strike="noStrike" dirty="0">
+                        <a:solidFill>
+                          <a:srgbClr val="000000"/>
+                        </a:solidFill>
+                        <a:effectLst/>
+                        <a:latin typeface="Arial Black"/>
+                      </a:endParaRPr>
+                    </a:p>
+                  </a:txBody>
+                  <a:tcPr marL="12700" marR="12700" marT="12700" marB="0" anchor="b">
+                    <a:lnL>
+                      <a:noFill/>
+                    </a:lnL>
+                    <a:lnR>
+                      <a:noFill/>
+                    </a:lnR>
+                    <a:lnT>
+                      <a:noFill/>
+                    </a:lnT>
+                    <a:lnB>
+                      <a:noFill/>
+                    </a:lnB>
+                  </a:tcPr>
+                </a:tc>
+              </a:tr>
+            </a:tbl>
+          </a:graphicData>
+        </a:graphic>
+      </p:graphicFrame>
+      <p:sp>
+        <p:nvSpPr>
+          <p:cNvPr id="50" name="弧形向左鍵 12"/>
+          <p:cNvSpPr/>
+          <p:nvPr/>
+        </p:nvSpPr>
+        <p:spPr>
+          <a:xfrm>
+            <a:off x="14447256" y="23908333"/>
+            <a:ext cx="2462072" cy="4171344"/>
+          </a:xfrm>
+          <a:prstGeom prst="curvedLeftArrow">
+            <a:avLst/>
+          </a:prstGeom>
+        </p:spPr>
+        <p:style>
+          <a:lnRef idx="1">
+            <a:schemeClr val="accent1"/>
+          </a:lnRef>
+          <a:fillRef idx="3">
+            <a:schemeClr val="accent1"/>
+          </a:fillRef>
+          <a:effectRef idx="2">
+            <a:schemeClr val="accent1"/>
+          </a:effectRef>
+          <a:fontRef idx="minor">
+            <a:schemeClr val="lt1"/>
+          </a:fontRef>
+        </p:style>
+        <p:txBody>
+          <a:bodyPr rtlCol="0" anchor="ctr"/>
+          <a:lstStyle/>
+          <a:p>
+            <a:pPr algn="ctr"/>
+            <a:r>
+              <a:rPr kumimoji="1" lang="en-US" altLang="zh-TW" sz="4000" dirty="0" smtClean="0">
+                <a:solidFill>
+                  <a:srgbClr val="262626"/>
+                </a:solidFill>
+              </a:rPr>
+              <a:t>Acquire </a:t>
+            </a:r>
+          </a:p>
+          <a:p>
+            <a:pPr algn="ctr"/>
+            <a:r>
+              <a:rPr kumimoji="1" lang="en-US" altLang="zh-TW" sz="4000" dirty="0" smtClean="0">
+                <a:solidFill>
+                  <a:srgbClr val="262626"/>
+                </a:solidFill>
+              </a:rPr>
+              <a:t>p-value</a:t>
+            </a:r>
+            <a:endParaRPr kumimoji="1" lang="zh-TW" altLang="en-US" sz="4000" dirty="0">
+              <a:solidFill>
+                <a:srgbClr val="262626"/>
+              </a:solidFill>
+            </a:endParaRPr>
+          </a:p>
+        </p:txBody>
+      </p:sp>
+      <p:sp>
+        <p:nvSpPr>
+          <p:cNvPr id="52" name="向左箭號 14"/>
+          <p:cNvSpPr/>
+          <p:nvPr/>
+        </p:nvSpPr>
+        <p:spPr>
+          <a:xfrm>
+            <a:off x="6241940" y="27453159"/>
+            <a:ext cx="5161410" cy="1555136"/>
+          </a:xfrm>
+          <a:prstGeom prst="leftArrow">
+            <a:avLst/>
+          </a:prstGeom>
+        </p:spPr>
+        <p:style>
+          <a:lnRef idx="1">
+            <a:schemeClr val="dk1"/>
+          </a:lnRef>
+          <a:fillRef idx="3">
+            <a:schemeClr val="dk1"/>
+          </a:fillRef>
+          <a:effectRef idx="2">
+            <a:schemeClr val="dk1"/>
+          </a:effectRef>
+          <a:fontRef idx="minor">
+            <a:schemeClr val="lt1"/>
+          </a:fontRef>
+        </p:style>
+        <p:txBody>
+          <a:bodyPr rtlCol="0" anchor="ctr"/>
+          <a:lstStyle/>
+          <a:p>
+            <a:pPr algn="ctr">
+              <a:lnSpc>
+                <a:spcPct val="80000"/>
+              </a:lnSpc>
+            </a:pPr>
+            <a:r>
+              <a:rPr kumimoji="1" lang="en-US" altLang="zh-TW" sz="3200" dirty="0" smtClean="0">
+                <a:solidFill>
+                  <a:schemeClr val="bg1"/>
+                </a:solidFill>
+              </a:rPr>
+              <a:t>Find Ideal test</a:t>
+            </a:r>
+          </a:p>
+          <a:p>
+            <a:pPr algn="ctr">
+              <a:lnSpc>
+                <a:spcPct val="80000"/>
+              </a:lnSpc>
+            </a:pPr>
+            <a:r>
+              <a:rPr kumimoji="1" lang="en-US" altLang="zh-TW" sz="3200" dirty="0">
+                <a:solidFill>
+                  <a:schemeClr val="bg1"/>
+                </a:solidFill>
+              </a:rPr>
+              <a:t>f</a:t>
+            </a:r>
+            <a:r>
+              <a:rPr kumimoji="1" lang="en-US" altLang="zh-TW" sz="3200" dirty="0" smtClean="0">
+                <a:solidFill>
+                  <a:schemeClr val="bg1"/>
+                </a:solidFill>
+              </a:rPr>
+              <a:t>or meta-analysis</a:t>
+            </a:r>
+            <a:endParaRPr kumimoji="1" lang="zh-TW" altLang="en-US" sz="3200" dirty="0">
+              <a:solidFill>
+                <a:schemeClr val="bg1"/>
+              </a:solidFill>
+            </a:endParaRPr>
+          </a:p>
+        </p:txBody>
+      </p:sp>
+      <p:sp>
+        <p:nvSpPr>
+          <p:cNvPr id="53" name="雲形 15"/>
+          <p:cNvSpPr/>
+          <p:nvPr/>
+        </p:nvSpPr>
+        <p:spPr>
+          <a:xfrm>
+            <a:off x="317799" y="26515070"/>
+            <a:ext cx="4836536" cy="2493225"/>
+          </a:xfrm>
+          <a:prstGeom prst="cloud">
+            <a:avLst/>
+          </a:prstGeom>
+          <a:gradFill flip="none" rotWithShape="1">
+            <a:gsLst>
+              <a:gs pos="0">
+                <a:schemeClr val="accent1">
+                  <a:tint val="100000"/>
+                  <a:shade val="100000"/>
+                  <a:satMod val="130000"/>
+                  <a:alpha val="0"/>
+                </a:schemeClr>
+              </a:gs>
+              <a:gs pos="100000">
+                <a:schemeClr val="accent1">
+                  <a:tint val="50000"/>
+                  <a:shade val="100000"/>
+                  <a:satMod val="350000"/>
+                  <a:alpha val="0"/>
+                </a:schemeClr>
+              </a:gs>
+            </a:gsLst>
+            <a:lin ang="16200000" scaled="0"/>
+            <a:tileRect/>
+          </a:gradFill>
+        </p:spPr>
+        <p:style>
+          <a:lnRef idx="1">
+            <a:schemeClr val="accent1"/>
+          </a:lnRef>
+          <a:fillRef idx="3">
+            <a:schemeClr val="accent1"/>
+          </a:fillRef>
+          <a:effectRef idx="2">
+            <a:schemeClr val="accent1"/>
+          </a:effectRef>
+          <a:fontRef idx="minor">
+            <a:schemeClr val="lt1"/>
+          </a:fontRef>
+        </p:style>
+        <p:txBody>
+          <a:bodyPr rtlCol="0" anchor="ctr"/>
+          <a:lstStyle/>
+          <a:p>
+            <a:pPr algn="ctr"/>
+            <a:r>
+              <a:rPr kumimoji="1" lang="en-US" altLang="zh-TW" sz="4000" dirty="0" smtClean="0">
+                <a:solidFill>
+                  <a:schemeClr val="tx1"/>
+                </a:solidFill>
+              </a:rPr>
+              <a:t>Parameters</a:t>
+            </a:r>
+          </a:p>
+          <a:p>
+            <a:pPr algn="ctr"/>
+            <a:r>
+              <a:rPr kumimoji="1" lang="en-US" altLang="zh-TW" sz="4000" dirty="0" smtClean="0">
+                <a:solidFill>
+                  <a:schemeClr val="tx1"/>
+                </a:solidFill>
+              </a:rPr>
+              <a:t>weights</a:t>
+            </a:r>
+            <a:endParaRPr kumimoji="1" lang="en-US" altLang="zh-TW" sz="4000" dirty="0" smtClean="0">
+              <a:solidFill>
+                <a:schemeClr val="tx1"/>
+              </a:solidFill>
+            </a:endParaRPr>
           </a:p>
         </p:txBody>
       </p:sp>

--- a/meta_poster.pptx
+++ b/meta_poster.pptx
@@ -3154,6 +3154,34 @@
           </a:p>
         </p:txBody>
       </p:sp>
+      <p:sp>
+        <p:nvSpPr>
+          <p:cNvPr id="4" name="TextBox 3"/>
+          <p:cNvSpPr txBox="1"/>
+          <p:nvPr/>
+        </p:nvSpPr>
+        <p:spPr>
+          <a:xfrm>
+            <a:off x="15772623" y="8849705"/>
+            <a:ext cx="26954357" cy="13678291"/>
+          </a:xfrm>
+          <a:prstGeom prst="rect">
+            <a:avLst/>
+          </a:prstGeom>
+          <a:solidFill>
+            <a:schemeClr val="bg1"/>
+          </a:solidFill>
+        </p:spPr>
+        <p:txBody>
+          <a:bodyPr wrap="square" rtlCol="0">
+            <a:spAutoFit/>
+          </a:bodyPr>
+          <a:lstStyle/>
+          <a:p>
+            <a:endParaRPr lang="en-US" dirty="0"/>
+          </a:p>
+        </p:txBody>
+      </p:sp>
       <p:pic>
         <p:nvPicPr>
           <p:cNvPr id="5" name="Picture 3" descr="C:\Users\Alex Tsoi\Conference_Meeting\ASHG_2011\StackedFullBlockM.png"/>
@@ -3292,8 +3320,8 @@
         </p:nvSpPr>
         <p:spPr>
           <a:xfrm>
-            <a:off x="15275522" y="993103"/>
-            <a:ext cx="13004535" cy="1828193"/>
+            <a:off x="13968356" y="712596"/>
+            <a:ext cx="18049744" cy="2289858"/>
           </a:xfrm>
           <a:prstGeom prst="rect">
             <a:avLst/>
@@ -3301,49 +3329,346 @@
           <a:noFill/>
         </p:spPr>
         <p:txBody>
-          <a:bodyPr wrap="none" lIns="438912" tIns="219456" rIns="438912" bIns="219456" rtlCol="0">
+          <a:bodyPr wrap="square" lIns="438912" tIns="219456" rIns="438912" bIns="219456" rtlCol="0">
             <a:spAutoFit/>
           </a:bodyPr>
           <a:lstStyle/>
           <a:p>
             <a:r>
-              <a:rPr lang="en-US" sz="9000" b="1" dirty="0">
+              <a:rPr lang="en-US" sz="12000" b="1" dirty="0">
                 <a:latin typeface="Times New Roman"/>
                 <a:cs typeface="Times New Roman"/>
               </a:rPr>
               <a:t>Genomics Meta Analysis</a:t>
             </a:r>
-            <a:endParaRPr lang="en-US" sz="9000" b="1" dirty="0">
+            <a:endParaRPr lang="en-US" sz="12000" b="1" dirty="0">
               <a:latin typeface="Times New Roman"/>
               <a:cs typeface="Times New Roman"/>
             </a:endParaRPr>
           </a:p>
         </p:txBody>
       </p:sp>
+      <p:sp>
+        <p:nvSpPr>
+          <p:cNvPr id="14" name="TextBox 13"/>
+          <p:cNvSpPr txBox="1"/>
+          <p:nvPr/>
+        </p:nvSpPr>
+        <p:spPr>
+          <a:xfrm>
+            <a:off x="789192" y="7691821"/>
+            <a:ext cx="14128080" cy="892552"/>
+          </a:xfrm>
+          <a:prstGeom prst="rect">
+            <a:avLst/>
+          </a:prstGeom>
+          <a:solidFill>
+            <a:schemeClr val="accent3">
+              <a:lumMod val="40000"/>
+              <a:lumOff val="60000"/>
+            </a:schemeClr>
+          </a:solidFill>
+        </p:spPr>
+        <p:txBody>
+          <a:bodyPr wrap="square" rtlCol="0">
+            <a:spAutoFit/>
+          </a:bodyPr>
+          <a:lstStyle/>
+          <a:p>
+            <a:pPr algn="ctr"/>
+            <a:r>
+              <a:rPr lang="en-US" sz="5200" b="1" i="1" dirty="0" smtClean="0">
+                <a:latin typeface="Times New Roman"/>
+                <a:cs typeface="Times New Roman"/>
+              </a:rPr>
+              <a:t>Motivation and Objectives:</a:t>
+            </a:r>
+            <a:endParaRPr lang="en-US" sz="5200" b="1" i="1" dirty="0">
+              <a:latin typeface="Times New Roman"/>
+              <a:cs typeface="Times New Roman"/>
+            </a:endParaRPr>
+          </a:p>
+        </p:txBody>
+      </p:sp>
+      <p:sp>
+        <p:nvSpPr>
+          <p:cNvPr id="26" name="TextBox 25"/>
+          <p:cNvSpPr txBox="1"/>
+          <p:nvPr/>
+        </p:nvSpPr>
+        <p:spPr>
+          <a:xfrm>
+            <a:off x="789192" y="8584373"/>
+            <a:ext cx="14128080" cy="4616649"/>
+          </a:xfrm>
+          <a:prstGeom prst="rect">
+            <a:avLst/>
+          </a:prstGeom>
+          <a:solidFill>
+            <a:schemeClr val="bg1"/>
+          </a:solidFill>
+        </p:spPr>
+        <p:txBody>
+          <a:bodyPr wrap="square" rtlCol="0">
+            <a:spAutoFit/>
+          </a:bodyPr>
+          <a:lstStyle/>
+          <a:p>
+            <a:pPr marL="457200" indent="-457200">
+              <a:buFont typeface="Arial"/>
+              <a:buChar char="•"/>
+            </a:pPr>
+            <a:r>
+              <a:rPr kumimoji="1" lang="en-US" altLang="zh-TW" sz="4200" dirty="0">
+                <a:latin typeface="Times New Roman"/>
+                <a:cs typeface="Times New Roman"/>
+              </a:rPr>
+              <a:t>Meta-Analysis: Combining multiple independent studies together to create a larger data set to find patterns and derive new </a:t>
+            </a:r>
+            <a:r>
+              <a:rPr kumimoji="1" lang="en-US" altLang="zh-TW" sz="4200" dirty="0" smtClean="0">
+                <a:latin typeface="Times New Roman"/>
+                <a:cs typeface="Times New Roman"/>
+              </a:rPr>
+              <a:t>conclusions.</a:t>
+            </a:r>
+          </a:p>
+          <a:p>
+            <a:pPr marL="457200" indent="-457200">
+              <a:buFont typeface="Arial"/>
+              <a:buChar char="•"/>
+            </a:pPr>
+            <a:r>
+              <a:rPr kumimoji="1" lang="en-US" altLang="zh-TW" sz="4200" dirty="0" smtClean="0">
+                <a:latin typeface="Times New Roman"/>
+                <a:cs typeface="Times New Roman"/>
+              </a:rPr>
+              <a:t>Original </a:t>
+            </a:r>
+            <a:r>
+              <a:rPr kumimoji="1" lang="en-US" altLang="zh-TW" sz="4200" dirty="0">
+                <a:latin typeface="Times New Roman"/>
+                <a:cs typeface="Times New Roman"/>
+              </a:rPr>
+              <a:t>Question: Find patterns and derive conclusions about Type II Diabetes through Meta-</a:t>
+            </a:r>
+            <a:r>
+              <a:rPr kumimoji="1" lang="en-US" altLang="zh-TW" sz="4200" dirty="0" smtClean="0">
+                <a:latin typeface="Times New Roman"/>
+                <a:cs typeface="Times New Roman"/>
+              </a:rPr>
+              <a:t>Analysis</a:t>
+            </a:r>
+            <a:endParaRPr lang="en-US" altLang="zh-TW" sz="4200" dirty="0">
+              <a:latin typeface="Times New Roman"/>
+              <a:cs typeface="Times New Roman"/>
+            </a:endParaRPr>
+          </a:p>
+          <a:p>
+            <a:pPr marL="457200" indent="-457200">
+              <a:buFont typeface="Arial"/>
+              <a:buChar char="•"/>
+            </a:pPr>
+            <a:r>
+              <a:rPr kumimoji="1" lang="en-US" altLang="zh-TW" sz="4200" dirty="0">
+                <a:latin typeface="Times New Roman"/>
+                <a:cs typeface="Times New Roman"/>
+              </a:rPr>
+              <a:t>Genome-wide association studies (GWAS) on rare genetic </a:t>
+            </a:r>
+            <a:r>
+              <a:rPr kumimoji="1" lang="en-US" altLang="zh-TW" sz="4200" dirty="0" smtClean="0">
+                <a:latin typeface="Times New Roman"/>
+                <a:cs typeface="Times New Roman"/>
+              </a:rPr>
+              <a:t>variants</a:t>
+            </a:r>
+            <a:endParaRPr kumimoji="1" lang="en-US" altLang="zh-TW" sz="4200" dirty="0">
+              <a:latin typeface="Times New Roman"/>
+              <a:cs typeface="Times New Roman"/>
+            </a:endParaRPr>
+          </a:p>
+        </p:txBody>
+      </p:sp>
+      <p:sp>
+        <p:nvSpPr>
+          <p:cNvPr id="27" name="TextBox 26"/>
+          <p:cNvSpPr txBox="1"/>
+          <p:nvPr/>
+        </p:nvSpPr>
+        <p:spPr>
+          <a:xfrm>
+            <a:off x="15772623" y="7579766"/>
+            <a:ext cx="26954357" cy="1243417"/>
+          </a:xfrm>
+          <a:prstGeom prst="rect">
+            <a:avLst/>
+          </a:prstGeom>
+          <a:solidFill>
+            <a:schemeClr val="accent3">
+              <a:lumMod val="40000"/>
+              <a:lumOff val="60000"/>
+            </a:schemeClr>
+          </a:solidFill>
+        </p:spPr>
+        <p:txBody>
+          <a:bodyPr wrap="square" lIns="438912" tIns="219456" rIns="438912" bIns="219456" rtlCol="0">
+            <a:spAutoFit/>
+          </a:bodyPr>
+          <a:lstStyle/>
+          <a:p>
+            <a:pPr algn="ctr"/>
+            <a:r>
+              <a:rPr lang="en-US" sz="5200" b="1" i="1" dirty="0" smtClean="0">
+                <a:latin typeface="Times New Roman"/>
+                <a:cs typeface="Times New Roman"/>
+              </a:rPr>
+              <a:t>Project Outline</a:t>
+            </a:r>
+            <a:endParaRPr lang="en-US" sz="5200" b="1" i="1" dirty="0">
+              <a:latin typeface="Times New Roman"/>
+              <a:cs typeface="Times New Roman"/>
+            </a:endParaRPr>
+          </a:p>
+        </p:txBody>
+      </p:sp>
+      <p:sp>
+        <p:nvSpPr>
+          <p:cNvPr id="28" name="TextBox 27"/>
+          <p:cNvSpPr txBox="1"/>
+          <p:nvPr/>
+        </p:nvSpPr>
+        <p:spPr>
+          <a:xfrm>
+            <a:off x="30573483" y="23615361"/>
+            <a:ext cx="12673454" cy="2511456"/>
+          </a:xfrm>
+          <a:prstGeom prst="rect">
+            <a:avLst/>
+          </a:prstGeom>
+          <a:solidFill>
+            <a:schemeClr val="accent3">
+              <a:lumMod val="40000"/>
+              <a:lumOff val="60000"/>
+            </a:schemeClr>
+          </a:solidFill>
+        </p:spPr>
+        <p:txBody>
+          <a:bodyPr wrap="square" lIns="438912" tIns="219456" rIns="438912" bIns="219456" rtlCol="0">
+            <a:spAutoFit/>
+          </a:bodyPr>
+          <a:lstStyle/>
+          <a:p>
+            <a:pPr algn="ctr"/>
+            <a:r>
+              <a:rPr lang="en-US" sz="13400" b="1" i="1" dirty="0">
+                <a:latin typeface="Times New Roman"/>
+                <a:cs typeface="Times New Roman"/>
+              </a:rPr>
+              <a:t>Graphs</a:t>
+            </a:r>
+          </a:p>
+        </p:txBody>
+      </p:sp>
+      <p:sp>
+        <p:nvSpPr>
+          <p:cNvPr id="2" name="TextBox 1"/>
+          <p:cNvSpPr txBox="1"/>
+          <p:nvPr/>
+        </p:nvSpPr>
+        <p:spPr>
+          <a:xfrm>
+            <a:off x="10360763" y="3366315"/>
+            <a:ext cx="24264237" cy="3508653"/>
+          </a:xfrm>
+          <a:prstGeom prst="rect">
+            <a:avLst/>
+          </a:prstGeom>
+          <a:noFill/>
+        </p:spPr>
+        <p:txBody>
+          <a:bodyPr wrap="square" rtlCol="0">
+            <a:spAutoFit/>
+          </a:bodyPr>
+          <a:lstStyle/>
+          <a:p>
+            <a:pPr algn="ctr"/>
+            <a:r>
+              <a:rPr lang="en-US" sz="6800" dirty="0">
+                <a:latin typeface="Times New Roman"/>
+                <a:cs typeface="Times New Roman"/>
+              </a:rPr>
+              <a:t>Kristine </a:t>
+            </a:r>
+            <a:r>
+              <a:rPr lang="en-US" sz="6800" dirty="0" err="1">
+                <a:latin typeface="Times New Roman"/>
+                <a:cs typeface="Times New Roman"/>
+              </a:rPr>
+              <a:t>Lan</a:t>
+            </a:r>
+            <a:r>
+              <a:rPr lang="en-US" sz="6800" dirty="0">
+                <a:latin typeface="Times New Roman"/>
+                <a:cs typeface="Times New Roman"/>
+              </a:rPr>
+              <a:t>(University of Michigan), Rushil Sheth(University of Missouri), Mike Thompson(University of </a:t>
+            </a:r>
+            <a:r>
+              <a:rPr lang="en-US" sz="6800" dirty="0" smtClean="0">
+                <a:latin typeface="Times New Roman"/>
+                <a:cs typeface="Times New Roman"/>
+              </a:rPr>
+              <a:t>Massachusetts-</a:t>
+            </a:r>
+            <a:r>
+              <a:rPr lang="en-US" sz="6800" dirty="0">
+                <a:latin typeface="Times New Roman"/>
+                <a:cs typeface="Times New Roman"/>
+              </a:rPr>
+              <a:t>Amherst</a:t>
+            </a:r>
+            <a:r>
+              <a:rPr lang="en-US" sz="6800" dirty="0" smtClean="0">
+                <a:latin typeface="Times New Roman"/>
+                <a:cs typeface="Times New Roman"/>
+              </a:rPr>
+              <a:t>)</a:t>
+            </a:r>
+            <a:endParaRPr lang="en-US" sz="6800" dirty="0">
+              <a:latin typeface="Times New Roman"/>
+              <a:cs typeface="Times New Roman"/>
+            </a:endParaRPr>
+          </a:p>
+          <a:p>
+            <a:endParaRPr lang="en-US" dirty="0"/>
+          </a:p>
+        </p:txBody>
+      </p:sp>
       <p:grpSp>
         <p:nvGrpSpPr>
-          <p:cNvPr id="3" name="Group 2"/>
+          <p:cNvPr id="23" name="Group 22"/>
           <p:cNvGrpSpPr/>
           <p:nvPr/>
         </p:nvGrpSpPr>
         <p:grpSpPr>
           <a:xfrm>
-            <a:off x="789192" y="7597220"/>
-            <a:ext cx="14128080" cy="4892720"/>
-            <a:chOff x="789192" y="7597220"/>
-            <a:chExt cx="14128080" cy="3393511"/>
+            <a:off x="798223" y="13801891"/>
+            <a:ext cx="14168570" cy="7294304"/>
+            <a:chOff x="798223" y="9536916"/>
+            <a:chExt cx="14168570" cy="7294304"/>
           </a:xfrm>
         </p:grpSpPr>
         <p:sp>
           <p:nvSpPr>
-            <p:cNvPr id="14" name="TextBox 13"/>
+            <p:cNvPr id="31" name="TextBox 30"/>
             <p:cNvSpPr txBox="1"/>
             <p:nvPr/>
           </p:nvSpPr>
           <p:spPr>
             <a:xfrm>
-              <a:off x="789192" y="7597220"/>
-              <a:ext cx="14128080" cy="830997"/>
+              <a:off x="798223" y="9536916"/>
+              <a:ext cx="14128080" cy="892552"/>
             </a:xfrm>
             <a:prstGeom prst="rect">
               <a:avLst/>
@@ -3363,521 +3688,18 @@
             <a:p>
               <a:pPr algn="ctr"/>
               <a:r>
-                <a:rPr lang="en-US" sz="4800" b="1" i="1" dirty="0" smtClean="0">
+                <a:rPr lang="en-US" sz="5200" b="1" i="1" dirty="0" smtClean="0">
                   <a:latin typeface="Times New Roman"/>
                   <a:cs typeface="Times New Roman"/>
                 </a:rPr>
-                <a:t>Motivation and Objectives:</a:t>
+                <a:t>Single Study Rare Variants GWAS</a:t>
               </a:r>
-              <a:endParaRPr lang="en-US" sz="4800" b="1" i="1" dirty="0">
-                <a:latin typeface="Times New Roman"/>
-                <a:cs typeface="Times New Roman"/>
-              </a:endParaRPr>
-            </a:p>
-          </p:txBody>
-        </p:sp>
-        <p:sp>
-          <p:nvSpPr>
-            <p:cNvPr id="26" name="TextBox 25"/>
-            <p:cNvSpPr txBox="1"/>
-            <p:nvPr/>
-          </p:nvSpPr>
-          <p:spPr>
-            <a:xfrm>
-              <a:off x="789192" y="8436187"/>
-              <a:ext cx="14128080" cy="2554544"/>
-            </a:xfrm>
-            <a:prstGeom prst="rect">
-              <a:avLst/>
-            </a:prstGeom>
-            <a:solidFill>
-              <a:schemeClr val="bg1"/>
-            </a:solidFill>
-          </p:spPr>
-          <p:txBody>
-            <a:bodyPr wrap="square" rtlCol="0">
-              <a:spAutoFit/>
-            </a:bodyPr>
-            <a:lstStyle/>
-            <a:p>
-              <a:pPr marL="457200" indent="-457200">
-                <a:buFont typeface="Arial"/>
-                <a:buChar char="•"/>
-              </a:pPr>
-              <a:r>
-                <a:rPr kumimoji="1" lang="en-US" altLang="zh-TW" sz="3200" dirty="0">
-                  <a:latin typeface="Times New Roman"/>
-                  <a:cs typeface="Times New Roman"/>
-                </a:rPr>
-                <a:t>Meta-Analysis: Combining multiple independent studies together to create a larger data set to find patterns and derive new </a:t>
-              </a:r>
-              <a:r>
-                <a:rPr kumimoji="1" lang="en-US" altLang="zh-TW" sz="3200" dirty="0" smtClean="0">
-                  <a:latin typeface="Times New Roman"/>
-                  <a:cs typeface="Times New Roman"/>
-                </a:rPr>
-                <a:t>conclusions.</a:t>
-              </a:r>
-            </a:p>
-            <a:p>
-              <a:pPr marL="457200" indent="-457200">
-                <a:buFont typeface="Arial"/>
-                <a:buChar char="•"/>
-              </a:pPr>
-              <a:r>
-                <a:rPr kumimoji="1" lang="en-US" altLang="zh-TW" sz="3200" dirty="0" smtClean="0">
-                  <a:latin typeface="Times New Roman"/>
-                  <a:cs typeface="Times New Roman"/>
-                </a:rPr>
-                <a:t>Original </a:t>
-              </a:r>
-              <a:r>
-                <a:rPr kumimoji="1" lang="en-US" altLang="zh-TW" sz="3200" dirty="0">
-                  <a:latin typeface="Times New Roman"/>
-                  <a:cs typeface="Times New Roman"/>
-                </a:rPr>
-                <a:t>Question: Find patterns and derive conclusions about Type II Diabetes through Meta-</a:t>
-              </a:r>
-              <a:r>
-                <a:rPr kumimoji="1" lang="en-US" altLang="zh-TW" sz="3200" dirty="0" smtClean="0">
-                  <a:latin typeface="Times New Roman"/>
-                  <a:cs typeface="Times New Roman"/>
-                </a:rPr>
-                <a:t>Analysis</a:t>
-              </a:r>
-              <a:endParaRPr lang="en-US" altLang="zh-TW" sz="3200" dirty="0">
-                <a:latin typeface="Times New Roman"/>
-                <a:cs typeface="Times New Roman"/>
-              </a:endParaRPr>
-            </a:p>
-            <a:p>
-              <a:pPr marL="457200" indent="-457200">
-                <a:buFont typeface="Arial"/>
-                <a:buChar char="•"/>
-              </a:pPr>
-              <a:r>
-                <a:rPr kumimoji="1" lang="en-US" altLang="zh-TW" sz="3200" dirty="0">
-                  <a:latin typeface="Times New Roman"/>
-                  <a:cs typeface="Times New Roman"/>
-                </a:rPr>
-                <a:t>Genome-wide association studies (GWAS) on rare genetic </a:t>
-              </a:r>
-              <a:r>
-                <a:rPr kumimoji="1" lang="en-US" altLang="zh-TW" sz="3200" dirty="0" smtClean="0">
-                  <a:latin typeface="Times New Roman"/>
-                  <a:cs typeface="Times New Roman"/>
-                </a:rPr>
-                <a:t>variants</a:t>
-              </a:r>
-              <a:endParaRPr kumimoji="1" lang="en-US" altLang="zh-TW" sz="3200" dirty="0">
-                <a:latin typeface="Times New Roman"/>
-                <a:cs typeface="Times New Roman"/>
-              </a:endParaRPr>
-            </a:p>
-          </p:txBody>
-        </p:sp>
-      </p:grpSp>
-      <p:sp>
-        <p:nvSpPr>
-          <p:cNvPr id="27" name="TextBox 26"/>
-          <p:cNvSpPr txBox="1"/>
-          <p:nvPr/>
-        </p:nvSpPr>
-        <p:spPr>
-          <a:xfrm>
-            <a:off x="15606603" y="10689566"/>
-            <a:ext cx="12673454" cy="2511456"/>
-          </a:xfrm>
-          <a:prstGeom prst="rect">
-            <a:avLst/>
-          </a:prstGeom>
-          <a:solidFill>
-            <a:schemeClr val="accent3">
-              <a:lumMod val="40000"/>
-              <a:lumOff val="60000"/>
-            </a:schemeClr>
-          </a:solidFill>
-        </p:spPr>
-        <p:txBody>
-          <a:bodyPr wrap="square" lIns="438912" tIns="219456" rIns="438912" bIns="219456" rtlCol="0">
-            <a:spAutoFit/>
-          </a:bodyPr>
-          <a:lstStyle/>
-          <a:p>
-            <a:r>
-              <a:rPr lang="en-US" sz="13400" b="1" i="1" dirty="0" smtClean="0">
-                <a:latin typeface="Times New Roman"/>
-                <a:cs typeface="Times New Roman"/>
-              </a:rPr>
-              <a:t>Procedure</a:t>
-            </a:r>
-            <a:endParaRPr lang="en-US" sz="13400" b="1" i="1" dirty="0">
-              <a:latin typeface="Times New Roman"/>
-              <a:cs typeface="Times New Roman"/>
-            </a:endParaRPr>
-          </a:p>
-        </p:txBody>
-      </p:sp>
-      <p:sp>
-        <p:nvSpPr>
-          <p:cNvPr id="28" name="TextBox 27"/>
-          <p:cNvSpPr txBox="1"/>
-          <p:nvPr/>
-        </p:nvSpPr>
-        <p:spPr>
-          <a:xfrm>
-            <a:off x="30053527" y="10689566"/>
-            <a:ext cx="12673454" cy="2511456"/>
-          </a:xfrm>
-          <a:prstGeom prst="rect">
-            <a:avLst/>
-          </a:prstGeom>
-          <a:solidFill>
-            <a:schemeClr val="accent3">
-              <a:lumMod val="40000"/>
-              <a:lumOff val="60000"/>
-            </a:schemeClr>
-          </a:solidFill>
-        </p:spPr>
-        <p:txBody>
-          <a:bodyPr wrap="square" lIns="438912" tIns="219456" rIns="438912" bIns="219456" rtlCol="0">
-            <a:spAutoFit/>
-          </a:bodyPr>
-          <a:lstStyle/>
-          <a:p>
-            <a:pPr algn="ctr"/>
-            <a:r>
-              <a:rPr lang="en-US" sz="13400" b="1" i="1" dirty="0">
-                <a:latin typeface="Times New Roman"/>
-                <a:cs typeface="Times New Roman"/>
-              </a:rPr>
-              <a:t>Graphs</a:t>
-            </a:r>
-          </a:p>
-        </p:txBody>
-      </p:sp>
-      <p:sp>
-        <p:nvSpPr>
-          <p:cNvPr id="29" name="TextBox 28"/>
-          <p:cNvSpPr txBox="1"/>
-          <p:nvPr/>
-        </p:nvSpPr>
-        <p:spPr>
-          <a:xfrm>
-            <a:off x="30053527" y="20439936"/>
-            <a:ext cx="12673454" cy="2659190"/>
-          </a:xfrm>
-          <a:prstGeom prst="rect">
-            <a:avLst/>
-          </a:prstGeom>
-          <a:solidFill>
-            <a:schemeClr val="accent3">
-              <a:lumMod val="40000"/>
-              <a:lumOff val="60000"/>
-            </a:schemeClr>
-          </a:solidFill>
-        </p:spPr>
-        <p:txBody>
-          <a:bodyPr wrap="square" lIns="438912" tIns="219456" rIns="438912" bIns="219456" rtlCol="0">
-            <a:spAutoFit/>
-          </a:bodyPr>
-          <a:lstStyle/>
-          <a:p>
-            <a:pPr algn="ctr"/>
-            <a:r>
-              <a:rPr lang="en-US" sz="14400" b="1" i="1" dirty="0" err="1">
-                <a:latin typeface="Times New Roman"/>
-                <a:cs typeface="Times New Roman"/>
-              </a:rPr>
-              <a:t>Wut</a:t>
-            </a:r>
-            <a:r>
-              <a:rPr lang="en-US" sz="14400" b="1" i="1" dirty="0">
-                <a:latin typeface="Times New Roman"/>
-                <a:cs typeface="Times New Roman"/>
-              </a:rPr>
-              <a:t> we learned</a:t>
-            </a:r>
-          </a:p>
-        </p:txBody>
-      </p:sp>
-      <p:sp>
-        <p:nvSpPr>
-          <p:cNvPr id="2" name="TextBox 1"/>
-          <p:cNvSpPr txBox="1"/>
-          <p:nvPr/>
-        </p:nvSpPr>
-        <p:spPr>
-          <a:xfrm>
-            <a:off x="14447256" y="3413146"/>
-            <a:ext cx="16951847" cy="2646878"/>
-          </a:xfrm>
-          <a:prstGeom prst="rect">
-            <a:avLst/>
-          </a:prstGeom>
-          <a:noFill/>
-        </p:spPr>
-        <p:txBody>
-          <a:bodyPr wrap="square" rtlCol="0">
-            <a:spAutoFit/>
-          </a:bodyPr>
-          <a:lstStyle/>
-          <a:p>
-            <a:pPr algn="ctr"/>
-            <a:r>
-              <a:rPr lang="en-US" sz="4000" dirty="0">
-                <a:latin typeface="Times New Roman"/>
-                <a:cs typeface="Times New Roman"/>
-              </a:rPr>
-              <a:t>Kristine </a:t>
-            </a:r>
-            <a:r>
-              <a:rPr lang="en-US" sz="4000" dirty="0" err="1">
-                <a:latin typeface="Times New Roman"/>
-                <a:cs typeface="Times New Roman"/>
-              </a:rPr>
-              <a:t>Lan</a:t>
-            </a:r>
-            <a:r>
-              <a:rPr lang="en-US" sz="4000" dirty="0">
-                <a:latin typeface="Times New Roman"/>
-                <a:cs typeface="Times New Roman"/>
-              </a:rPr>
-              <a:t>(University of Michigan), Rushil Sheth(University of Missouri), Mike Thompson(University of </a:t>
-            </a:r>
-            <a:r>
-              <a:rPr lang="en-US" sz="4000" dirty="0" err="1">
-                <a:latin typeface="Times New Roman"/>
-                <a:cs typeface="Times New Roman"/>
-              </a:rPr>
-              <a:t>Massachusets</a:t>
-            </a:r>
-            <a:r>
-              <a:rPr lang="en-US" sz="4000" dirty="0">
-                <a:latin typeface="Times New Roman"/>
-                <a:cs typeface="Times New Roman"/>
-              </a:rPr>
-              <a:t>-Amherst</a:t>
-            </a:r>
-            <a:r>
-              <a:rPr lang="en-US" sz="4000" dirty="0" smtClean="0">
-                <a:latin typeface="Times New Roman"/>
-                <a:cs typeface="Times New Roman"/>
-              </a:rPr>
-              <a:t>)</a:t>
-            </a:r>
-            <a:endParaRPr lang="en-US" sz="37200" dirty="0"/>
-          </a:p>
-          <a:p>
-            <a:endParaRPr lang="en-US" dirty="0"/>
-          </a:p>
-        </p:txBody>
-      </p:sp>
-      <p:grpSp>
-        <p:nvGrpSpPr>
-          <p:cNvPr id="20" name="Group 19"/>
-          <p:cNvGrpSpPr/>
-          <p:nvPr/>
-        </p:nvGrpSpPr>
-        <p:grpSpPr>
-          <a:xfrm>
-            <a:off x="28280057" y="15272505"/>
-            <a:ext cx="14128080" cy="3393511"/>
-            <a:chOff x="789192" y="7597220"/>
-            <a:chExt cx="14128080" cy="3393511"/>
-          </a:xfrm>
-        </p:grpSpPr>
-        <p:sp>
-          <p:nvSpPr>
-            <p:cNvPr id="21" name="TextBox 20"/>
-            <p:cNvSpPr txBox="1"/>
-            <p:nvPr/>
-          </p:nvSpPr>
-          <p:spPr>
-            <a:xfrm>
-              <a:off x="789192" y="7597220"/>
-              <a:ext cx="14128080" cy="830997"/>
-            </a:xfrm>
-            <a:prstGeom prst="rect">
-              <a:avLst/>
-            </a:prstGeom>
-            <a:solidFill>
-              <a:schemeClr val="accent3">
-                <a:lumMod val="40000"/>
-                <a:lumOff val="60000"/>
-              </a:schemeClr>
-            </a:solidFill>
-          </p:spPr>
-          <p:txBody>
-            <a:bodyPr wrap="square" rtlCol="0">
-              <a:spAutoFit/>
-            </a:bodyPr>
-            <a:lstStyle/>
-            <a:p>
-              <a:pPr algn="ctr"/>
               <a:r>
                 <a:rPr lang="en-US" sz="4800" b="1" i="1" dirty="0" smtClean="0">
                   <a:latin typeface="Times New Roman"/>
                   <a:cs typeface="Times New Roman"/>
                 </a:rPr>
-                <a:t>Motivation and Objectives:</a:t>
-              </a:r>
-              <a:endParaRPr lang="en-US" sz="4800" b="1" i="1" dirty="0">
-                <a:latin typeface="Times New Roman"/>
-                <a:cs typeface="Times New Roman"/>
-              </a:endParaRPr>
-            </a:p>
-          </p:txBody>
-        </p:sp>
-        <p:sp>
-          <p:nvSpPr>
-            <p:cNvPr id="22" name="TextBox 21"/>
-            <p:cNvSpPr txBox="1"/>
-            <p:nvPr/>
-          </p:nvSpPr>
-          <p:spPr>
-            <a:xfrm>
-              <a:off x="789192" y="8436187"/>
-              <a:ext cx="14128080" cy="2554544"/>
-            </a:xfrm>
-            <a:prstGeom prst="rect">
-              <a:avLst/>
-            </a:prstGeom>
-            <a:solidFill>
-              <a:schemeClr val="bg1"/>
-            </a:solidFill>
-          </p:spPr>
-          <p:txBody>
-            <a:bodyPr wrap="square" rtlCol="0">
-              <a:spAutoFit/>
-            </a:bodyPr>
-            <a:lstStyle/>
-            <a:p>
-              <a:pPr marL="457200" indent="-457200">
-                <a:buFont typeface="Arial"/>
-                <a:buChar char="•"/>
-              </a:pPr>
-              <a:r>
-                <a:rPr kumimoji="1" lang="en-US" altLang="zh-TW" sz="3200" dirty="0">
-                  <a:latin typeface="Times New Roman"/>
-                  <a:cs typeface="Times New Roman"/>
-                </a:rPr>
-                <a:t>Meta-Analysis: Combining multiple independent studies together to create a larger data set to find patterns and derive new </a:t>
-              </a:r>
-              <a:r>
-                <a:rPr kumimoji="1" lang="en-US" altLang="zh-TW" sz="3200" dirty="0" smtClean="0">
-                  <a:latin typeface="Times New Roman"/>
-                  <a:cs typeface="Times New Roman"/>
-                </a:rPr>
-                <a:t>conclusions.</a:t>
-              </a:r>
-            </a:p>
-            <a:p>
-              <a:pPr marL="457200" indent="-457200">
-                <a:buFont typeface="Arial"/>
-                <a:buChar char="•"/>
-              </a:pPr>
-              <a:r>
-                <a:rPr kumimoji="1" lang="en-US" altLang="zh-TW" sz="3200" dirty="0" smtClean="0">
-                  <a:latin typeface="Times New Roman"/>
-                  <a:cs typeface="Times New Roman"/>
-                </a:rPr>
-                <a:t>Original </a:t>
-              </a:r>
-              <a:r>
-                <a:rPr kumimoji="1" lang="en-US" altLang="zh-TW" sz="3200" dirty="0">
-                  <a:latin typeface="Times New Roman"/>
-                  <a:cs typeface="Times New Roman"/>
-                </a:rPr>
-                <a:t>Question: Find patterns and derive conclusions about Type II Diabetes through Meta-</a:t>
-              </a:r>
-              <a:r>
-                <a:rPr kumimoji="1" lang="en-US" altLang="zh-TW" sz="3200" dirty="0" smtClean="0">
-                  <a:latin typeface="Times New Roman"/>
-                  <a:cs typeface="Times New Roman"/>
-                </a:rPr>
-                <a:t>Analysis</a:t>
-              </a:r>
-              <a:endParaRPr lang="en-US" altLang="zh-TW" sz="3200" dirty="0">
-                <a:latin typeface="Times New Roman"/>
-                <a:cs typeface="Times New Roman"/>
-              </a:endParaRPr>
-            </a:p>
-            <a:p>
-              <a:pPr marL="457200" indent="-457200">
-                <a:buFont typeface="Arial"/>
-                <a:buChar char="•"/>
-              </a:pPr>
-              <a:r>
-                <a:rPr kumimoji="1" lang="en-US" altLang="zh-TW" sz="3200" dirty="0">
-                  <a:latin typeface="Times New Roman"/>
-                  <a:cs typeface="Times New Roman"/>
-                </a:rPr>
-                <a:t>Genome-wide association studies (GWAS) on rare genetic </a:t>
-              </a:r>
-              <a:r>
-                <a:rPr kumimoji="1" lang="en-US" altLang="zh-TW" sz="3200" dirty="0" smtClean="0">
-                  <a:latin typeface="Times New Roman"/>
-                  <a:cs typeface="Times New Roman"/>
-                </a:rPr>
-                <a:t>variants</a:t>
-              </a:r>
-              <a:endParaRPr kumimoji="1" lang="en-US" altLang="zh-TW" sz="3200" dirty="0">
-                <a:latin typeface="Times New Roman"/>
-                <a:cs typeface="Times New Roman"/>
-              </a:endParaRPr>
-            </a:p>
-          </p:txBody>
-        </p:sp>
-      </p:grpSp>
-      <p:grpSp>
-        <p:nvGrpSpPr>
-          <p:cNvPr id="23" name="Group 22"/>
-          <p:cNvGrpSpPr/>
-          <p:nvPr/>
-        </p:nvGrpSpPr>
-        <p:grpSpPr>
-          <a:xfrm>
-            <a:off x="789192" y="12491112"/>
-            <a:ext cx="14128080" cy="7240719"/>
-            <a:chOff x="789192" y="7597220"/>
-            <a:chExt cx="14128080" cy="7240719"/>
-          </a:xfrm>
-        </p:grpSpPr>
-        <p:sp>
-          <p:nvSpPr>
-            <p:cNvPr id="31" name="TextBox 30"/>
-            <p:cNvSpPr txBox="1"/>
-            <p:nvPr/>
-          </p:nvSpPr>
-          <p:spPr>
-            <a:xfrm>
-              <a:off x="789192" y="7597220"/>
-              <a:ext cx="14128080" cy="830997"/>
-            </a:xfrm>
-            <a:prstGeom prst="rect">
-              <a:avLst/>
-            </a:prstGeom>
-            <a:solidFill>
-              <a:schemeClr val="accent3">
-                <a:lumMod val="40000"/>
-                <a:lumOff val="60000"/>
-              </a:schemeClr>
-            </a:solidFill>
-          </p:spPr>
-          <p:txBody>
-            <a:bodyPr wrap="square" rtlCol="0">
-              <a:spAutoFit/>
-            </a:bodyPr>
-            <a:lstStyle/>
-            <a:p>
-              <a:pPr algn="ctr"/>
-              <a:r>
-                <a:rPr lang="en-US" sz="4800" b="1" i="1" dirty="0" smtClean="0">
-                  <a:latin typeface="Times New Roman"/>
-                  <a:cs typeface="Times New Roman"/>
-                </a:rPr>
-                <a:t>Single Study Rare Variants GWAS:</a:t>
+                <a:t>:</a:t>
               </a:r>
               <a:endParaRPr lang="en-US" sz="4800" b="1" i="1" dirty="0">
                 <a:latin typeface="Times New Roman"/>
@@ -3894,7 +3716,7 @@
           </p:nvSpPr>
           <p:spPr>
             <a:xfrm>
-              <a:off x="789192" y="8436187"/>
+              <a:off x="838713" y="10429468"/>
               <a:ext cx="14128080" cy="6401752"/>
             </a:xfrm>
             <a:prstGeom prst="rect">
@@ -3915,11 +3737,17 @@
                 <a:buChar char="•"/>
               </a:pPr>
               <a:r>
-                <a:rPr lang="en-US" sz="4200" dirty="0"/>
+                <a:rPr lang="en-US" sz="4200" dirty="0">
+                  <a:latin typeface="Times New Roman"/>
+                  <a:cs typeface="Times New Roman"/>
+                </a:rPr>
                 <a:t>Phenotype </a:t>
               </a:r>
               <a:r>
-                <a:rPr lang="en-US" sz="4200" dirty="0" smtClean="0"/>
+                <a:rPr lang="en-US" sz="4200" dirty="0" smtClean="0">
+                  <a:latin typeface="Times New Roman"/>
+                  <a:cs typeface="Times New Roman"/>
+                </a:rPr>
                 <a:t>Simulation</a:t>
               </a:r>
             </a:p>
@@ -3929,15 +3757,24 @@
                 <a:buChar char="•"/>
               </a:pPr>
               <a:r>
-                <a:rPr lang="en-US" sz="4200" dirty="0" smtClean="0"/>
+                <a:rPr lang="en-US" sz="4200" dirty="0" smtClean="0">
+                  <a:latin typeface="Times New Roman"/>
+                  <a:cs typeface="Times New Roman"/>
+                </a:rPr>
                 <a:t>10,000 </a:t>
               </a:r>
               <a:r>
-                <a:rPr lang="en-US" sz="4200" dirty="0"/>
+                <a:rPr lang="en-US" sz="4200" dirty="0">
+                  <a:latin typeface="Times New Roman"/>
+                  <a:cs typeface="Times New Roman"/>
+                </a:rPr>
                 <a:t>cases + controls (with various % </a:t>
               </a:r>
               <a:r>
-                <a:rPr lang="en-US" sz="4200" dirty="0" smtClean="0"/>
+                <a:rPr lang="en-US" sz="4200" dirty="0" smtClean="0">
+                  <a:latin typeface="Times New Roman"/>
+                  <a:cs typeface="Times New Roman"/>
+                </a:rPr>
                 <a:t>cases)</a:t>
               </a:r>
             </a:p>
@@ -3947,7 +3784,10 @@
                 <a:buChar char="•"/>
               </a:pPr>
               <a:r>
-                <a:rPr lang="en-US" sz="4200" dirty="0" smtClean="0"/>
+                <a:rPr lang="en-US" sz="4200" dirty="0" smtClean="0">
+                  <a:latin typeface="Times New Roman"/>
+                  <a:cs typeface="Times New Roman"/>
+                </a:rPr>
                 <a:t>Genotype Simulation</a:t>
               </a:r>
             </a:p>
@@ -3957,14 +3797,23 @@
                 <a:buChar char="•"/>
               </a:pPr>
               <a:r>
-                <a:rPr lang="en-US" sz="4200" dirty="0" smtClean="0"/>
+                <a:rPr lang="en-US" sz="4200" dirty="0" smtClean="0">
+                  <a:latin typeface="Times New Roman"/>
+                  <a:cs typeface="Times New Roman"/>
+                </a:rPr>
                 <a:t>Given </a:t>
               </a:r>
               <a:r>
-                <a:rPr lang="en-US" sz="4200" dirty="0"/>
+                <a:rPr lang="en-US" sz="4200" dirty="0">
+                  <a:latin typeface="Times New Roman"/>
+                  <a:cs typeface="Times New Roman"/>
+                </a:rPr>
                 <a:t>disease prevalence (0.1%) </a:t>
               </a:r>
-              <a:endParaRPr lang="en-US" sz="4200" dirty="0" smtClean="0"/>
+              <a:endParaRPr lang="en-US" sz="4200" dirty="0" smtClean="0">
+                <a:latin typeface="Times New Roman"/>
+                <a:cs typeface="Times New Roman"/>
+              </a:endParaRPr>
             </a:p>
             <a:p>
               <a:pPr marL="2766060" lvl="1" indent="-571500">
@@ -3972,23 +3821,38 @@
                 <a:buChar char="•"/>
               </a:pPr>
               <a:r>
-                <a:rPr lang="en-US" sz="4200" dirty="0" smtClean="0"/>
+                <a:rPr lang="en-US" sz="4200" dirty="0" smtClean="0">
+                  <a:latin typeface="Times New Roman"/>
+                  <a:cs typeface="Times New Roman"/>
+                </a:rPr>
                 <a:t>risk </a:t>
               </a:r>
               <a:r>
-                <a:rPr lang="en-US" sz="4200" dirty="0"/>
+                <a:rPr lang="en-US" sz="4200" dirty="0">
+                  <a:latin typeface="Times New Roman"/>
+                  <a:cs typeface="Times New Roman"/>
+                </a:rPr>
                 <a:t>allele frequencies (0.1% ~ 50%</a:t>
               </a:r>
               <a:r>
-                <a:rPr lang="en-US" sz="4200" dirty="0" smtClean="0"/>
+                <a:rPr lang="en-US" sz="4200" dirty="0" smtClean="0">
+                  <a:latin typeface="Times New Roman"/>
+                  <a:cs typeface="Times New Roman"/>
+                </a:rPr>
                 <a:t>) and </a:t>
               </a:r>
               <a:r>
-                <a:rPr lang="en-US" sz="4200" dirty="0"/>
+                <a:rPr lang="en-US" sz="4200" dirty="0">
+                  <a:latin typeface="Times New Roman"/>
+                  <a:cs typeface="Times New Roman"/>
+                </a:rPr>
                 <a:t>multiplicative relative risks (0.125 ~ 5.0</a:t>
               </a:r>
               <a:r>
-                <a:rPr lang="en-US" sz="4200" dirty="0" smtClean="0"/>
+                <a:rPr lang="en-US" sz="4200" dirty="0" smtClean="0">
+                  <a:latin typeface="Times New Roman"/>
+                  <a:cs typeface="Times New Roman"/>
+                </a:rPr>
                 <a:t>)</a:t>
               </a:r>
             </a:p>
@@ -3998,18 +3862,30 @@
                 <a:buChar char="•"/>
               </a:pPr>
               <a:r>
-                <a:rPr lang="en-US" sz="4200" dirty="0" smtClean="0"/>
+                <a:rPr lang="en-US" sz="4200" dirty="0" smtClean="0">
+                  <a:latin typeface="Times New Roman"/>
+                  <a:cs typeface="Times New Roman"/>
+                </a:rPr>
                 <a:t>Calculate </a:t>
               </a:r>
               <a:r>
-                <a:rPr lang="en-US" sz="4200" dirty="0"/>
+                <a:rPr lang="en-US" sz="4200" dirty="0">
+                  <a:latin typeface="Times New Roman"/>
+                  <a:cs typeface="Times New Roman"/>
+                </a:rPr>
                 <a:t>the allele frequencies for cases and </a:t>
               </a:r>
               <a:r>
-                <a:rPr lang="en-US" sz="4200" dirty="0" err="1" smtClean="0"/>
+                <a:rPr lang="en-US" sz="4200" dirty="0" err="1" smtClean="0">
+                  <a:latin typeface="Times New Roman"/>
+                  <a:cs typeface="Times New Roman"/>
+                </a:rPr>
                 <a:t>ctrls</a:t>
               </a:r>
-              <a:endParaRPr lang="en-US" sz="4200" dirty="0" smtClean="0"/>
+              <a:endParaRPr lang="en-US" sz="4200" dirty="0" smtClean="0">
+                <a:latin typeface="Times New Roman"/>
+                <a:cs typeface="Times New Roman"/>
+              </a:endParaRPr>
             </a:p>
             <a:p>
               <a:pPr marL="2766060" lvl="1" indent="-571500">
@@ -4017,11 +3893,17 @@
                 <a:buChar char="•"/>
               </a:pPr>
               <a:r>
-                <a:rPr lang="en-US" sz="4200" dirty="0" smtClean="0"/>
+                <a:rPr lang="en-US" sz="4200" dirty="0" smtClean="0">
+                  <a:latin typeface="Times New Roman"/>
+                  <a:cs typeface="Times New Roman"/>
+                </a:rPr>
                 <a:t>Simulate </a:t>
               </a:r>
               <a:r>
-                <a:rPr lang="en-US" sz="4200" dirty="0"/>
+                <a:rPr lang="en-US" sz="4200" dirty="0">
+                  <a:latin typeface="Times New Roman"/>
+                  <a:cs typeface="Times New Roman"/>
+                </a:rPr>
                 <a:t>individual genotypes based on the frequency estimates</a:t>
               </a:r>
             </a:p>
@@ -4042,8 +3924,8 @@
         </p:nvSpPr>
         <p:spPr>
           <a:xfrm>
-            <a:off x="789192" y="19731831"/>
-            <a:ext cx="14128080" cy="1600438"/>
+            <a:off x="775770" y="21707146"/>
+            <a:ext cx="14128080" cy="892552"/>
           </a:xfrm>
           <a:prstGeom prst="rect">
             <a:avLst/>
@@ -4063,19 +3945,12 @@
           <a:p>
             <a:pPr algn="ctr"/>
             <a:r>
-              <a:rPr lang="en-US" sz="5000" b="1" i="1" dirty="0" smtClean="0">
+              <a:rPr lang="en-US" sz="5200" b="1" i="1" dirty="0" smtClean="0">
                 <a:latin typeface="Times New Roman"/>
                 <a:cs typeface="Times New Roman"/>
               </a:rPr>
-              <a:t>Project Outline</a:t>
-            </a:r>
-          </a:p>
-          <a:p>
-            <a:pPr algn="ctr"/>
-            <a:endParaRPr lang="en-US" sz="4800" b="1" i="1" dirty="0">
-              <a:latin typeface="Times New Roman"/>
-              <a:cs typeface="Times New Roman"/>
-            </a:endParaRPr>
+              <a:t>Equations</a:t>
+            </a:r>
           </a:p>
         </p:txBody>
       </p:sp>
@@ -4095,8 +3970,8 @@
         </p:blipFill>
         <p:spPr>
           <a:xfrm>
-            <a:off x="789191" y="21956126"/>
-            <a:ext cx="4365143" cy="2219564"/>
+            <a:off x="16090418" y="10026563"/>
+            <a:ext cx="6740676" cy="3427462"/>
           </a:xfrm>
           <a:prstGeom prst="rect">
             <a:avLst/>
@@ -4111,8 +3986,8 @@
         </p:nvSpPr>
         <p:spPr>
           <a:xfrm>
-            <a:off x="6362886" y="22247092"/>
-            <a:ext cx="4332095" cy="1661241"/>
+            <a:off x="24898627" y="10783985"/>
+            <a:ext cx="5195624" cy="1779682"/>
           </a:xfrm>
           <a:prstGeom prst="stripedRightArrow">
             <a:avLst/>
@@ -4158,23 +4033,23 @@
           <p:nvPr>
             <p:extLst>
               <p:ext uri="{D42A27DB-BD31-4B8C-83A1-F6EECF244321}">
-                <p14:modId xmlns:p14="http://schemas.microsoft.com/office/powerpoint/2010/main" val="1490436410"/>
+                <p14:modId xmlns:p14="http://schemas.microsoft.com/office/powerpoint/2010/main" val="108731028"/>
               </p:ext>
             </p:extLst>
           </p:nvPr>
         </p:nvGraphicFramePr>
         <p:xfrm>
-          <a:off x="11652496" y="21625366"/>
-          <a:ext cx="3623026" cy="2550324"/>
+          <a:off x="30920203" y="10027217"/>
+          <a:ext cx="7538714" cy="3426808"/>
         </p:xfrm>
         <a:graphic>
           <a:graphicData uri="http://schemas.openxmlformats.org/drawingml/2006/table">
             <a:tbl>
               <a:tblPr/>
               <a:tblGrid>
-                <a:gridCol w="3623026"/>
+                <a:gridCol w="7538714"/>
               </a:tblGrid>
-              <a:tr h="637581">
+              <a:tr h="856702">
                 <a:tc>
                   <a:txBody>
                     <a:bodyPr/>
@@ -4182,12 +4057,13 @@
                     <a:p>
                       <a:pPr algn="l" fontAlgn="b"/>
                       <a:r>
-                        <a:rPr lang="en-US" sz="1200" b="0" i="0" u="none" strike="noStrike" dirty="0">
+                        <a:rPr lang="en-US" sz="4000" b="1" i="0" u="none" strike="noStrike" dirty="0">
                           <a:solidFill>
                             <a:srgbClr val="000000"/>
                           </a:solidFill>
                           <a:effectLst/>
-                          <a:latin typeface="Arial Black"/>
+                          <a:latin typeface="Times New Roman"/>
+                          <a:cs typeface="Times New Roman"/>
                         </a:rPr>
                         <a:t>Logistic Regression</a:t>
                       </a:r>
@@ -4209,7 +4085,7 @@
                   </a:tcPr>
                 </a:tc>
               </a:tr>
-              <a:tr h="637581">
+              <a:tr h="856702">
                 <a:tc>
                   <a:txBody>
                     <a:bodyPr/>
@@ -4217,12 +4093,13 @@
                     <a:p>
                       <a:pPr algn="l" fontAlgn="b"/>
                       <a:r>
-                        <a:rPr lang="en-US" sz="1200" b="0" i="0" u="none" strike="noStrike">
+                        <a:rPr lang="en-US" sz="4000" b="1" i="0" u="none" strike="noStrike" dirty="0">
                           <a:solidFill>
                             <a:srgbClr val="000000"/>
                           </a:solidFill>
                           <a:effectLst/>
-                          <a:latin typeface="Arial Black"/>
+                          <a:latin typeface="Times New Roman"/>
+                          <a:cs typeface="Times New Roman"/>
                         </a:rPr>
                         <a:t>Score Test</a:t>
                       </a:r>
@@ -4244,7 +4121,7 @@
                   </a:tcPr>
                 </a:tc>
               </a:tr>
-              <a:tr h="637581">
+              <a:tr h="856702">
                 <a:tc>
                   <a:txBody>
                     <a:bodyPr/>
@@ -4252,14 +4129,48 @@
                     <a:p>
                       <a:pPr algn="l" fontAlgn="b"/>
                       <a:r>
-                        <a:rPr lang="en-US" sz="1200" b="0" i="0" u="none" strike="noStrike">
+                        <a:rPr lang="en-US" sz="4000" b="1" i="0" u="none" strike="noStrike" dirty="0" smtClean="0">
                           <a:solidFill>
                             <a:srgbClr val="000000"/>
                           </a:solidFill>
                           <a:effectLst/>
-                          <a:latin typeface="Arial Black"/>
+                          <a:latin typeface="Times New Roman"/>
+                          <a:cs typeface="Times New Roman"/>
                         </a:rPr>
-                        <a:t>Allele  Proportion Test</a:t>
+                        <a:t>Allele</a:t>
+                      </a:r>
+                      <a:r>
+                        <a:rPr lang="en-US" sz="4000" b="1" i="0" u="none" strike="noStrike" baseline="0" dirty="0" smtClean="0">
+                          <a:solidFill>
+                            <a:srgbClr val="000000"/>
+                          </a:solidFill>
+                          <a:effectLst/>
+                          <a:latin typeface="Times New Roman"/>
+                          <a:cs typeface="Times New Roman"/>
+                        </a:rPr>
+                        <a:t> </a:t>
+                      </a:r>
+                      <a:r>
+                        <a:rPr lang="en-US" sz="4000" b="1" i="0" u="none" strike="noStrike" dirty="0" smtClean="0">
+                          <a:solidFill>
+                            <a:srgbClr val="000000"/>
+                          </a:solidFill>
+                          <a:effectLst/>
+                          <a:latin typeface="Times New Roman"/>
+                          <a:cs typeface="Times New Roman"/>
+                        </a:rPr>
+                        <a:t>Proportion </a:t>
+                      </a:r>
+                      <a:r>
+                        <a:rPr lang="en-US" sz="4000" b="1" i="0" u="none" strike="noStrike" dirty="0">
+                          <a:solidFill>
+                            <a:srgbClr val="000000"/>
+                          </a:solidFill>
+                          <a:effectLst/>
+                          <a:latin typeface="Times New Roman"/>
+                          <a:cs typeface="Times New Roman"/>
+                        </a:rPr>
+                        <a:t>Test</a:t>
                       </a:r>
                     </a:p>
                   </a:txBody>
@@ -4279,7 +4190,7 @@
                   </a:tcPr>
                 </a:tc>
               </a:tr>
-              <a:tr h="637581">
+              <a:tr h="856702">
                 <a:tc>
                   <a:txBody>
                     <a:bodyPr/>
@@ -4287,21 +4198,23 @@
                     <a:p>
                       <a:pPr algn="l" fontAlgn="b"/>
                       <a:r>
-                        <a:rPr lang="en-US" sz="1200" b="0" i="0" u="none" strike="noStrike" dirty="0" smtClean="0">
+                        <a:rPr lang="en-US" sz="4000" b="1" i="0" u="none" strike="noStrike" dirty="0" smtClean="0">
                           <a:solidFill>
                             <a:srgbClr val="000000"/>
                           </a:solidFill>
                           <a:effectLst/>
-                          <a:latin typeface="Arial Black"/>
+                          <a:latin typeface="Times New Roman"/>
+                          <a:cs typeface="Times New Roman"/>
                         </a:rPr>
                         <a:t>Fisher’s Exact Test</a:t>
                       </a:r>
-                      <a:endParaRPr lang="en-US" sz="1200" b="0" i="0" u="none" strike="noStrike" dirty="0">
+                      <a:endParaRPr lang="en-US" sz="4000" b="1" i="0" u="none" strike="noStrike" dirty="0">
                         <a:solidFill>
                           <a:srgbClr val="000000"/>
                         </a:solidFill>
                         <a:effectLst/>
-                        <a:latin typeface="Arial Black"/>
+                        <a:latin typeface="Times New Roman"/>
+                        <a:cs typeface="Times New Roman"/>
                       </a:endParaRPr>
                     </a:p>
                   </a:txBody>
@@ -4333,8 +4246,8 @@
         </p:nvSpPr>
         <p:spPr>
           <a:xfrm>
-            <a:off x="14447256" y="23908333"/>
-            <a:ext cx="2462072" cy="4171344"/>
+            <a:off x="38458917" y="11270294"/>
+            <a:ext cx="3588640" cy="6279714"/>
           </a:xfrm>
           <a:prstGeom prst="curvedLeftArrow">
             <a:avLst/>
@@ -4394,8 +4307,8 @@
         </p:nvSpPr>
         <p:spPr>
           <a:xfrm>
-            <a:off x="6241940" y="27453159"/>
-            <a:ext cx="5161410" cy="1555136"/>
+            <a:off x="23311499" y="15883996"/>
+            <a:ext cx="6190249" cy="1666012"/>
           </a:xfrm>
           <a:prstGeom prst="leftArrow">
             <a:avLst/>
@@ -4471,8 +4384,8 @@
         </p:nvSpPr>
         <p:spPr>
           <a:xfrm>
-            <a:off x="317799" y="26515070"/>
-            <a:ext cx="4836536" cy="2493225"/>
+            <a:off x="16090418" y="14969711"/>
+            <a:ext cx="6740676" cy="5129672"/>
           </a:xfrm>
           <a:prstGeom prst="cloud">
             <a:avLst/>
@@ -4520,7 +4433,7 @@
           <a:p>
             <a:pPr algn="ctr"/>
             <a:r>
-              <a:rPr kumimoji="1" lang="en-US" altLang="zh-TW" sz="4000" dirty="0" smtClean="0">
+              <a:rPr kumimoji="1" lang="en-US" altLang="zh-TW" sz="4400" dirty="0" smtClean="0">
                 <a:solidFill>
                   <a:schemeClr val="tx1"/>
                 </a:solidFill>
@@ -4531,14 +4444,14 @@
           <a:p>
             <a:pPr algn="ctr"/>
             <a:r>
-              <a:rPr kumimoji="1" lang="en-US" altLang="zh-TW" sz="4000" dirty="0" smtClean="0">
+              <a:rPr kumimoji="1" lang="en-US" altLang="zh-TW" sz="4400" dirty="0" smtClean="0">
                 <a:solidFill>
                   <a:schemeClr val="tx1"/>
                 </a:solidFill>
               </a:rPr>
               <a:t>weights</a:t>
             </a:r>
-            <a:endParaRPr kumimoji="1" lang="en-US" altLang="zh-TW" sz="4000" dirty="0" smtClean="0">
+            <a:endParaRPr kumimoji="1" lang="en-US" altLang="zh-TW" sz="4400" dirty="0" smtClean="0">
               <a:solidFill>
                 <a:schemeClr val="tx1"/>
               </a:solidFill>
@@ -4546,6 +4459,273 @@
           </a:p>
         </p:txBody>
       </p:sp>
+      <p:pic>
+        <p:nvPicPr>
+          <p:cNvPr id="54" name="圖片 13"/>
+          <p:cNvPicPr>
+            <a:picLocks noChangeAspect="1"/>
+          </p:cNvPicPr>
+          <p:nvPr/>
+        </p:nvPicPr>
+        <p:blipFill>
+          <a:blip r:embed="rId5">
+            <a:extLst>
+              <a:ext uri="{28A0092B-C50C-407E-A947-70E740481C1C}">
+                <a14:useLocalDpi xmlns:a14="http://schemas.microsoft.com/office/drawing/2010/main" val="0"/>
+              </a:ext>
+            </a:extLst>
+          </a:blip>
+          <a:stretch>
+            <a:fillRect/>
+          </a:stretch>
+        </p:blipFill>
+        <p:spPr>
+          <a:xfrm>
+            <a:off x="30094250" y="13973587"/>
+            <a:ext cx="8364667" cy="6125796"/>
+          </a:xfrm>
+          <a:prstGeom prst="rect">
+            <a:avLst/>
+          </a:prstGeom>
+        </p:spPr>
+      </p:pic>
+      <p:sp>
+        <p:nvSpPr>
+          <p:cNvPr id="6" name="TextBox 5"/>
+          <p:cNvSpPr txBox="1"/>
+          <p:nvPr/>
+        </p:nvSpPr>
+        <p:spPr>
+          <a:xfrm>
+            <a:off x="798223" y="22599698"/>
+            <a:ext cx="14105627" cy="9787296"/>
+          </a:xfrm>
+          <a:prstGeom prst="rect">
+            <a:avLst/>
+          </a:prstGeom>
+          <a:solidFill>
+            <a:schemeClr val="bg1"/>
+          </a:solidFill>
+        </p:spPr>
+        <p:txBody>
+          <a:bodyPr wrap="square" rtlCol="0">
+            <a:spAutoFit/>
+          </a:bodyPr>
+          <a:lstStyle/>
+          <a:p>
+            <a:pPr marL="571500" indent="-571500">
+              <a:buFont typeface="Arial"/>
+              <a:buChar char="•"/>
+            </a:pPr>
+            <a:r>
+              <a:rPr lang="en-US" sz="4200" dirty="0" err="1" smtClean="0">
+                <a:latin typeface="Times New Roman"/>
+                <a:cs typeface="Times New Roman"/>
+              </a:rPr>
+              <a:t>Logit</a:t>
+            </a:r>
+            <a:r>
+              <a:rPr lang="en-US" sz="4200" dirty="0" smtClean="0">
+                <a:latin typeface="Times New Roman"/>
+                <a:cs typeface="Times New Roman"/>
+              </a:rPr>
+              <a:t>(Odds Ratio) Function:</a:t>
+            </a:r>
+          </a:p>
+          <a:p>
+            <a:pPr marL="571500" indent="-571500">
+              <a:buFont typeface="Arial"/>
+              <a:buChar char="•"/>
+            </a:pPr>
+            <a:endParaRPr lang="en-US" sz="4200" dirty="0">
+              <a:latin typeface="Times New Roman"/>
+              <a:cs typeface="Times New Roman"/>
+            </a:endParaRPr>
+          </a:p>
+          <a:p>
+            <a:pPr marL="571500" indent="-571500">
+              <a:buFont typeface="Arial"/>
+              <a:buChar char="•"/>
+            </a:pPr>
+            <a:endParaRPr lang="en-US" sz="4200" dirty="0" smtClean="0">
+              <a:latin typeface="Times New Roman"/>
+              <a:cs typeface="Times New Roman"/>
+            </a:endParaRPr>
+          </a:p>
+          <a:p>
+            <a:pPr marL="571500" indent="-571500">
+              <a:buFont typeface="Arial"/>
+              <a:buChar char="•"/>
+            </a:pPr>
+            <a:endParaRPr lang="en-US" sz="4200" dirty="0">
+              <a:latin typeface="Times New Roman"/>
+              <a:cs typeface="Times New Roman"/>
+            </a:endParaRPr>
+          </a:p>
+          <a:p>
+            <a:pPr marL="571500" indent="-571500">
+              <a:buFont typeface="Arial"/>
+              <a:buChar char="•"/>
+            </a:pPr>
+            <a:endParaRPr lang="en-US" sz="4200" dirty="0" smtClean="0">
+              <a:latin typeface="Times New Roman"/>
+              <a:cs typeface="Times New Roman"/>
+            </a:endParaRPr>
+          </a:p>
+          <a:p>
+            <a:pPr marL="571500" indent="-571500">
+              <a:buFont typeface="Arial"/>
+              <a:buChar char="•"/>
+            </a:pPr>
+            <a:r>
+              <a:rPr lang="en-US" sz="4200" dirty="0" smtClean="0">
+                <a:latin typeface="Times New Roman"/>
+                <a:cs typeface="Times New Roman"/>
+              </a:rPr>
+              <a:t>Proportions Test</a:t>
+            </a:r>
+            <a:endParaRPr lang="en-US" sz="4200" dirty="0">
+              <a:latin typeface="Times New Roman"/>
+              <a:cs typeface="Times New Roman"/>
+            </a:endParaRPr>
+          </a:p>
+          <a:p>
+            <a:pPr marL="571500" indent="-571500">
+              <a:buFont typeface="Arial"/>
+              <a:buChar char="•"/>
+            </a:pPr>
+            <a:endParaRPr lang="en-US" sz="4200" dirty="0" smtClean="0">
+              <a:latin typeface="Times New Roman"/>
+              <a:cs typeface="Times New Roman"/>
+            </a:endParaRPr>
+          </a:p>
+          <a:p>
+            <a:pPr marL="571500" indent="-571500">
+              <a:buFont typeface="Arial"/>
+              <a:buChar char="•"/>
+            </a:pPr>
+            <a:endParaRPr lang="en-US" sz="4200" dirty="0">
+              <a:latin typeface="Times New Roman"/>
+              <a:cs typeface="Times New Roman"/>
+            </a:endParaRPr>
+          </a:p>
+          <a:p>
+            <a:pPr marL="571500" indent="-571500">
+              <a:buFont typeface="Arial"/>
+              <a:buChar char="•"/>
+            </a:pPr>
+            <a:r>
+              <a:rPr lang="en-US" sz="4200" dirty="0" smtClean="0">
+                <a:latin typeface="Times New Roman"/>
+                <a:cs typeface="Times New Roman"/>
+              </a:rPr>
+              <a:t>Score Test</a:t>
+            </a:r>
+          </a:p>
+          <a:p>
+            <a:endParaRPr lang="en-US" sz="4200" dirty="0" smtClean="0">
+              <a:latin typeface="Times New Roman"/>
+              <a:cs typeface="Times New Roman"/>
+            </a:endParaRPr>
+          </a:p>
+          <a:p>
+            <a:pPr marL="571500" indent="-571500">
+              <a:buFont typeface="Arial"/>
+              <a:buChar char="•"/>
+            </a:pPr>
+            <a:r>
+              <a:rPr lang="en-US" sz="4200" dirty="0" smtClean="0">
+                <a:latin typeface="Times New Roman"/>
+                <a:cs typeface="Times New Roman"/>
+              </a:rPr>
+              <a:t>Fisher’s Exact Test: </a:t>
+            </a:r>
+          </a:p>
+          <a:p>
+            <a:pPr marL="571500" indent="-571500">
+              <a:buFont typeface="Arial"/>
+              <a:buChar char="•"/>
+            </a:pPr>
+            <a:endParaRPr lang="en-US" sz="4200" dirty="0">
+              <a:latin typeface="Times New Roman"/>
+              <a:cs typeface="Times New Roman"/>
+            </a:endParaRPr>
+          </a:p>
+          <a:p>
+            <a:endParaRPr lang="en-US" sz="4200" dirty="0" smtClean="0">
+              <a:latin typeface="Times New Roman"/>
+              <a:cs typeface="Times New Roman"/>
+            </a:endParaRPr>
+          </a:p>
+          <a:p>
+            <a:endParaRPr lang="en-US" sz="4200" dirty="0" smtClean="0">
+              <a:latin typeface="Times New Roman"/>
+              <a:cs typeface="Times New Roman"/>
+            </a:endParaRPr>
+          </a:p>
+          <a:p>
+            <a:r>
+              <a:rPr lang="en-US" sz="4200" dirty="0">
+                <a:latin typeface="Times New Roman"/>
+                <a:cs typeface="Times New Roman"/>
+              </a:rPr>
+              <a:t>	</a:t>
+            </a:r>
+            <a:endParaRPr lang="en-US" sz="4200" dirty="0" smtClean="0">
+              <a:latin typeface="Times New Roman"/>
+              <a:cs typeface="Times New Roman"/>
+            </a:endParaRPr>
+          </a:p>
+        </p:txBody>
+      </p:sp>
+      <p:pic>
+        <p:nvPicPr>
+          <p:cNvPr id="56" name="Picture 55"/>
+          <p:cNvPicPr>
+            <a:picLocks noChangeAspect="1"/>
+          </p:cNvPicPr>
+          <p:nvPr/>
+        </p:nvPicPr>
+        <p:blipFill>
+          <a:blip r:embed="rId6"/>
+          <a:stretch>
+            <a:fillRect/>
+          </a:stretch>
+        </p:blipFill>
+        <p:spPr>
+          <a:xfrm>
+            <a:off x="1778912" y="29833535"/>
+            <a:ext cx="4714177" cy="2048854"/>
+          </a:xfrm>
+          <a:prstGeom prst="rect">
+            <a:avLst/>
+          </a:prstGeom>
+        </p:spPr>
+      </p:pic>
+      <p:pic>
+        <p:nvPicPr>
+          <p:cNvPr id="57" name="Picture 56"/>
+          <p:cNvPicPr>
+            <a:picLocks noChangeAspect="1"/>
+          </p:cNvPicPr>
+          <p:nvPr/>
+        </p:nvPicPr>
+        <p:blipFill>
+          <a:blip r:embed="rId7"/>
+          <a:stretch>
+            <a:fillRect/>
+          </a:stretch>
+        </p:blipFill>
+        <p:spPr>
+          <a:xfrm>
+            <a:off x="1778912" y="23615361"/>
+            <a:ext cx="3635423" cy="1848521"/>
+          </a:xfrm>
+          <a:prstGeom prst="rect">
+            <a:avLst/>
+          </a:prstGeom>
+        </p:spPr>
+      </p:pic>
     </p:spTree>
     <p:extLst>
       <p:ext uri="{BB962C8B-B14F-4D97-AF65-F5344CB8AC3E}">

--- a/meta_poster.pptx
+++ b/meta_poster.pptx
@@ -3156,14 +3156,14 @@
       </p:sp>
       <p:sp>
         <p:nvSpPr>
-          <p:cNvPr id="4" name="TextBox 3"/>
-          <p:cNvSpPr txBox="1"/>
+          <p:cNvPr id="58" name="Rectangle 57"/>
+          <p:cNvSpPr/>
           <p:nvPr/>
         </p:nvSpPr>
         <p:spPr>
           <a:xfrm>
-            <a:off x="15772623" y="8849705"/>
-            <a:ext cx="26954357" cy="13678291"/>
+            <a:off x="15772623" y="8823183"/>
+            <a:ext cx="26954357" cy="12739240"/>
           </a:xfrm>
           <a:prstGeom prst="rect">
             <a:avLst/>
@@ -3171,14 +3171,29 @@
           <a:solidFill>
             <a:schemeClr val="bg1"/>
           </a:solidFill>
+          <a:ln>
+            <a:noFill/>
+          </a:ln>
         </p:spPr>
-        <p:txBody>
-          <a:bodyPr wrap="square" rtlCol="0">
-            <a:spAutoFit/>
-          </a:bodyPr>
-          <a:lstStyle/>
-          <a:p>
-            <a:endParaRPr lang="en-US" dirty="0"/>
+        <p:style>
+          <a:lnRef idx="1">
+            <a:schemeClr val="accent1"/>
+          </a:lnRef>
+          <a:fillRef idx="3">
+            <a:schemeClr val="accent1"/>
+          </a:fillRef>
+          <a:effectRef idx="2">
+            <a:schemeClr val="accent1"/>
+          </a:effectRef>
+          <a:fontRef idx="minor">
+            <a:schemeClr val="lt1"/>
+          </a:fontRef>
+        </p:style>
+        <p:txBody>
+          <a:bodyPr/>
+          <a:lstStyle/>
+          <a:p>
+            <a:endParaRPr lang="en-US"/>
           </a:p>
         </p:txBody>
       </p:sp>
@@ -3540,7 +3555,7 @@
         </p:nvSpPr>
         <p:spPr>
           <a:xfrm>
-            <a:off x="30573483" y="23615361"/>
+            <a:off x="15772623" y="23479756"/>
             <a:ext cx="12673454" cy="2511456"/>
           </a:xfrm>
           <a:prstGeom prst="rect">

--- a/meta_poster.pptx
+++ b/meta_poster.pptx
@@ -3555,7 +3555,7 @@
         </p:nvSpPr>
         <p:spPr>
           <a:xfrm>
-            <a:off x="15772623" y="23479756"/>
+            <a:off x="15772623" y="21562423"/>
             <a:ext cx="12673454" cy="2511456"/>
           </a:xfrm>
           <a:prstGeom prst="rect">

--- a/meta_poster.pptx
+++ b/meta_poster.pptx
@@ -288,7 +288,7 @@
           <a:p>
             <a:fld id="{0CC858CD-14EE-A141-A09E-CC8C6883F351}" type="datetimeFigureOut">
               <a:rPr lang="en-US" smtClean="0"/>
-              <a:t>6/24/15</a:t>
+              <a:t>15/6/24</a:t>
             </a:fld>
             <a:endParaRPr lang="en-US"/>
           </a:p>
@@ -458,7 +458,7 @@
           <a:p>
             <a:fld id="{0CC858CD-14EE-A141-A09E-CC8C6883F351}" type="datetimeFigureOut">
               <a:rPr lang="en-US" smtClean="0"/>
-              <a:t>6/24/15</a:t>
+              <a:t>15/6/24</a:t>
             </a:fld>
             <a:endParaRPr lang="en-US"/>
           </a:p>
@@ -638,7 +638,7 @@
           <a:p>
             <a:fld id="{0CC858CD-14EE-A141-A09E-CC8C6883F351}" type="datetimeFigureOut">
               <a:rPr lang="en-US" smtClean="0"/>
-              <a:t>6/24/15</a:t>
+              <a:t>15/6/24</a:t>
             </a:fld>
             <a:endParaRPr lang="en-US"/>
           </a:p>
@@ -808,7 +808,7 @@
           <a:p>
             <a:fld id="{0CC858CD-14EE-A141-A09E-CC8C6883F351}" type="datetimeFigureOut">
               <a:rPr lang="en-US" smtClean="0"/>
-              <a:t>6/24/15</a:t>
+              <a:t>15/6/24</a:t>
             </a:fld>
             <a:endParaRPr lang="en-US"/>
           </a:p>
@@ -1054,7 +1054,7 @@
           <a:p>
             <a:fld id="{0CC858CD-14EE-A141-A09E-CC8C6883F351}" type="datetimeFigureOut">
               <a:rPr lang="en-US" smtClean="0"/>
-              <a:t>6/24/15</a:t>
+              <a:t>15/6/24</a:t>
             </a:fld>
             <a:endParaRPr lang="en-US"/>
           </a:p>
@@ -1342,7 +1342,7 @@
           <a:p>
             <a:fld id="{0CC858CD-14EE-A141-A09E-CC8C6883F351}" type="datetimeFigureOut">
               <a:rPr lang="en-US" smtClean="0"/>
-              <a:t>6/24/15</a:t>
+              <a:t>15/6/24</a:t>
             </a:fld>
             <a:endParaRPr lang="en-US"/>
           </a:p>
@@ -1764,7 +1764,7 @@
           <a:p>
             <a:fld id="{0CC858CD-14EE-A141-A09E-CC8C6883F351}" type="datetimeFigureOut">
               <a:rPr lang="en-US" smtClean="0"/>
-              <a:t>6/24/15</a:t>
+              <a:t>15/6/24</a:t>
             </a:fld>
             <a:endParaRPr lang="en-US"/>
           </a:p>
@@ -1882,7 +1882,7 @@
           <a:p>
             <a:fld id="{0CC858CD-14EE-A141-A09E-CC8C6883F351}" type="datetimeFigureOut">
               <a:rPr lang="en-US" smtClean="0"/>
-              <a:t>6/24/15</a:t>
+              <a:t>15/6/24</a:t>
             </a:fld>
             <a:endParaRPr lang="en-US"/>
           </a:p>
@@ -1977,7 +1977,7 @@
           <a:p>
             <a:fld id="{0CC858CD-14EE-A141-A09E-CC8C6883F351}" type="datetimeFigureOut">
               <a:rPr lang="en-US" smtClean="0"/>
-              <a:t>6/24/15</a:t>
+              <a:t>15/6/24</a:t>
             </a:fld>
             <a:endParaRPr lang="en-US"/>
           </a:p>
@@ -2254,7 +2254,7 @@
           <a:p>
             <a:fld id="{0CC858CD-14EE-A141-A09E-CC8C6883F351}" type="datetimeFigureOut">
               <a:rPr lang="en-US" smtClean="0"/>
-              <a:t>6/24/15</a:t>
+              <a:t>15/6/24</a:t>
             </a:fld>
             <a:endParaRPr lang="en-US"/>
           </a:p>
@@ -2507,7 +2507,7 @@
           <a:p>
             <a:fld id="{0CC858CD-14EE-A141-A09E-CC8C6883F351}" type="datetimeFigureOut">
               <a:rPr lang="en-US" smtClean="0"/>
-              <a:t>6/24/15</a:t>
+              <a:t>15/6/24</a:t>
             </a:fld>
             <a:endParaRPr lang="en-US"/>
           </a:p>
@@ -2720,7 +2720,7 @@
           <a:p>
             <a:fld id="{0CC858CD-14EE-A141-A09E-CC8C6883F351}" type="datetimeFigureOut">
               <a:rPr lang="en-US" smtClean="0"/>
-              <a:t>6/24/15</a:t>
+              <a:t>15/6/24</a:t>
             </a:fld>
             <a:endParaRPr lang="en-US"/>
           </a:p>
@@ -3162,8 +3162,8 @@
         </p:nvSpPr>
         <p:spPr>
           <a:xfrm>
-            <a:off x="15772623" y="8823183"/>
-            <a:ext cx="26954357" cy="12739240"/>
+            <a:off x="15657171" y="8823183"/>
+            <a:ext cx="27483588" cy="12196812"/>
           </a:xfrm>
           <a:prstGeom prst="rect">
             <a:avLst/>
@@ -3356,10 +3356,6 @@
               </a:rPr>
               <a:t>Genomics Meta Analysis</a:t>
             </a:r>
-            <a:endParaRPr lang="en-US" sz="12000" b="1" dirty="0">
-              <a:latin typeface="Times New Roman"/>
-              <a:cs typeface="Times New Roman"/>
-            </a:endParaRPr>
           </a:p>
         </p:txBody>
       </p:sp>
@@ -3513,8 +3509,8 @@
         </p:nvSpPr>
         <p:spPr>
           <a:xfrm>
-            <a:off x="15772623" y="7579766"/>
-            <a:ext cx="26954357" cy="1243417"/>
+            <a:off x="15657171" y="7732166"/>
+            <a:ext cx="27483588" cy="1243417"/>
           </a:xfrm>
           <a:prstGeom prst="rect">
             <a:avLst/>
@@ -3544,44 +3540,6 @@
               <a:latin typeface="Times New Roman"/>
               <a:cs typeface="Times New Roman"/>
             </a:endParaRPr>
-          </a:p>
-        </p:txBody>
-      </p:sp>
-      <p:sp>
-        <p:nvSpPr>
-          <p:cNvPr id="28" name="TextBox 27"/>
-          <p:cNvSpPr txBox="1"/>
-          <p:nvPr/>
-        </p:nvSpPr>
-        <p:spPr>
-          <a:xfrm>
-            <a:off x="15772623" y="21562423"/>
-            <a:ext cx="12673454" cy="2511456"/>
-          </a:xfrm>
-          <a:prstGeom prst="rect">
-            <a:avLst/>
-          </a:prstGeom>
-          <a:solidFill>
-            <a:schemeClr val="accent3">
-              <a:lumMod val="40000"/>
-              <a:lumOff val="60000"/>
-            </a:schemeClr>
-          </a:solidFill>
-        </p:spPr>
-        <p:txBody>
-          <a:bodyPr wrap="square" lIns="438912" tIns="219456" rIns="438912" bIns="219456" rtlCol="0">
-            <a:spAutoFit/>
-          </a:bodyPr>
-          <a:lstStyle/>
-          <a:p>
-            <a:pPr algn="ctr"/>
-            <a:r>
-              <a:rPr lang="en-US" sz="13400" b="1" i="1" dirty="0">
-                <a:latin typeface="Times New Roman"/>
-                <a:cs typeface="Times New Roman"/>
-              </a:rPr>
-              <a:t>Graphs</a:t>
-            </a:r>
           </a:p>
         </p:txBody>
       </p:sp>
@@ -3931,44 +3889,6 @@
           </p:txBody>
         </p:sp>
       </p:grpSp>
-      <p:sp>
-        <p:nvSpPr>
-          <p:cNvPr id="34" name="TextBox 33"/>
-          <p:cNvSpPr txBox="1"/>
-          <p:nvPr/>
-        </p:nvSpPr>
-        <p:spPr>
-          <a:xfrm>
-            <a:off x="775770" y="21707146"/>
-            <a:ext cx="14128080" cy="892552"/>
-          </a:xfrm>
-          <a:prstGeom prst="rect">
-            <a:avLst/>
-          </a:prstGeom>
-          <a:solidFill>
-            <a:schemeClr val="accent3">
-              <a:lumMod val="40000"/>
-              <a:lumOff val="60000"/>
-            </a:schemeClr>
-          </a:solidFill>
-        </p:spPr>
-        <p:txBody>
-          <a:bodyPr wrap="square" rtlCol="0">
-            <a:spAutoFit/>
-          </a:bodyPr>
-          <a:lstStyle/>
-          <a:p>
-            <a:pPr algn="ctr"/>
-            <a:r>
-              <a:rPr lang="en-US" sz="5200" b="1" i="1" dirty="0" smtClean="0">
-                <a:latin typeface="Times New Roman"/>
-                <a:cs typeface="Times New Roman"/>
-              </a:rPr>
-              <a:t>Equations</a:t>
-            </a:r>
-          </a:p>
-        </p:txBody>
-      </p:sp>
       <p:pic>
         <p:nvPicPr>
           <p:cNvPr id="44" name="table"/>
@@ -4001,7 +3921,7 @@
         </p:nvSpPr>
         <p:spPr>
           <a:xfrm>
-            <a:off x="24898627" y="10783985"/>
+            <a:off x="24289027" y="10783985"/>
             <a:ext cx="5195624" cy="1779682"/>
           </a:xfrm>
           <a:prstGeom prst="stripedRightArrow">
@@ -4029,11 +3949,7 @@
             <a:pPr algn="ctr"/>
             <a:r>
               <a:rPr kumimoji="1" lang="en-US" altLang="zh-TW" sz="4000" dirty="0" smtClean="0"/>
-              <a:t>Apply data </a:t>
-            </a:r>
-            <a:r>
-              <a:rPr kumimoji="1" lang="en-US" altLang="zh-TW" sz="4000" dirty="0" smtClean="0"/>
-              <a:t>to</a:t>
+              <a:t>Apply data to</a:t>
             </a:r>
             <a:endParaRPr kumimoji="1" lang="zh-TW" altLang="en-US" sz="4000" dirty="0"/>
           </a:p>
@@ -4048,13 +3964,13 @@
           <p:nvPr>
             <p:extLst>
               <p:ext uri="{D42A27DB-BD31-4B8C-83A1-F6EECF244321}">
-                <p14:modId xmlns:p14="http://schemas.microsoft.com/office/powerpoint/2010/main" val="108731028"/>
+                <p14:modId xmlns:p14="http://schemas.microsoft.com/office/powerpoint/2010/main" val="3878362033"/>
               </p:ext>
             </p:extLst>
           </p:nvPr>
         </p:nvGraphicFramePr>
         <p:xfrm>
-          <a:off x="30920203" y="10027217"/>
+          <a:off x="30535361" y="9774214"/>
           <a:ext cx="7538714" cy="3426808"/>
         </p:xfrm>
         <a:graphic>
@@ -4253,6 +4169,36 @@
           </a:graphicData>
         </a:graphic>
       </p:graphicFrame>
+      <p:pic>
+        <p:nvPicPr>
+          <p:cNvPr id="54" name="圖片 13"/>
+          <p:cNvPicPr>
+            <a:picLocks noChangeAspect="1"/>
+          </p:cNvPicPr>
+          <p:nvPr/>
+        </p:nvPicPr>
+        <p:blipFill>
+          <a:blip r:embed="rId5">
+            <a:extLst>
+              <a:ext uri="{28A0092B-C50C-407E-A947-70E740481C1C}">
+                <a14:useLocalDpi xmlns:a14="http://schemas.microsoft.com/office/drawing/2010/main" val="0"/>
+              </a:ext>
+            </a:extLst>
+          </a:blip>
+          <a:stretch>
+            <a:fillRect/>
+          </a:stretch>
+        </p:blipFill>
+        <p:spPr>
+          <a:xfrm>
+            <a:off x="29108400" y="13733453"/>
+            <a:ext cx="9949645" cy="7286542"/>
+          </a:xfrm>
+          <a:prstGeom prst="rect">
+            <a:avLst/>
+          </a:prstGeom>
+        </p:spPr>
+      </p:pic>
       <p:sp>
         <p:nvSpPr>
           <p:cNvPr id="50" name="弧形向左鍵 12"/>
@@ -4322,8 +4268,8 @@
         </p:nvSpPr>
         <p:spPr>
           <a:xfrm>
-            <a:off x="23311499" y="15883996"/>
-            <a:ext cx="6190249" cy="1666012"/>
+            <a:off x="23489299" y="16163396"/>
+            <a:ext cx="5619101" cy="1666012"/>
           </a:xfrm>
           <a:prstGeom prst="leftArrow">
             <a:avLst/>
@@ -4466,44 +4412,9 @@
               </a:rPr>
               <a:t>weights</a:t>
             </a:r>
-            <a:endParaRPr kumimoji="1" lang="en-US" altLang="zh-TW" sz="4400" dirty="0" smtClean="0">
-              <a:solidFill>
-                <a:schemeClr val="tx1"/>
-              </a:solidFill>
-            </a:endParaRPr>
-          </a:p>
-        </p:txBody>
-      </p:sp>
-      <p:pic>
-        <p:nvPicPr>
-          <p:cNvPr id="54" name="圖片 13"/>
-          <p:cNvPicPr>
-            <a:picLocks noChangeAspect="1"/>
-          </p:cNvPicPr>
-          <p:nvPr/>
-        </p:nvPicPr>
-        <p:blipFill>
-          <a:blip r:embed="rId5">
-            <a:extLst>
-              <a:ext uri="{28A0092B-C50C-407E-A947-70E740481C1C}">
-                <a14:useLocalDpi xmlns:a14="http://schemas.microsoft.com/office/drawing/2010/main" val="0"/>
-              </a:ext>
-            </a:extLst>
-          </a:blip>
-          <a:stretch>
-            <a:fillRect/>
-          </a:stretch>
-        </p:blipFill>
-        <p:spPr>
-          <a:xfrm>
-            <a:off x="30094250" y="13973587"/>
-            <a:ext cx="8364667" cy="6125796"/>
-          </a:xfrm>
-          <a:prstGeom prst="rect">
-            <a:avLst/>
-          </a:prstGeom>
-        </p:spPr>
-      </p:pic>
+          </a:p>
+        </p:txBody>
+      </p:sp>
       <p:sp>
         <p:nvSpPr>
           <p:cNvPr id="6" name="TextBox 5"/>
@@ -4512,8 +4423,8 @@
         </p:nvSpPr>
         <p:spPr>
           <a:xfrm>
-            <a:off x="798223" y="22599698"/>
-            <a:ext cx="14105627" cy="9787296"/>
+            <a:off x="775771" y="22421898"/>
+            <a:ext cx="14128080" cy="10433626"/>
           </a:xfrm>
           <a:prstGeom prst="rect">
             <a:avLst/>
@@ -4558,6 +4469,36 @@
             </a:endParaRPr>
           </a:p>
           <a:p>
+            <a:endParaRPr lang="en-US" sz="4200" dirty="0" smtClean="0">
+              <a:latin typeface="Times New Roman"/>
+              <a:cs typeface="Times New Roman"/>
+            </a:endParaRPr>
+          </a:p>
+          <a:p>
+            <a:pPr marL="571500" indent="-571500">
+              <a:buFont typeface="Arial"/>
+              <a:buChar char="•"/>
+            </a:pPr>
+            <a:r>
+              <a:rPr lang="en-US" sz="4200" dirty="0" smtClean="0">
+                <a:latin typeface="Times New Roman"/>
+                <a:cs typeface="Times New Roman"/>
+              </a:rPr>
+              <a:t>Proportions </a:t>
+            </a:r>
+            <a:r>
+              <a:rPr lang="en-US" sz="4200" dirty="0" smtClean="0">
+                <a:latin typeface="Times New Roman"/>
+                <a:cs typeface="Times New Roman"/>
+              </a:rPr>
+              <a:t>Test</a:t>
+            </a:r>
+            <a:endParaRPr lang="en-US" sz="4200" dirty="0">
+              <a:latin typeface="Times New Roman"/>
+              <a:cs typeface="Times New Roman"/>
+            </a:endParaRPr>
+          </a:p>
+          <a:p>
             <a:pPr marL="571500" indent="-571500">
               <a:buFont typeface="Arial"/>
               <a:buChar char="•"/>
@@ -4572,7 +4513,55 @@
               <a:buFont typeface="Arial"/>
               <a:buChar char="•"/>
             </a:pPr>
+            <a:endParaRPr lang="en-US" sz="4200" dirty="0" smtClean="0">
+              <a:latin typeface="Times New Roman"/>
+              <a:cs typeface="Times New Roman"/>
+            </a:endParaRPr>
+          </a:p>
+          <a:p>
+            <a:pPr marL="571500" indent="-571500">
+              <a:buFont typeface="Arial"/>
+              <a:buChar char="•"/>
+            </a:pPr>
             <a:endParaRPr lang="en-US" sz="4200" dirty="0">
+              <a:latin typeface="Times New Roman"/>
+              <a:cs typeface="Times New Roman"/>
+            </a:endParaRPr>
+          </a:p>
+          <a:p>
+            <a:pPr marL="571500" indent="-571500">
+              <a:buFont typeface="Arial"/>
+              <a:buChar char="•"/>
+            </a:pPr>
+            <a:r>
+              <a:rPr lang="en-US" sz="4200" dirty="0" smtClean="0">
+                <a:latin typeface="Times New Roman"/>
+                <a:cs typeface="Times New Roman"/>
+              </a:rPr>
+              <a:t>Score </a:t>
+            </a:r>
+            <a:r>
+              <a:rPr lang="en-US" sz="4200" dirty="0" smtClean="0">
+                <a:latin typeface="Times New Roman"/>
+                <a:cs typeface="Times New Roman"/>
+              </a:rPr>
+              <a:t>Test</a:t>
+            </a:r>
+          </a:p>
+          <a:p>
+            <a:endParaRPr lang="en-US" sz="4200" dirty="0" smtClean="0">
+              <a:latin typeface="Times New Roman"/>
+              <a:cs typeface="Times New Roman"/>
+            </a:endParaRPr>
+          </a:p>
+          <a:p>
+            <a:endParaRPr lang="en-US" sz="4200" dirty="0" smtClean="0">
+              <a:latin typeface="Times New Roman"/>
+              <a:cs typeface="Times New Roman"/>
+            </a:endParaRPr>
+          </a:p>
+          <a:p>
+            <a:endParaRPr lang="en-US" sz="4200" dirty="0" smtClean="0">
               <a:latin typeface="Times New Roman"/>
               <a:cs typeface="Times New Roman"/>
             </a:endParaRPr>
@@ -4597,70 +4586,15 @@
                 <a:latin typeface="Times New Roman"/>
                 <a:cs typeface="Times New Roman"/>
               </a:rPr>
-              <a:t>Proportions Test</a:t>
-            </a:r>
-            <a:endParaRPr lang="en-US" sz="4200" dirty="0">
-              <a:latin typeface="Times New Roman"/>
-              <a:cs typeface="Times New Roman"/>
-            </a:endParaRPr>
-          </a:p>
-          <a:p>
-            <a:pPr marL="571500" indent="-571500">
-              <a:buFont typeface="Arial"/>
-              <a:buChar char="•"/>
-            </a:pPr>
-            <a:endParaRPr lang="en-US" sz="4200" dirty="0" smtClean="0">
-              <a:latin typeface="Times New Roman"/>
-              <a:cs typeface="Times New Roman"/>
-            </a:endParaRPr>
-          </a:p>
-          <a:p>
-            <a:pPr marL="571500" indent="-571500">
-              <a:buFont typeface="Arial"/>
-              <a:buChar char="•"/>
-            </a:pPr>
-            <a:endParaRPr lang="en-US" sz="4200" dirty="0">
-              <a:latin typeface="Times New Roman"/>
-              <a:cs typeface="Times New Roman"/>
-            </a:endParaRPr>
-          </a:p>
-          <a:p>
-            <a:pPr marL="571500" indent="-571500">
-              <a:buFont typeface="Arial"/>
-              <a:buChar char="•"/>
-            </a:pPr>
+              <a:t>Fisher’s </a:t>
+            </a:r>
             <a:r>
               <a:rPr lang="en-US" sz="4200" dirty="0" smtClean="0">
                 <a:latin typeface="Times New Roman"/>
                 <a:cs typeface="Times New Roman"/>
               </a:rPr>
-              <a:t>Score Test</a:t>
-            </a:r>
-          </a:p>
-          <a:p>
-            <a:endParaRPr lang="en-US" sz="4200" dirty="0" smtClean="0">
-              <a:latin typeface="Times New Roman"/>
-              <a:cs typeface="Times New Roman"/>
-            </a:endParaRPr>
-          </a:p>
-          <a:p>
-            <a:pPr marL="571500" indent="-571500">
-              <a:buFont typeface="Arial"/>
-              <a:buChar char="•"/>
-            </a:pPr>
-            <a:r>
-              <a:rPr lang="en-US" sz="4200" dirty="0" smtClean="0">
-                <a:latin typeface="Times New Roman"/>
-                <a:cs typeface="Times New Roman"/>
-              </a:rPr>
-              <a:t>Fisher’s Exact Test: </a:t>
-            </a:r>
-          </a:p>
-          <a:p>
-            <a:pPr marL="571500" indent="-571500">
-              <a:buFont typeface="Arial"/>
-              <a:buChar char="•"/>
-            </a:pPr>
+              <a:t>Exact Test: </a:t>
+            </a:r>
             <a:endParaRPr lang="en-US" sz="4200" dirty="0">
               <a:latin typeface="Times New Roman"/>
               <a:cs typeface="Times New Roman"/>
@@ -4709,8 +4643,8 @@
         </p:blipFill>
         <p:spPr>
           <a:xfrm>
-            <a:off x="1778912" y="29833535"/>
-            <a:ext cx="4714177" cy="2048854"/>
+            <a:off x="1778913" y="30968827"/>
+            <a:ext cx="3212866" cy="1396361"/>
           </a:xfrm>
           <a:prstGeom prst="rect">
             <a:avLst/>
@@ -4733,8 +4667,277 @@
         </p:blipFill>
         <p:spPr>
           <a:xfrm>
-            <a:off x="1778912" y="23615361"/>
-            <a:ext cx="3635423" cy="1848521"/>
+            <a:off x="1338494" y="23183956"/>
+            <a:ext cx="2762220" cy="1404519"/>
+          </a:xfrm>
+          <a:prstGeom prst="rect">
+            <a:avLst/>
+          </a:prstGeom>
+        </p:spPr>
+      </p:pic>
+      <p:sp>
+        <p:nvSpPr>
+          <p:cNvPr id="29" name="Rectangle 57"/>
+          <p:cNvSpPr/>
+          <p:nvPr/>
+        </p:nvSpPr>
+        <p:spPr>
+          <a:xfrm>
+            <a:off x="15657171" y="21707146"/>
+            <a:ext cx="27483588" cy="11148378"/>
+          </a:xfrm>
+          <a:prstGeom prst="rect">
+            <a:avLst/>
+          </a:prstGeom>
+          <a:solidFill>
+            <a:schemeClr val="bg1"/>
+          </a:solidFill>
+          <a:ln>
+            <a:noFill/>
+          </a:ln>
+        </p:spPr>
+        <p:style>
+          <a:lnRef idx="1">
+            <a:schemeClr val="accent1"/>
+          </a:lnRef>
+          <a:fillRef idx="3">
+            <a:schemeClr val="accent1"/>
+          </a:fillRef>
+          <a:effectRef idx="2">
+            <a:schemeClr val="accent1"/>
+          </a:effectRef>
+          <a:fontRef idx="minor">
+            <a:schemeClr val="lt1"/>
+          </a:fontRef>
+        </p:style>
+        <p:txBody>
+          <a:bodyPr/>
+          <a:lstStyle/>
+          <a:p>
+            <a:endParaRPr lang="en-US"/>
+          </a:p>
+        </p:txBody>
+      </p:sp>
+      <p:sp>
+        <p:nvSpPr>
+          <p:cNvPr id="28" name="TextBox 27"/>
+          <p:cNvSpPr txBox="1"/>
+          <p:nvPr/>
+        </p:nvSpPr>
+        <p:spPr>
+          <a:xfrm>
+            <a:off x="15631220" y="21534724"/>
+            <a:ext cx="27509539" cy="1243417"/>
+          </a:xfrm>
+          <a:prstGeom prst="rect">
+            <a:avLst/>
+          </a:prstGeom>
+          <a:solidFill>
+            <a:schemeClr val="accent3">
+              <a:lumMod val="40000"/>
+              <a:lumOff val="60000"/>
+            </a:schemeClr>
+          </a:solidFill>
+        </p:spPr>
+        <p:txBody>
+          <a:bodyPr wrap="square" lIns="438912" tIns="219456" rIns="438912" bIns="219456" rtlCol="0">
+            <a:spAutoFit/>
+          </a:bodyPr>
+          <a:lstStyle/>
+          <a:p>
+            <a:pPr algn="ctr"/>
+            <a:r>
+              <a:rPr lang="en-US" sz="5200" b="1" i="1" dirty="0">
+                <a:latin typeface="Times New Roman"/>
+                <a:cs typeface="Times New Roman"/>
+              </a:rPr>
+              <a:t>Graphs</a:t>
+            </a:r>
+          </a:p>
+        </p:txBody>
+      </p:sp>
+      <p:sp>
+        <p:nvSpPr>
+          <p:cNvPr id="34" name="TextBox 33"/>
+          <p:cNvSpPr txBox="1"/>
+          <p:nvPr/>
+        </p:nvSpPr>
+        <p:spPr>
+          <a:xfrm>
+            <a:off x="775770" y="21529346"/>
+            <a:ext cx="14128080" cy="892552"/>
+          </a:xfrm>
+          <a:prstGeom prst="rect">
+            <a:avLst/>
+          </a:prstGeom>
+          <a:solidFill>
+            <a:schemeClr val="accent3">
+              <a:lumMod val="40000"/>
+              <a:lumOff val="60000"/>
+            </a:schemeClr>
+          </a:solidFill>
+        </p:spPr>
+        <p:txBody>
+          <a:bodyPr wrap="square" rtlCol="0">
+            <a:spAutoFit/>
+          </a:bodyPr>
+          <a:lstStyle/>
+          <a:p>
+            <a:pPr algn="ctr"/>
+            <a:r>
+              <a:rPr lang="en-US" sz="5200" b="1" i="1" dirty="0" smtClean="0">
+                <a:latin typeface="Times New Roman"/>
+                <a:cs typeface="Times New Roman"/>
+              </a:rPr>
+              <a:t>Equations</a:t>
+            </a:r>
+          </a:p>
+        </p:txBody>
+      </p:sp>
+      <p:pic>
+        <p:nvPicPr>
+          <p:cNvPr id="4" name="圖片 3" descr="alfr_equation.png"/>
+          <p:cNvPicPr>
+            <a:picLocks noChangeAspect="1"/>
+          </p:cNvPicPr>
+          <p:nvPr/>
+        </p:nvPicPr>
+        <p:blipFill>
+          <a:blip r:embed="rId8">
+            <a:extLst>
+              <a:ext uri="{28A0092B-C50C-407E-A947-70E740481C1C}">
+                <a14:useLocalDpi xmlns:a14="http://schemas.microsoft.com/office/drawing/2010/main" val="0"/>
+              </a:ext>
+            </a:extLst>
+          </a:blip>
+          <a:stretch>
+            <a:fillRect/>
+          </a:stretch>
+        </p:blipFill>
+        <p:spPr>
+          <a:xfrm>
+            <a:off x="1338494" y="24997217"/>
+            <a:ext cx="6157017" cy="1935872"/>
+          </a:xfrm>
+          <a:prstGeom prst="rect">
+            <a:avLst/>
+          </a:prstGeom>
+        </p:spPr>
+      </p:pic>
+      <p:pic>
+        <p:nvPicPr>
+          <p:cNvPr id="11" name="圖片 10" descr="score_equation.png"/>
+          <p:cNvPicPr>
+            <a:picLocks noChangeAspect="1"/>
+          </p:cNvPicPr>
+          <p:nvPr/>
+        </p:nvPicPr>
+        <p:blipFill>
+          <a:blip r:embed="rId9">
+            <a:extLst>
+              <a:ext uri="{28A0092B-C50C-407E-A947-70E740481C1C}">
+                <a14:useLocalDpi xmlns:a14="http://schemas.microsoft.com/office/drawing/2010/main" val="0"/>
+              </a:ext>
+            </a:extLst>
+          </a:blip>
+          <a:stretch>
+            <a:fillRect/>
+          </a:stretch>
+        </p:blipFill>
+        <p:spPr>
+          <a:xfrm>
+            <a:off x="1312364" y="28144128"/>
+            <a:ext cx="5180725" cy="1565652"/>
+          </a:xfrm>
+          <a:prstGeom prst="rect">
+            <a:avLst/>
+          </a:prstGeom>
+        </p:spPr>
+      </p:pic>
+      <p:pic>
+        <p:nvPicPr>
+          <p:cNvPr id="13" name="圖片 12" descr="comparison_0.01.png"/>
+          <p:cNvPicPr>
+            <a:picLocks noChangeAspect="1"/>
+          </p:cNvPicPr>
+          <p:nvPr/>
+        </p:nvPicPr>
+        <p:blipFill>
+          <a:blip r:embed="rId10">
+            <a:extLst>
+              <a:ext uri="{28A0092B-C50C-407E-A947-70E740481C1C}">
+                <a14:useLocalDpi xmlns:a14="http://schemas.microsoft.com/office/drawing/2010/main" val="0"/>
+              </a:ext>
+            </a:extLst>
+          </a:blip>
+          <a:stretch>
+            <a:fillRect/>
+          </a:stretch>
+        </p:blipFill>
+        <p:spPr>
+          <a:xfrm>
+            <a:off x="16107901" y="23714818"/>
+            <a:ext cx="7680834" cy="7784871"/>
+          </a:xfrm>
+          <a:prstGeom prst="rect">
+            <a:avLst/>
+          </a:prstGeom>
+        </p:spPr>
+      </p:pic>
+      <p:pic>
+        <p:nvPicPr>
+          <p:cNvPr id="3" name="圖片 2"/>
+          <p:cNvPicPr>
+            <a:picLocks noChangeAspect="1"/>
+          </p:cNvPicPr>
+          <p:nvPr/>
+        </p:nvPicPr>
+        <p:blipFill>
+          <a:blip r:embed="rId11">
+            <a:extLst>
+              <a:ext uri="{28A0092B-C50C-407E-A947-70E740481C1C}">
+                <a14:useLocalDpi xmlns:a14="http://schemas.microsoft.com/office/drawing/2010/main" val="0"/>
+              </a:ext>
+            </a:extLst>
+          </a:blip>
+          <a:stretch>
+            <a:fillRect/>
+          </a:stretch>
+        </p:blipFill>
+        <p:spPr>
+          <a:xfrm>
+            <a:off x="23904187" y="23715510"/>
+            <a:ext cx="10894745" cy="7978680"/>
+          </a:xfrm>
+          <a:prstGeom prst="rect">
+            <a:avLst/>
+          </a:prstGeom>
+        </p:spPr>
+      </p:pic>
+      <p:pic>
+        <p:nvPicPr>
+          <p:cNvPr id="15" name="圖片 14"/>
+          <p:cNvPicPr>
+            <a:picLocks noChangeAspect="1"/>
+          </p:cNvPicPr>
+          <p:nvPr/>
+        </p:nvPicPr>
+        <p:blipFill>
+          <a:blip r:embed="rId12">
+            <a:extLst>
+              <a:ext uri="{28A0092B-C50C-407E-A947-70E740481C1C}">
+                <a14:useLocalDpi xmlns:a14="http://schemas.microsoft.com/office/drawing/2010/main" val="0"/>
+              </a:ext>
+            </a:extLst>
+          </a:blip>
+          <a:stretch>
+            <a:fillRect/>
+          </a:stretch>
+        </p:blipFill>
+        <p:spPr>
+          <a:xfrm>
+            <a:off x="33804294" y="24177318"/>
+            <a:ext cx="9309246" cy="7358605"/>
           </a:xfrm>
           <a:prstGeom prst="rect">
             <a:avLst/>

--- a/meta_poster.pptx
+++ b/meta_poster.pptx
@@ -4394,13 +4394,26 @@
           <a:p>
             <a:pPr algn="ctr"/>
             <a:r>
+              <a:rPr kumimoji="1" lang="en-US" altLang="zh-TW" sz="4400" dirty="0">
+                <a:solidFill>
+                  <a:schemeClr val="tx1"/>
+                </a:solidFill>
+              </a:rPr>
+              <a:t>p</a:t>
+            </a:r>
+            <a:r>
               <a:rPr kumimoji="1" lang="en-US" altLang="zh-TW" sz="4400" dirty="0" smtClean="0">
                 <a:solidFill>
                   <a:schemeClr val="tx1"/>
                 </a:solidFill>
               </a:rPr>
-              <a:t>Parameters</a:t>
-            </a:r>
+              <a:t>arameters</a:t>
+            </a:r>
+            <a:endParaRPr kumimoji="1" lang="en-US" altLang="zh-TW" sz="4400" dirty="0" smtClean="0">
+              <a:solidFill>
+                <a:schemeClr val="tx1"/>
+              </a:solidFill>
+            </a:endParaRPr>
           </a:p>
           <a:p>
             <a:pPr algn="ctr"/>
@@ -4567,33 +4580,29 @@
             </a:endParaRPr>
           </a:p>
           <a:p>
+            <a:endParaRPr lang="en-US" sz="4200" dirty="0" smtClean="0">
+              <a:latin typeface="Times New Roman"/>
+              <a:cs typeface="Times New Roman"/>
+            </a:endParaRPr>
+          </a:p>
+          <a:p>
             <a:pPr marL="571500" indent="-571500">
               <a:buFont typeface="Arial"/>
               <a:buChar char="•"/>
             </a:pPr>
-            <a:endParaRPr lang="en-US" sz="4200" dirty="0" smtClean="0">
-              <a:latin typeface="Times New Roman"/>
-              <a:cs typeface="Times New Roman"/>
-            </a:endParaRPr>
-          </a:p>
-          <a:p>
-            <a:pPr marL="571500" indent="-571500">
-              <a:buFont typeface="Arial"/>
-              <a:buChar char="•"/>
-            </a:pPr>
             <a:r>
               <a:rPr lang="en-US" sz="4200" dirty="0" smtClean="0">
                 <a:latin typeface="Times New Roman"/>
                 <a:cs typeface="Times New Roman"/>
               </a:rPr>
-              <a:t>Fisher’s </a:t>
+              <a:t>Chi-squared </a:t>
             </a:r>
             <a:r>
               <a:rPr lang="en-US" sz="4200" dirty="0" smtClean="0">
                 <a:latin typeface="Times New Roman"/>
                 <a:cs typeface="Times New Roman"/>
               </a:rPr>
-              <a:t>Exact Test: </a:t>
+              <a:t>Test: </a:t>
             </a:r>
             <a:endParaRPr lang="en-US" sz="4200" dirty="0">
               <a:latin typeface="Times New Roman"/>
